--- a/presentation/slides.pptx
+++ b/presentation/slides.pptx
@@ -9,8 +9,8 @@
   </p:notesMasterIdLst>
   <p:sldIdLst>
     <p:sldId id="258" r:id="rId2"/>
-    <p:sldId id="257" r:id="rId3"/>
-    <p:sldId id="259" r:id="rId4"/>
+    <p:sldId id="259" r:id="rId3"/>
+    <p:sldId id="257" r:id="rId4"/>
   </p:sldIdLst>
   <p:sldSz cx="12192000" cy="6858000"/>
   <p:notesSz cx="6858000" cy="9144000"/>
@@ -574,90 +574,6 @@
   <p:cSld>
     <p:spTree>
       <p:nvGrpSpPr>
-        <p:cNvPr id="1" name=""/>
-        <p:cNvGrpSpPr/>
-        <p:nvPr/>
-      </p:nvGrpSpPr>
-      <p:grpSpPr>
-        <a:xfrm>
-          <a:off x="0" y="0"/>
-          <a:ext cx="0" cy="0"/>
-          <a:chOff x="0" y="0"/>
-          <a:chExt cx="0" cy="0"/>
-        </a:xfrm>
-      </p:grpSpPr>
-      <p:sp>
-        <p:nvSpPr>
-          <p:cNvPr id="2" name="Slide Image Placeholder 1"/>
-          <p:cNvSpPr>
-            <a:spLocks noGrp="1" noRot="1" noChangeAspect="1"/>
-          </p:cNvSpPr>
-          <p:nvPr>
-            <p:ph type="sldImg"/>
-          </p:nvPr>
-        </p:nvSpPr>
-        <p:spPr/>
-      </p:sp>
-      <p:sp>
-        <p:nvSpPr>
-          <p:cNvPr id="3" name="Notes Placeholder 2"/>
-          <p:cNvSpPr>
-            <a:spLocks noGrp="1"/>
-          </p:cNvSpPr>
-          <p:nvPr>
-            <p:ph type="body" idx="1"/>
-          </p:nvPr>
-        </p:nvSpPr>
-        <p:spPr/>
-        <p:txBody>
-          <a:bodyPr/>
-          <a:lstStyle/>
-          <a:p>
-            <a:endParaRPr lang="en-GB" dirty="0"/>
-          </a:p>
-        </p:txBody>
-      </p:sp>
-      <p:sp>
-        <p:nvSpPr>
-          <p:cNvPr id="4" name="Slide Number Placeholder 3"/>
-          <p:cNvSpPr>
-            <a:spLocks noGrp="1"/>
-          </p:cNvSpPr>
-          <p:nvPr>
-            <p:ph type="sldNum" sz="quarter" idx="5"/>
-          </p:nvPr>
-        </p:nvSpPr>
-        <p:spPr/>
-        <p:txBody>
-          <a:bodyPr/>
-          <a:lstStyle/>
-          <a:p>
-            <a:fld id="{7EF16E53-5134-AD41-8F40-69853510FF9F}" type="slidenum">
-              <a:rPr lang="en-GB" smtClean="0"/>
-              <a:t>2</a:t>
-            </a:fld>
-            <a:endParaRPr lang="en-GB"/>
-          </a:p>
-        </p:txBody>
-      </p:sp>
-    </p:spTree>
-    <p:extLst>
-      <p:ext uri="{BB962C8B-B14F-4D97-AF65-F5344CB8AC3E}">
-        <p14:creationId xmlns:p14="http://schemas.microsoft.com/office/powerpoint/2010/main" val="2315404026"/>
-      </p:ext>
-    </p:extLst>
-  </p:cSld>
-  <p:clrMapOvr>
-    <a:masterClrMapping/>
-  </p:clrMapOvr>
-</p:notes>
-</file>
-
-<file path=ppt/notesSlides/notesSlide3.xml><?xml version="1.0" encoding="utf-8"?>
-<p:notes xmlns:a="http://schemas.openxmlformats.org/drawingml/2006/main" xmlns:r="http://schemas.openxmlformats.org/officeDocument/2006/relationships" xmlns:p="http://schemas.openxmlformats.org/presentationml/2006/main">
-  <p:cSld>
-    <p:spTree>
-      <p:nvGrpSpPr>
         <p:cNvPr id="1" name="">
           <a:extLst>
             <a:ext uri="{FF2B5EF4-FFF2-40B4-BE49-F238E27FC236}">
@@ -742,7 +658,7 @@
           <a:p>
             <a:fld id="{7EF16E53-5134-AD41-8F40-69853510FF9F}" type="slidenum">
               <a:rPr lang="en-GB" smtClean="0"/>
-              <a:t>3</a:t>
+              <a:t>2</a:t>
             </a:fld>
             <a:endParaRPr lang="en-GB"/>
           </a:p>
@@ -752,6 +668,90 @@
     <p:extLst>
       <p:ext uri="{BB962C8B-B14F-4D97-AF65-F5344CB8AC3E}">
         <p14:creationId xmlns:p14="http://schemas.microsoft.com/office/powerpoint/2010/main" val="1278512930"/>
+      </p:ext>
+    </p:extLst>
+  </p:cSld>
+  <p:clrMapOvr>
+    <a:masterClrMapping/>
+  </p:clrMapOvr>
+</p:notes>
+</file>
+
+<file path=ppt/notesSlides/notesSlide3.xml><?xml version="1.0" encoding="utf-8"?>
+<p:notes xmlns:a="http://schemas.openxmlformats.org/drawingml/2006/main" xmlns:r="http://schemas.openxmlformats.org/officeDocument/2006/relationships" xmlns:p="http://schemas.openxmlformats.org/presentationml/2006/main">
+  <p:cSld>
+    <p:spTree>
+      <p:nvGrpSpPr>
+        <p:cNvPr id="1" name=""/>
+        <p:cNvGrpSpPr/>
+        <p:nvPr/>
+      </p:nvGrpSpPr>
+      <p:grpSpPr>
+        <a:xfrm>
+          <a:off x="0" y="0"/>
+          <a:ext cx="0" cy="0"/>
+          <a:chOff x="0" y="0"/>
+          <a:chExt cx="0" cy="0"/>
+        </a:xfrm>
+      </p:grpSpPr>
+      <p:sp>
+        <p:nvSpPr>
+          <p:cNvPr id="2" name="Slide Image Placeholder 1"/>
+          <p:cNvSpPr>
+            <a:spLocks noGrp="1" noRot="1" noChangeAspect="1"/>
+          </p:cNvSpPr>
+          <p:nvPr>
+            <p:ph type="sldImg"/>
+          </p:nvPr>
+        </p:nvSpPr>
+        <p:spPr/>
+      </p:sp>
+      <p:sp>
+        <p:nvSpPr>
+          <p:cNvPr id="3" name="Notes Placeholder 2"/>
+          <p:cNvSpPr>
+            <a:spLocks noGrp="1"/>
+          </p:cNvSpPr>
+          <p:nvPr>
+            <p:ph type="body" idx="1"/>
+          </p:nvPr>
+        </p:nvSpPr>
+        <p:spPr/>
+        <p:txBody>
+          <a:bodyPr/>
+          <a:lstStyle/>
+          <a:p>
+            <a:endParaRPr lang="en-GB" dirty="0"/>
+          </a:p>
+        </p:txBody>
+      </p:sp>
+      <p:sp>
+        <p:nvSpPr>
+          <p:cNvPr id="4" name="Slide Number Placeholder 3"/>
+          <p:cNvSpPr>
+            <a:spLocks noGrp="1"/>
+          </p:cNvSpPr>
+          <p:nvPr>
+            <p:ph type="sldNum" sz="quarter" idx="5"/>
+          </p:nvPr>
+        </p:nvSpPr>
+        <p:spPr/>
+        <p:txBody>
+          <a:bodyPr/>
+          <a:lstStyle/>
+          <a:p>
+            <a:fld id="{7EF16E53-5134-AD41-8F40-69853510FF9F}" type="slidenum">
+              <a:rPr lang="en-GB" smtClean="0"/>
+              <a:t>3</a:t>
+            </a:fld>
+            <a:endParaRPr lang="en-GB"/>
+          </a:p>
+        </p:txBody>
+      </p:sp>
+    </p:spTree>
+    <p:extLst>
+      <p:ext uri="{BB962C8B-B14F-4D97-AF65-F5344CB8AC3E}">
+        <p14:creationId xmlns:p14="http://schemas.microsoft.com/office/powerpoint/2010/main" val="2315404026"/>
       </p:ext>
     </p:extLst>
   </p:cSld>
@@ -4306,6 +4306,254 @@
     </p:bg>
     <p:spTree>
       <p:nvGrpSpPr>
+        <p:cNvPr id="1" name="">
+          <a:extLst>
+            <a:ext uri="{FF2B5EF4-FFF2-40B4-BE49-F238E27FC236}">
+              <a16:creationId xmlns:a16="http://schemas.microsoft.com/office/drawing/2014/main" id="{0D129304-4CF5-12F5-673C-D6D7137E0076}"/>
+            </a:ext>
+          </a:extLst>
+        </p:cNvPr>
+        <p:cNvGrpSpPr/>
+        <p:nvPr/>
+      </p:nvGrpSpPr>
+      <p:grpSpPr>
+        <a:xfrm>
+          <a:off x="0" y="0"/>
+          <a:ext cx="0" cy="0"/>
+          <a:chOff x="0" y="0"/>
+          <a:chExt cx="0" cy="0"/>
+        </a:xfrm>
+      </p:grpSpPr>
+      <p:pic>
+        <p:nvPicPr>
+          <p:cNvPr id="3" name="Graphic 2" descr="Foot outline">
+            <a:extLst>
+              <a:ext uri="{FF2B5EF4-FFF2-40B4-BE49-F238E27FC236}">
+                <a16:creationId xmlns:a16="http://schemas.microsoft.com/office/drawing/2014/main" id="{2323491B-2B84-820D-E029-ED87CC3BB4B4}"/>
+              </a:ext>
+            </a:extLst>
+          </p:cNvPr>
+          <p:cNvPicPr>
+            <a:picLocks noChangeAspect="1"/>
+          </p:cNvPicPr>
+          <p:nvPr/>
+        </p:nvPicPr>
+        <p:blipFill>
+          <a:blip r:embed="rId3">
+            <a:extLst>
+              <a:ext uri="{96DAC541-7B7A-43D3-8B79-37D633B846F1}">
+                <asvg:svgBlip xmlns:asvg="http://schemas.microsoft.com/office/drawing/2016/SVG/main" r:embed="rId4"/>
+              </a:ext>
+            </a:extLst>
+          </a:blip>
+          <a:stretch>
+            <a:fillRect/>
+          </a:stretch>
+        </p:blipFill>
+        <p:spPr>
+          <a:xfrm>
+            <a:off x="4497859" y="1830859"/>
+            <a:ext cx="3196281" cy="3196281"/>
+          </a:xfrm>
+          <a:prstGeom prst="rect">
+            <a:avLst/>
+          </a:prstGeom>
+        </p:spPr>
+      </p:pic>
+      <p:sp>
+        <p:nvSpPr>
+          <p:cNvPr id="6" name="Rectangle 5">
+            <a:extLst>
+              <a:ext uri="{FF2B5EF4-FFF2-40B4-BE49-F238E27FC236}">
+                <a16:creationId xmlns:a16="http://schemas.microsoft.com/office/drawing/2014/main" id="{6F7FA6BB-A4B7-B4B4-9507-64E26947CC61}"/>
+              </a:ext>
+            </a:extLst>
+          </p:cNvPr>
+          <p:cNvSpPr/>
+          <p:nvPr/>
+        </p:nvSpPr>
+        <p:spPr>
+          <a:xfrm rot="1912287">
+            <a:off x="5935672" y="3719575"/>
+            <a:ext cx="459552" cy="136921"/>
+          </a:xfrm>
+          <a:prstGeom prst="rect">
+            <a:avLst/>
+          </a:prstGeom>
+          <a:solidFill>
+            <a:srgbClr val="E88034"/>
+          </a:solidFill>
+          <a:ln>
+            <a:noFill/>
+          </a:ln>
+        </p:spPr>
+        <p:style>
+          <a:lnRef idx="2">
+            <a:schemeClr val="accent1">
+              <a:shade val="15000"/>
+            </a:schemeClr>
+          </a:lnRef>
+          <a:fillRef idx="1">
+            <a:schemeClr val="accent1"/>
+          </a:fillRef>
+          <a:effectRef idx="0">
+            <a:schemeClr val="accent1"/>
+          </a:effectRef>
+          <a:fontRef idx="minor">
+            <a:schemeClr val="lt1"/>
+          </a:fontRef>
+        </p:style>
+        <p:txBody>
+          <a:bodyPr rtlCol="0" anchor="ctr"/>
+          <a:lstStyle/>
+          <a:p>
+            <a:pPr algn="ctr"/>
+            <a:endParaRPr lang="en-GB"/>
+          </a:p>
+        </p:txBody>
+      </p:sp>
+      <p:cxnSp>
+        <p:nvCxnSpPr>
+          <p:cNvPr id="8" name="Straight Connector 7">
+            <a:extLst>
+              <a:ext uri="{FF2B5EF4-FFF2-40B4-BE49-F238E27FC236}">
+                <a16:creationId xmlns:a16="http://schemas.microsoft.com/office/drawing/2014/main" id="{E0706B8A-7050-0010-483E-CFE713FFD446}"/>
+              </a:ext>
+            </a:extLst>
+          </p:cNvPr>
+          <p:cNvCxnSpPr>
+            <a:cxnSpLocks/>
+          </p:cNvCxnSpPr>
+          <p:nvPr/>
+        </p:nvCxnSpPr>
+        <p:spPr>
+          <a:xfrm flipV="1">
+            <a:off x="6165448" y="3237862"/>
+            <a:ext cx="364623" cy="550173"/>
+          </a:xfrm>
+          <a:prstGeom prst="line">
+            <a:avLst/>
+          </a:prstGeom>
+        </p:spPr>
+        <p:style>
+          <a:lnRef idx="2">
+            <a:schemeClr val="accent1"/>
+          </a:lnRef>
+          <a:fillRef idx="0">
+            <a:schemeClr val="accent1"/>
+          </a:fillRef>
+          <a:effectRef idx="1">
+            <a:schemeClr val="accent1"/>
+          </a:effectRef>
+          <a:fontRef idx="minor">
+            <a:schemeClr val="tx1"/>
+          </a:fontRef>
+        </p:style>
+      </p:cxnSp>
+      <p:cxnSp>
+        <p:nvCxnSpPr>
+          <p:cNvPr id="39" name="Straight Connector 38">
+            <a:extLst>
+              <a:ext uri="{FF2B5EF4-FFF2-40B4-BE49-F238E27FC236}">
+                <a16:creationId xmlns:a16="http://schemas.microsoft.com/office/drawing/2014/main" id="{6527FB07-5F23-7F81-E022-4E2978596FE8}"/>
+              </a:ext>
+            </a:extLst>
+          </p:cNvPr>
+          <p:cNvCxnSpPr>
+            <a:cxnSpLocks/>
+          </p:cNvCxnSpPr>
+          <p:nvPr/>
+        </p:nvCxnSpPr>
+        <p:spPr>
+          <a:xfrm>
+            <a:off x="6162232" y="3774286"/>
+            <a:ext cx="284518" cy="193214"/>
+          </a:xfrm>
+          <a:prstGeom prst="line">
+            <a:avLst/>
+          </a:prstGeom>
+        </p:spPr>
+        <p:style>
+          <a:lnRef idx="2">
+            <a:schemeClr val="accent1"/>
+          </a:lnRef>
+          <a:fillRef idx="0">
+            <a:schemeClr val="accent1"/>
+          </a:fillRef>
+          <a:effectRef idx="1">
+            <a:schemeClr val="accent1"/>
+          </a:effectRef>
+          <a:fontRef idx="minor">
+            <a:schemeClr val="tx1"/>
+          </a:fontRef>
+        </p:style>
+      </p:cxnSp>
+      <p:cxnSp>
+        <p:nvCxnSpPr>
+          <p:cNvPr id="43" name="Straight Connector 42">
+            <a:extLst>
+              <a:ext uri="{FF2B5EF4-FFF2-40B4-BE49-F238E27FC236}">
+                <a16:creationId xmlns:a16="http://schemas.microsoft.com/office/drawing/2014/main" id="{6D1C4186-35DB-90C3-3902-3683F5C805AF}"/>
+              </a:ext>
+            </a:extLst>
+          </p:cNvPr>
+          <p:cNvCxnSpPr>
+            <a:cxnSpLocks/>
+          </p:cNvCxnSpPr>
+          <p:nvPr/>
+        </p:nvCxnSpPr>
+        <p:spPr>
+          <a:xfrm flipV="1">
+            <a:off x="6169034" y="3627937"/>
+            <a:ext cx="185662" cy="154065"/>
+          </a:xfrm>
+          <a:prstGeom prst="line">
+            <a:avLst/>
+          </a:prstGeom>
+        </p:spPr>
+        <p:style>
+          <a:lnRef idx="2">
+            <a:schemeClr val="accent1"/>
+          </a:lnRef>
+          <a:fillRef idx="0">
+            <a:schemeClr val="accent1"/>
+          </a:fillRef>
+          <a:effectRef idx="1">
+            <a:schemeClr val="accent1"/>
+          </a:effectRef>
+          <a:fontRef idx="minor">
+            <a:schemeClr val="tx1"/>
+          </a:fontRef>
+        </p:style>
+      </p:cxnSp>
+    </p:spTree>
+    <p:extLst>
+      <p:ext uri="{BB962C8B-B14F-4D97-AF65-F5344CB8AC3E}">
+        <p14:creationId xmlns:p14="http://schemas.microsoft.com/office/powerpoint/2010/main" val="3293737794"/>
+      </p:ext>
+    </p:extLst>
+  </p:cSld>
+  <p:clrMapOvr>
+    <a:masterClrMapping/>
+  </p:clrMapOvr>
+</p:sld>
+</file>
+
+<file path=ppt/slides/slide3.xml><?xml version="1.0" encoding="utf-8"?>
+<p:sld xmlns:a="http://schemas.openxmlformats.org/drawingml/2006/main" xmlns:r="http://schemas.openxmlformats.org/officeDocument/2006/relationships" xmlns:p="http://schemas.openxmlformats.org/presentationml/2006/main">
+  <p:cSld>
+    <p:bg>
+      <p:bgPr>
+        <a:solidFill>
+          <a:schemeClr val="bg1">
+            <a:lumMod val="85000"/>
+          </a:schemeClr>
+        </a:solidFill>
+        <a:effectLst/>
+      </p:bgPr>
+    </p:bg>
+    <p:spTree>
+      <p:nvGrpSpPr>
         <p:cNvPr id="1" name=""/>
         <p:cNvGrpSpPr/>
         <p:nvPr/>
@@ -4320,10 +4568,10 @@
       </p:grpSpPr>
       <p:grpSp>
         <p:nvGrpSpPr>
-          <p:cNvPr id="9" name="Group 8">
-            <a:extLst>
-              <a:ext uri="{FF2B5EF4-FFF2-40B4-BE49-F238E27FC236}">
-                <a16:creationId xmlns:a16="http://schemas.microsoft.com/office/drawing/2014/main" id="{C9401C3A-B15A-F9E5-4F9C-8AFE5664E9FA}"/>
+          <p:cNvPr id="40" name="Group 39">
+            <a:extLst>
+              <a:ext uri="{FF2B5EF4-FFF2-40B4-BE49-F238E27FC236}">
+                <a16:creationId xmlns:a16="http://schemas.microsoft.com/office/drawing/2014/main" id="{91F38B40-CE9A-7DF2-D9FA-FA1989FCFC74}"/>
               </a:ext>
             </a:extLst>
           </p:cNvPr>
@@ -4332,18 +4580,70 @@
         </p:nvGrpSpPr>
         <p:grpSpPr>
           <a:xfrm>
-            <a:off x="1454072" y="1373277"/>
-            <a:ext cx="9108011" cy="4427970"/>
-            <a:chOff x="1278225" y="1236227"/>
-            <a:chExt cx="9108011" cy="4427970"/>
+            <a:off x="1160585" y="896815"/>
+            <a:ext cx="9777046" cy="5275385"/>
+            <a:chOff x="1160585" y="896815"/>
+            <a:chExt cx="9777046" cy="5275385"/>
           </a:xfrm>
         </p:grpSpPr>
+        <p:sp>
+          <p:nvSpPr>
+            <p:cNvPr id="39" name="Rectangle 38">
+              <a:extLst>
+                <a:ext uri="{FF2B5EF4-FFF2-40B4-BE49-F238E27FC236}">
+                  <a16:creationId xmlns:a16="http://schemas.microsoft.com/office/drawing/2014/main" id="{3B4D61D0-5C74-4CBE-B107-127780ED828E}"/>
+                </a:ext>
+              </a:extLst>
+            </p:cNvPr>
+            <p:cNvSpPr/>
+            <p:nvPr/>
+          </p:nvSpPr>
+          <p:spPr>
+            <a:xfrm>
+              <a:off x="1160585" y="896815"/>
+              <a:ext cx="9777046" cy="5275385"/>
+            </a:xfrm>
+            <a:prstGeom prst="rect">
+              <a:avLst/>
+            </a:prstGeom>
+            <a:solidFill>
+              <a:schemeClr val="bg1"/>
+            </a:solidFill>
+            <a:ln>
+              <a:noFill/>
+            </a:ln>
+          </p:spPr>
+          <p:style>
+            <a:lnRef idx="2">
+              <a:schemeClr val="accent1">
+                <a:shade val="15000"/>
+              </a:schemeClr>
+            </a:lnRef>
+            <a:fillRef idx="1">
+              <a:schemeClr val="accent1"/>
+            </a:fillRef>
+            <a:effectRef idx="0">
+              <a:schemeClr val="accent1"/>
+            </a:effectRef>
+            <a:fontRef idx="minor">
+              <a:schemeClr val="lt1"/>
+            </a:fontRef>
+          </p:style>
+          <p:txBody>
+            <a:bodyPr rtlCol="0" anchor="ctr"/>
+            <a:lstStyle/>
+            <a:p>
+              <a:pPr algn="ctr"/>
+              <a:endParaRPr lang="en-GB"/>
+            </a:p>
+          </p:txBody>
+        </p:sp>
         <p:grpSp>
           <p:nvGrpSpPr>
-            <p:cNvPr id="10" name="Group 9">
+            <p:cNvPr id="9" name="Group 8">
               <a:extLst>
                 <a:ext uri="{FF2B5EF4-FFF2-40B4-BE49-F238E27FC236}">
-                  <a16:creationId xmlns:a16="http://schemas.microsoft.com/office/drawing/2014/main" id="{80C2B9DD-5077-3EBE-0FCE-E7907DEE57B8}"/>
+                  <a16:creationId xmlns:a16="http://schemas.microsoft.com/office/drawing/2014/main" id="{C9401C3A-B15A-F9E5-4F9C-8AFE5664E9FA}"/>
                 </a:ext>
               </a:extLst>
             </p:cNvPr>
@@ -4352,18 +4652,18 @@
           </p:nvGrpSpPr>
           <p:grpSpPr>
             <a:xfrm>
-              <a:off x="1278225" y="1676892"/>
-              <a:ext cx="9108011" cy="3987305"/>
-              <a:chOff x="2961345" y="3210281"/>
-              <a:chExt cx="6019797" cy="2635347"/>
+              <a:off x="1454072" y="1373277"/>
+              <a:ext cx="9108011" cy="4427970"/>
+              <a:chOff x="1278225" y="1236227"/>
+              <a:chExt cx="9108011" cy="4427970"/>
             </a:xfrm>
           </p:grpSpPr>
           <p:grpSp>
             <p:nvGrpSpPr>
-              <p:cNvPr id="20" name="Group 19">
+              <p:cNvPr id="10" name="Group 9">
                 <a:extLst>
                   <a:ext uri="{FF2B5EF4-FFF2-40B4-BE49-F238E27FC236}">
-                    <a16:creationId xmlns:a16="http://schemas.microsoft.com/office/drawing/2014/main" id="{386A52FB-547E-07B7-3B1A-87F996B188EC}"/>
+                    <a16:creationId xmlns:a16="http://schemas.microsoft.com/office/drawing/2014/main" id="{80C2B9DD-5077-3EBE-0FCE-E7907DEE57B8}"/>
                   </a:ext>
                 </a:extLst>
               </p:cNvPr>
@@ -4372,18 +4672,18 @@
             </p:nvGrpSpPr>
             <p:grpSpPr>
               <a:xfrm>
-                <a:off x="2961345" y="3660776"/>
-                <a:ext cx="6019797" cy="2184852"/>
-                <a:chOff x="2551407" y="2875387"/>
-                <a:chExt cx="6019797" cy="2184852"/>
+                <a:off x="1278225" y="1676892"/>
+                <a:ext cx="9108011" cy="3987305"/>
+                <a:chOff x="2961345" y="3210281"/>
+                <a:chExt cx="6019797" cy="2635347"/>
               </a:xfrm>
             </p:grpSpPr>
             <p:grpSp>
               <p:nvGrpSpPr>
-                <p:cNvPr id="30" name="Group 29">
+                <p:cNvPr id="20" name="Group 19">
                   <a:extLst>
                     <a:ext uri="{FF2B5EF4-FFF2-40B4-BE49-F238E27FC236}">
-                      <a16:creationId xmlns:a16="http://schemas.microsoft.com/office/drawing/2014/main" id="{FCE0CEEB-2FC7-29F4-D614-5C51F3A83811}"/>
+                      <a16:creationId xmlns:a16="http://schemas.microsoft.com/office/drawing/2014/main" id="{386A52FB-547E-07B7-3B1A-87F996B188EC}"/>
                     </a:ext>
                   </a:extLst>
                 </p:cNvPr>
@@ -4392,279 +4692,346 @@
               </p:nvGrpSpPr>
               <p:grpSpPr>
                 <a:xfrm>
-                  <a:off x="2551407" y="2875387"/>
+                  <a:off x="2961345" y="3660776"/>
                   <a:ext cx="6019797" cy="2184852"/>
                   <a:chOff x="2551407" y="2875387"/>
                   <a:chExt cx="6019797" cy="2184852"/>
                 </a:xfrm>
               </p:grpSpPr>
-              <p:pic>
-                <p:nvPicPr>
-                  <p:cNvPr id="32" name="Picture 31">
+              <p:grpSp>
+                <p:nvGrpSpPr>
+                  <p:cNvPr id="30" name="Group 29">
                     <a:extLst>
                       <a:ext uri="{FF2B5EF4-FFF2-40B4-BE49-F238E27FC236}">
-                        <a16:creationId xmlns:a16="http://schemas.microsoft.com/office/drawing/2014/main" id="{A5E56241-BE9A-7720-74FF-4EB6809CB8C8}"/>
+                        <a16:creationId xmlns:a16="http://schemas.microsoft.com/office/drawing/2014/main" id="{FCE0CEEB-2FC7-29F4-D614-5C51F3A83811}"/>
                       </a:ext>
                     </a:extLst>
                   </p:cNvPr>
-                  <p:cNvPicPr>
-                    <a:picLocks noChangeAspect="1"/>
-                  </p:cNvPicPr>
+                  <p:cNvGrpSpPr/>
                   <p:nvPr/>
-                </p:nvPicPr>
-                <p:blipFill>
-                  <a:blip r:embed="rId3"/>
-                  <a:srcRect t="51402"/>
-                  <a:stretch>
-                    <a:fillRect/>
-                  </a:stretch>
-                </p:blipFill>
-                <p:spPr>
+                </p:nvGrpSpPr>
+                <p:grpSpPr>
                   <a:xfrm>
                     <a:off x="2551407" y="2875387"/>
                     <a:ext cx="6019797" cy="2184852"/>
+                    <a:chOff x="2551407" y="2875387"/>
+                    <a:chExt cx="6019797" cy="2184852"/>
                   </a:xfrm>
-                  <a:prstGeom prst="rect">
-                    <a:avLst/>
-                  </a:prstGeom>
-                </p:spPr>
-              </p:pic>
+                </p:grpSpPr>
+                <p:pic>
+                  <p:nvPicPr>
+                    <p:cNvPr id="32" name="Picture 31">
+                      <a:extLst>
+                        <a:ext uri="{FF2B5EF4-FFF2-40B4-BE49-F238E27FC236}">
+                          <a16:creationId xmlns:a16="http://schemas.microsoft.com/office/drawing/2014/main" id="{A5E56241-BE9A-7720-74FF-4EB6809CB8C8}"/>
+                        </a:ext>
+                      </a:extLst>
+                    </p:cNvPr>
+                    <p:cNvPicPr>
+                      <a:picLocks noChangeAspect="1"/>
+                    </p:cNvPicPr>
+                    <p:nvPr/>
+                  </p:nvPicPr>
+                  <p:blipFill>
+                    <a:blip r:embed="rId3"/>
+                    <a:srcRect t="51402"/>
+                    <a:stretch>
+                      <a:fillRect/>
+                    </a:stretch>
+                  </p:blipFill>
+                  <p:spPr>
+                    <a:xfrm>
+                      <a:off x="2551407" y="2875387"/>
+                      <a:ext cx="6019797" cy="2184852"/>
+                    </a:xfrm>
+                    <a:prstGeom prst="rect">
+                      <a:avLst/>
+                    </a:prstGeom>
+                  </p:spPr>
+                </p:pic>
+                <p:cxnSp>
+                  <p:nvCxnSpPr>
+                    <p:cNvPr id="33" name="Straight Connector 32">
+                      <a:extLst>
+                        <a:ext uri="{FF2B5EF4-FFF2-40B4-BE49-F238E27FC236}">
+                          <a16:creationId xmlns:a16="http://schemas.microsoft.com/office/drawing/2014/main" id="{CF7D8027-6709-AFD6-2691-C48A02DF6C1C}"/>
+                        </a:ext>
+                      </a:extLst>
+                    </p:cNvPr>
+                    <p:cNvCxnSpPr/>
+                    <p:nvPr/>
+                  </p:nvCxnSpPr>
+                  <p:spPr>
+                    <a:xfrm flipV="1">
+                      <a:off x="3558011" y="2915216"/>
+                      <a:ext cx="0" cy="1729212"/>
+                    </a:xfrm>
+                    <a:prstGeom prst="line">
+                      <a:avLst/>
+                    </a:prstGeom>
+                    <a:ln w="12700">
+                      <a:solidFill>
+                        <a:schemeClr val="bg1">
+                          <a:lumMod val="50000"/>
+                        </a:schemeClr>
+                      </a:solidFill>
+                      <a:prstDash val="dash"/>
+                    </a:ln>
+                  </p:spPr>
+                  <p:style>
+                    <a:lnRef idx="2">
+                      <a:schemeClr val="accent1"/>
+                    </a:lnRef>
+                    <a:fillRef idx="0">
+                      <a:schemeClr val="accent1"/>
+                    </a:fillRef>
+                    <a:effectRef idx="1">
+                      <a:schemeClr val="accent1"/>
+                    </a:effectRef>
+                    <a:fontRef idx="minor">
+                      <a:schemeClr val="tx1"/>
+                    </a:fontRef>
+                  </p:style>
+                </p:cxnSp>
+                <p:cxnSp>
+                  <p:nvCxnSpPr>
+                    <p:cNvPr id="34" name="Straight Connector 33">
+                      <a:extLst>
+                        <a:ext uri="{FF2B5EF4-FFF2-40B4-BE49-F238E27FC236}">
+                          <a16:creationId xmlns:a16="http://schemas.microsoft.com/office/drawing/2014/main" id="{3A24D293-0169-E971-16FE-F3C048558C25}"/>
+                        </a:ext>
+                      </a:extLst>
+                    </p:cNvPr>
+                    <p:cNvCxnSpPr/>
+                    <p:nvPr/>
+                  </p:nvCxnSpPr>
+                  <p:spPr>
+                    <a:xfrm flipV="1">
+                      <a:off x="4543330" y="2899801"/>
+                      <a:ext cx="0" cy="1729212"/>
+                    </a:xfrm>
+                    <a:prstGeom prst="line">
+                      <a:avLst/>
+                    </a:prstGeom>
+                    <a:ln w="12700">
+                      <a:solidFill>
+                        <a:schemeClr val="bg1">
+                          <a:lumMod val="50000"/>
+                        </a:schemeClr>
+                      </a:solidFill>
+                      <a:prstDash val="dash"/>
+                    </a:ln>
+                  </p:spPr>
+                  <p:style>
+                    <a:lnRef idx="2">
+                      <a:schemeClr val="accent1"/>
+                    </a:lnRef>
+                    <a:fillRef idx="0">
+                      <a:schemeClr val="accent1"/>
+                    </a:fillRef>
+                    <a:effectRef idx="1">
+                      <a:schemeClr val="accent1"/>
+                    </a:effectRef>
+                    <a:fontRef idx="minor">
+                      <a:schemeClr val="tx1"/>
+                    </a:fontRef>
+                  </p:style>
+                </p:cxnSp>
+                <p:cxnSp>
+                  <p:nvCxnSpPr>
+                    <p:cNvPr id="35" name="Straight Connector 34">
+                      <a:extLst>
+                        <a:ext uri="{FF2B5EF4-FFF2-40B4-BE49-F238E27FC236}">
+                          <a16:creationId xmlns:a16="http://schemas.microsoft.com/office/drawing/2014/main" id="{0CCD1497-1CA6-6EAD-C607-488C2969A072}"/>
+                        </a:ext>
+                      </a:extLst>
+                    </p:cNvPr>
+                    <p:cNvCxnSpPr/>
+                    <p:nvPr/>
+                  </p:nvCxnSpPr>
+                  <p:spPr>
+                    <a:xfrm flipV="1">
+                      <a:off x="5240446" y="2899801"/>
+                      <a:ext cx="0" cy="1729212"/>
+                    </a:xfrm>
+                    <a:prstGeom prst="line">
+                      <a:avLst/>
+                    </a:prstGeom>
+                    <a:ln w="12700">
+                      <a:solidFill>
+                        <a:schemeClr val="bg1">
+                          <a:lumMod val="50000"/>
+                        </a:schemeClr>
+                      </a:solidFill>
+                      <a:prstDash val="dash"/>
+                    </a:ln>
+                  </p:spPr>
+                  <p:style>
+                    <a:lnRef idx="2">
+                      <a:schemeClr val="accent1"/>
+                    </a:lnRef>
+                    <a:fillRef idx="0">
+                      <a:schemeClr val="accent1"/>
+                    </a:fillRef>
+                    <a:effectRef idx="1">
+                      <a:schemeClr val="accent1"/>
+                    </a:effectRef>
+                    <a:fontRef idx="minor">
+                      <a:schemeClr val="tx1"/>
+                    </a:fontRef>
+                  </p:style>
+                </p:cxnSp>
+                <p:cxnSp>
+                  <p:nvCxnSpPr>
+                    <p:cNvPr id="36" name="Straight Connector 35">
+                      <a:extLst>
+                        <a:ext uri="{FF2B5EF4-FFF2-40B4-BE49-F238E27FC236}">
+                          <a16:creationId xmlns:a16="http://schemas.microsoft.com/office/drawing/2014/main" id="{B9747607-A85E-F7AF-86A9-2FB170B11E90}"/>
+                        </a:ext>
+                      </a:extLst>
+                    </p:cNvPr>
+                    <p:cNvCxnSpPr/>
+                    <p:nvPr/>
+                  </p:nvCxnSpPr>
+                  <p:spPr>
+                    <a:xfrm flipV="1">
+                      <a:off x="6163900" y="2899801"/>
+                      <a:ext cx="0" cy="1729212"/>
+                    </a:xfrm>
+                    <a:prstGeom prst="line">
+                      <a:avLst/>
+                    </a:prstGeom>
+                    <a:ln w="12700">
+                      <a:solidFill>
+                        <a:schemeClr val="bg1">
+                          <a:lumMod val="50000"/>
+                        </a:schemeClr>
+                      </a:solidFill>
+                      <a:prstDash val="dash"/>
+                    </a:ln>
+                  </p:spPr>
+                  <p:style>
+                    <a:lnRef idx="2">
+                      <a:schemeClr val="accent1"/>
+                    </a:lnRef>
+                    <a:fillRef idx="0">
+                      <a:schemeClr val="accent1"/>
+                    </a:fillRef>
+                    <a:effectRef idx="1">
+                      <a:schemeClr val="accent1"/>
+                    </a:effectRef>
+                    <a:fontRef idx="minor">
+                      <a:schemeClr val="tx1"/>
+                    </a:fontRef>
+                  </p:style>
+                </p:cxnSp>
+                <p:cxnSp>
+                  <p:nvCxnSpPr>
+                    <p:cNvPr id="37" name="Straight Connector 36">
+                      <a:extLst>
+                        <a:ext uri="{FF2B5EF4-FFF2-40B4-BE49-F238E27FC236}">
+                          <a16:creationId xmlns:a16="http://schemas.microsoft.com/office/drawing/2014/main" id="{8CFA90E3-F0EC-45D5-A312-850B59CC53EC}"/>
+                        </a:ext>
+                      </a:extLst>
+                    </p:cNvPr>
+                    <p:cNvCxnSpPr/>
+                    <p:nvPr/>
+                  </p:nvCxnSpPr>
+                  <p:spPr>
+                    <a:xfrm flipV="1">
+                      <a:off x="6842910" y="2915216"/>
+                      <a:ext cx="0" cy="1729212"/>
+                    </a:xfrm>
+                    <a:prstGeom prst="line">
+                      <a:avLst/>
+                    </a:prstGeom>
+                    <a:ln w="12700">
+                      <a:solidFill>
+                        <a:schemeClr val="bg1">
+                          <a:lumMod val="50000"/>
+                        </a:schemeClr>
+                      </a:solidFill>
+                      <a:prstDash val="dash"/>
+                    </a:ln>
+                  </p:spPr>
+                  <p:style>
+                    <a:lnRef idx="2">
+                      <a:schemeClr val="accent1"/>
+                    </a:lnRef>
+                    <a:fillRef idx="0">
+                      <a:schemeClr val="accent1"/>
+                    </a:fillRef>
+                    <a:effectRef idx="1">
+                      <a:schemeClr val="accent1"/>
+                    </a:effectRef>
+                    <a:fontRef idx="minor">
+                      <a:schemeClr val="tx1"/>
+                    </a:fontRef>
+                  </p:style>
+                </p:cxnSp>
+                <p:cxnSp>
+                  <p:nvCxnSpPr>
+                    <p:cNvPr id="38" name="Straight Connector 37">
+                      <a:extLst>
+                        <a:ext uri="{FF2B5EF4-FFF2-40B4-BE49-F238E27FC236}">
+                          <a16:creationId xmlns:a16="http://schemas.microsoft.com/office/drawing/2014/main" id="{A01CFC82-E1DA-7F62-C6D7-03E06975AF26}"/>
+                        </a:ext>
+                      </a:extLst>
+                    </p:cNvPr>
+                    <p:cNvCxnSpPr/>
+                    <p:nvPr/>
+                  </p:nvCxnSpPr>
+                  <p:spPr>
+                    <a:xfrm flipV="1">
+                      <a:off x="7829738" y="2899801"/>
+                      <a:ext cx="0" cy="1729212"/>
+                    </a:xfrm>
+                    <a:prstGeom prst="line">
+                      <a:avLst/>
+                    </a:prstGeom>
+                    <a:ln w="12700">
+                      <a:solidFill>
+                        <a:schemeClr val="bg1">
+                          <a:lumMod val="50000"/>
+                        </a:schemeClr>
+                      </a:solidFill>
+                      <a:prstDash val="dash"/>
+                    </a:ln>
+                  </p:spPr>
+                  <p:style>
+                    <a:lnRef idx="2">
+                      <a:schemeClr val="accent1"/>
+                    </a:lnRef>
+                    <a:fillRef idx="0">
+                      <a:schemeClr val="accent1"/>
+                    </a:fillRef>
+                    <a:effectRef idx="1">
+                      <a:schemeClr val="accent1"/>
+                    </a:effectRef>
+                    <a:fontRef idx="minor">
+                      <a:schemeClr val="tx1"/>
+                    </a:fontRef>
+                  </p:style>
+                </p:cxnSp>
+              </p:grpSp>
               <p:cxnSp>
                 <p:nvCxnSpPr>
-                  <p:cNvPr id="33" name="Straight Connector 32">
+                  <p:cNvPr id="31" name="Straight Connector 30">
                     <a:extLst>
                       <a:ext uri="{FF2B5EF4-FFF2-40B4-BE49-F238E27FC236}">
-                        <a16:creationId xmlns:a16="http://schemas.microsoft.com/office/drawing/2014/main" id="{CF7D8027-6709-AFD6-2691-C48A02DF6C1C}"/>
+                        <a16:creationId xmlns:a16="http://schemas.microsoft.com/office/drawing/2014/main" id="{92917C44-4719-420D-8342-BC3F42574742}"/>
                       </a:ext>
                     </a:extLst>
                   </p:cNvPr>
-                  <p:cNvCxnSpPr/>
+                  <p:cNvCxnSpPr>
+                    <a:cxnSpLocks/>
+                  </p:cNvCxnSpPr>
                   <p:nvPr/>
                 </p:nvCxnSpPr>
                 <p:spPr>
-                  <a:xfrm flipV="1">
-                    <a:off x="3558011" y="2915216"/>
-                    <a:ext cx="0" cy="1729212"/>
-                  </a:xfrm>
-                  <a:prstGeom prst="line">
-                    <a:avLst/>
-                  </a:prstGeom>
-                  <a:ln w="12700">
-                    <a:solidFill>
-                      <a:schemeClr val="bg1">
-                        <a:lumMod val="50000"/>
-                      </a:schemeClr>
-                    </a:solidFill>
-                    <a:prstDash val="dash"/>
-                  </a:ln>
-                </p:spPr>
-                <p:style>
-                  <a:lnRef idx="2">
-                    <a:schemeClr val="accent1"/>
-                  </a:lnRef>
-                  <a:fillRef idx="0">
-                    <a:schemeClr val="accent1"/>
-                  </a:fillRef>
-                  <a:effectRef idx="1">
-                    <a:schemeClr val="accent1"/>
-                  </a:effectRef>
-                  <a:fontRef idx="minor">
-                    <a:schemeClr val="tx1"/>
-                  </a:fontRef>
-                </p:style>
-              </p:cxnSp>
-              <p:cxnSp>
-                <p:nvCxnSpPr>
-                  <p:cNvPr id="34" name="Straight Connector 33">
-                    <a:extLst>
-                      <a:ext uri="{FF2B5EF4-FFF2-40B4-BE49-F238E27FC236}">
-                        <a16:creationId xmlns:a16="http://schemas.microsoft.com/office/drawing/2014/main" id="{3A24D293-0169-E971-16FE-F3C048558C25}"/>
-                      </a:ext>
-                    </a:extLst>
-                  </p:cNvPr>
-                  <p:cNvCxnSpPr/>
-                  <p:nvPr/>
-                </p:nvCxnSpPr>
-                <p:spPr>
-                  <a:xfrm flipV="1">
-                    <a:off x="4543330" y="2899801"/>
-                    <a:ext cx="0" cy="1729212"/>
-                  </a:xfrm>
-                  <a:prstGeom prst="line">
-                    <a:avLst/>
-                  </a:prstGeom>
-                  <a:ln w="12700">
-                    <a:solidFill>
-                      <a:schemeClr val="bg1">
-                        <a:lumMod val="50000"/>
-                      </a:schemeClr>
-                    </a:solidFill>
-                    <a:prstDash val="dash"/>
-                  </a:ln>
-                </p:spPr>
-                <p:style>
-                  <a:lnRef idx="2">
-                    <a:schemeClr val="accent1"/>
-                  </a:lnRef>
-                  <a:fillRef idx="0">
-                    <a:schemeClr val="accent1"/>
-                  </a:fillRef>
-                  <a:effectRef idx="1">
-                    <a:schemeClr val="accent1"/>
-                  </a:effectRef>
-                  <a:fontRef idx="minor">
-                    <a:schemeClr val="tx1"/>
-                  </a:fontRef>
-                </p:style>
-              </p:cxnSp>
-              <p:cxnSp>
-                <p:nvCxnSpPr>
-                  <p:cNvPr id="35" name="Straight Connector 34">
-                    <a:extLst>
-                      <a:ext uri="{FF2B5EF4-FFF2-40B4-BE49-F238E27FC236}">
-                        <a16:creationId xmlns:a16="http://schemas.microsoft.com/office/drawing/2014/main" id="{0CCD1497-1CA6-6EAD-C607-488C2969A072}"/>
-                      </a:ext>
-                    </a:extLst>
-                  </p:cNvPr>
-                  <p:cNvCxnSpPr/>
-                  <p:nvPr/>
-                </p:nvCxnSpPr>
-                <p:spPr>
-                  <a:xfrm flipV="1">
-                    <a:off x="5240446" y="2899801"/>
-                    <a:ext cx="0" cy="1729212"/>
-                  </a:xfrm>
-                  <a:prstGeom prst="line">
-                    <a:avLst/>
-                  </a:prstGeom>
-                  <a:ln w="12700">
-                    <a:solidFill>
-                      <a:schemeClr val="bg1">
-                        <a:lumMod val="50000"/>
-                      </a:schemeClr>
-                    </a:solidFill>
-                    <a:prstDash val="dash"/>
-                  </a:ln>
-                </p:spPr>
-                <p:style>
-                  <a:lnRef idx="2">
-                    <a:schemeClr val="accent1"/>
-                  </a:lnRef>
-                  <a:fillRef idx="0">
-                    <a:schemeClr val="accent1"/>
-                  </a:fillRef>
-                  <a:effectRef idx="1">
-                    <a:schemeClr val="accent1"/>
-                  </a:effectRef>
-                  <a:fontRef idx="minor">
-                    <a:schemeClr val="tx1"/>
-                  </a:fontRef>
-                </p:style>
-              </p:cxnSp>
-              <p:cxnSp>
-                <p:nvCxnSpPr>
-                  <p:cNvPr id="36" name="Straight Connector 35">
-                    <a:extLst>
-                      <a:ext uri="{FF2B5EF4-FFF2-40B4-BE49-F238E27FC236}">
-                        <a16:creationId xmlns:a16="http://schemas.microsoft.com/office/drawing/2014/main" id="{B9747607-A85E-F7AF-86A9-2FB170B11E90}"/>
-                      </a:ext>
-                    </a:extLst>
-                  </p:cNvPr>
-                  <p:cNvCxnSpPr/>
-                  <p:nvPr/>
-                </p:nvCxnSpPr>
-                <p:spPr>
-                  <a:xfrm flipV="1">
-                    <a:off x="6163900" y="2899801"/>
-                    <a:ext cx="0" cy="1729212"/>
-                  </a:xfrm>
-                  <a:prstGeom prst="line">
-                    <a:avLst/>
-                  </a:prstGeom>
-                  <a:ln w="12700">
-                    <a:solidFill>
-                      <a:schemeClr val="bg1">
-                        <a:lumMod val="50000"/>
-                      </a:schemeClr>
-                    </a:solidFill>
-                    <a:prstDash val="dash"/>
-                  </a:ln>
-                </p:spPr>
-                <p:style>
-                  <a:lnRef idx="2">
-                    <a:schemeClr val="accent1"/>
-                  </a:lnRef>
-                  <a:fillRef idx="0">
-                    <a:schemeClr val="accent1"/>
-                  </a:fillRef>
-                  <a:effectRef idx="1">
-                    <a:schemeClr val="accent1"/>
-                  </a:effectRef>
-                  <a:fontRef idx="minor">
-                    <a:schemeClr val="tx1"/>
-                  </a:fontRef>
-                </p:style>
-              </p:cxnSp>
-              <p:cxnSp>
-                <p:nvCxnSpPr>
-                  <p:cNvPr id="37" name="Straight Connector 36">
-                    <a:extLst>
-                      <a:ext uri="{FF2B5EF4-FFF2-40B4-BE49-F238E27FC236}">
-                        <a16:creationId xmlns:a16="http://schemas.microsoft.com/office/drawing/2014/main" id="{8CFA90E3-F0EC-45D5-A312-850B59CC53EC}"/>
-                      </a:ext>
-                    </a:extLst>
-                  </p:cNvPr>
-                  <p:cNvCxnSpPr/>
-                  <p:nvPr/>
-                </p:nvCxnSpPr>
-                <p:spPr>
-                  <a:xfrm flipV="1">
-                    <a:off x="6842910" y="2915216"/>
-                    <a:ext cx="0" cy="1729212"/>
-                  </a:xfrm>
-                  <a:prstGeom prst="line">
-                    <a:avLst/>
-                  </a:prstGeom>
-                  <a:ln w="12700">
-                    <a:solidFill>
-                      <a:schemeClr val="bg1">
-                        <a:lumMod val="50000"/>
-                      </a:schemeClr>
-                    </a:solidFill>
-                    <a:prstDash val="dash"/>
-                  </a:ln>
-                </p:spPr>
-                <p:style>
-                  <a:lnRef idx="2">
-                    <a:schemeClr val="accent1"/>
-                  </a:lnRef>
-                  <a:fillRef idx="0">
-                    <a:schemeClr val="accent1"/>
-                  </a:fillRef>
-                  <a:effectRef idx="1">
-                    <a:schemeClr val="accent1"/>
-                  </a:effectRef>
-                  <a:fontRef idx="minor">
-                    <a:schemeClr val="tx1"/>
-                  </a:fontRef>
-                </p:style>
-              </p:cxnSp>
-              <p:cxnSp>
-                <p:nvCxnSpPr>
-                  <p:cNvPr id="38" name="Straight Connector 37">
-                    <a:extLst>
-                      <a:ext uri="{FF2B5EF4-FFF2-40B4-BE49-F238E27FC236}">
-                        <a16:creationId xmlns:a16="http://schemas.microsoft.com/office/drawing/2014/main" id="{A01CFC82-E1DA-7F62-C6D7-03E06975AF26}"/>
-                      </a:ext>
-                    </a:extLst>
-                  </p:cNvPr>
-                  <p:cNvCxnSpPr/>
-                  <p:nvPr/>
-                </p:nvCxnSpPr>
-                <p:spPr>
-                  <a:xfrm flipV="1">
-                    <a:off x="7829738" y="2899801"/>
-                    <a:ext cx="0" cy="1729212"/>
+                  <a:xfrm>
+                    <a:off x="3147934" y="4137285"/>
+                    <a:ext cx="5239063" cy="0"/>
                   </a:xfrm>
                   <a:prstGeom prst="line">
                     <a:avLst/>
@@ -4694,1140 +5061,1048 @@
                 </p:style>
               </p:cxnSp>
             </p:grpSp>
-            <p:cxnSp>
-              <p:nvCxnSpPr>
-                <p:cNvPr id="31" name="Straight Connector 30">
+            <p:pic>
+              <p:nvPicPr>
+                <p:cNvPr id="21" name="Picture 2" descr="Things which help for better gait analysis - Physiofitfinder">
                   <a:extLst>
                     <a:ext uri="{FF2B5EF4-FFF2-40B4-BE49-F238E27FC236}">
-                      <a16:creationId xmlns:a16="http://schemas.microsoft.com/office/drawing/2014/main" id="{92917C44-4719-420D-8342-BC3F42574742}"/>
+                      <a16:creationId xmlns:a16="http://schemas.microsoft.com/office/drawing/2014/main" id="{6B895096-E097-B8D9-8EA6-9D74A64ECFD7}"/>
                     </a:ext>
                   </a:extLst>
                 </p:cNvPr>
-                <p:cNvCxnSpPr>
-                  <a:cxnSpLocks/>
-                </p:cNvCxnSpPr>
+                <p:cNvPicPr>
+                  <a:picLocks noChangeAspect="1" noChangeArrowheads="1"/>
+                </p:cNvPicPr>
                 <p:nvPr/>
-              </p:nvCxnSpPr>
-              <p:spPr>
+              </p:nvPicPr>
+              <p:blipFill rotWithShape="1">
+                <a:blip r:embed="rId4">
+                  <a:extLst>
+                    <a:ext uri="{28A0092B-C50C-407E-A947-70E740481C1C}">
+                      <a14:useLocalDpi xmlns:a14="http://schemas.microsoft.com/office/drawing/2010/main" val="0"/>
+                    </a:ext>
+                  </a:extLst>
+                </a:blip>
+                <a:srcRect l="42830" t="47246" r="43761" b="16119"/>
+                <a:stretch>
+                  <a:fillRect/>
+                </a:stretch>
+              </p:blipFill>
+              <p:spPr bwMode="auto">
                 <a:xfrm>
-                  <a:off x="3147934" y="4137285"/>
-                  <a:ext cx="5239063" cy="0"/>
+                  <a:off x="4816152" y="3242498"/>
+                  <a:ext cx="299441" cy="460194"/>
                 </a:xfrm>
-                <a:prstGeom prst="line">
+                <a:prstGeom prst="rect">
                   <a:avLst/>
                 </a:prstGeom>
-                <a:ln w="12700">
-                  <a:solidFill>
-                    <a:schemeClr val="bg1">
-                      <a:lumMod val="50000"/>
-                    </a:schemeClr>
-                  </a:solidFill>
-                  <a:prstDash val="dash"/>
-                </a:ln>
+                <a:noFill/>
+                <a:extLst>
+                  <a:ext uri="{909E8E84-426E-40DD-AFC4-6F175D3DCCD1}">
+                    <a14:hiddenFill xmlns:a14="http://schemas.microsoft.com/office/drawing/2010/main">
+                      <a:solidFill>
+                        <a:srgbClr val="FFFFFF"/>
+                      </a:solidFill>
+                    </a14:hiddenFill>
+                  </a:ext>
+                </a:extLst>
               </p:spPr>
-              <p:style>
-                <a:lnRef idx="2">
-                  <a:schemeClr val="accent1"/>
-                </a:lnRef>
-                <a:fillRef idx="0">
-                  <a:schemeClr val="accent1"/>
-                </a:fillRef>
-                <a:effectRef idx="1">
-                  <a:schemeClr val="accent1"/>
-                </a:effectRef>
-                <a:fontRef idx="minor">
-                  <a:schemeClr val="tx1"/>
-                </a:fontRef>
-              </p:style>
-            </p:cxnSp>
+            </p:pic>
+            <p:pic>
+              <p:nvPicPr>
+                <p:cNvPr id="22" name="Picture 2" descr="Things which help for better gait analysis - Physiofitfinder">
+                  <a:extLst>
+                    <a:ext uri="{FF2B5EF4-FFF2-40B4-BE49-F238E27FC236}">
+                      <a16:creationId xmlns:a16="http://schemas.microsoft.com/office/drawing/2014/main" id="{44176DF8-F1A2-7F3A-E047-D38164999295}"/>
+                    </a:ext>
+                  </a:extLst>
+                </p:cNvPr>
+                <p:cNvPicPr>
+                  <a:picLocks noChangeAspect="1" noChangeArrowheads="1"/>
+                </p:cNvPicPr>
+                <p:nvPr/>
+              </p:nvPicPr>
+              <p:blipFill rotWithShape="1">
+                <a:blip r:embed="rId4">
+                  <a:extLst>
+                    <a:ext uri="{28A0092B-C50C-407E-A947-70E740481C1C}">
+                      <a14:useLocalDpi xmlns:a14="http://schemas.microsoft.com/office/drawing/2010/main" val="0"/>
+                    </a:ext>
+                  </a:extLst>
+                </a:blip>
+                <a:srcRect l="857" t="47517" r="84406" b="16228"/>
+                <a:stretch>
+                  <a:fillRect/>
+                </a:stretch>
+              </p:blipFill>
+              <p:spPr bwMode="auto">
+                <a:xfrm>
+                  <a:off x="3816027" y="3235585"/>
+                  <a:ext cx="336010" cy="465020"/>
+                </a:xfrm>
+                <a:prstGeom prst="rect">
+                  <a:avLst/>
+                </a:prstGeom>
+                <a:noFill/>
+                <a:extLst>
+                  <a:ext uri="{909E8E84-426E-40DD-AFC4-6F175D3DCCD1}">
+                    <a14:hiddenFill xmlns:a14="http://schemas.microsoft.com/office/drawing/2010/main">
+                      <a:solidFill>
+                        <a:srgbClr val="FFFFFF"/>
+                      </a:solidFill>
+                    </a14:hiddenFill>
+                  </a:ext>
+                </a:extLst>
+              </p:spPr>
+            </p:pic>
+            <p:pic>
+              <p:nvPicPr>
+                <p:cNvPr id="23" name="Picture 2" descr="Things which help for better gait analysis - Physiofitfinder">
+                  <a:extLst>
+                    <a:ext uri="{FF2B5EF4-FFF2-40B4-BE49-F238E27FC236}">
+                      <a16:creationId xmlns:a16="http://schemas.microsoft.com/office/drawing/2014/main" id="{0A34B7E3-9F32-E57B-1E1A-87538AC6DDEC}"/>
+                    </a:ext>
+                  </a:extLst>
+                </p:cNvPr>
+                <p:cNvPicPr>
+                  <a:picLocks noChangeAspect="1" noChangeArrowheads="1"/>
+                </p:cNvPicPr>
+                <p:nvPr/>
+              </p:nvPicPr>
+              <p:blipFill rotWithShape="1">
+                <a:blip r:embed="rId4">
+                  <a:extLst>
+                    <a:ext uri="{28A0092B-C50C-407E-A947-70E740481C1C}">
+                      <a14:useLocalDpi xmlns:a14="http://schemas.microsoft.com/office/drawing/2010/main" val="0"/>
+                    </a:ext>
+                  </a:extLst>
+                </a:blip>
+                <a:srcRect l="29207" t="47116" r="57482" b="15632"/>
+                <a:stretch>
+                  <a:fillRect/>
+                </a:stretch>
+              </p:blipFill>
+              <p:spPr bwMode="auto">
+                <a:xfrm>
+                  <a:off x="4334373" y="3227783"/>
+                  <a:ext cx="299443" cy="471380"/>
+                </a:xfrm>
+                <a:prstGeom prst="rect">
+                  <a:avLst/>
+                </a:prstGeom>
+                <a:noFill/>
+                <a:extLst>
+                  <a:ext uri="{909E8E84-426E-40DD-AFC4-6F175D3DCCD1}">
+                    <a14:hiddenFill xmlns:a14="http://schemas.microsoft.com/office/drawing/2010/main">
+                      <a:solidFill>
+                        <a:srgbClr val="FFFFFF"/>
+                      </a:solidFill>
+                    </a14:hiddenFill>
+                  </a:ext>
+                </a:extLst>
+              </p:spPr>
+            </p:pic>
+            <p:pic>
+              <p:nvPicPr>
+                <p:cNvPr id="24" name="Picture 2" descr="Things which help for better gait analysis - Physiofitfinder">
+                  <a:extLst>
+                    <a:ext uri="{FF2B5EF4-FFF2-40B4-BE49-F238E27FC236}">
+                      <a16:creationId xmlns:a16="http://schemas.microsoft.com/office/drawing/2014/main" id="{C01459D4-6252-9C08-73EC-E5965AFA5957}"/>
+                    </a:ext>
+                  </a:extLst>
+                </p:cNvPr>
+                <p:cNvPicPr>
+                  <a:picLocks noChangeAspect="1" noChangeArrowheads="1"/>
+                </p:cNvPicPr>
+                <p:nvPr/>
+              </p:nvPicPr>
+              <p:blipFill rotWithShape="1">
+                <a:blip r:embed="rId4">
+                  <a:extLst>
+                    <a:ext uri="{28A0092B-C50C-407E-A947-70E740481C1C}">
+                      <a14:useLocalDpi xmlns:a14="http://schemas.microsoft.com/office/drawing/2010/main" val="0"/>
+                    </a:ext>
+                  </a:extLst>
+                </a:blip>
+                <a:srcRect l="42830" t="47246" r="43761" b="16119"/>
+                <a:stretch>
+                  <a:fillRect/>
+                </a:stretch>
+              </p:blipFill>
+              <p:spPr bwMode="auto">
+                <a:xfrm>
+                  <a:off x="6408101" y="3224996"/>
+                  <a:ext cx="299441" cy="460194"/>
+                </a:xfrm>
+                <a:prstGeom prst="rect">
+                  <a:avLst/>
+                </a:prstGeom>
+                <a:noFill/>
+                <a:extLst>
+                  <a:ext uri="{909E8E84-426E-40DD-AFC4-6F175D3DCCD1}">
+                    <a14:hiddenFill xmlns:a14="http://schemas.microsoft.com/office/drawing/2010/main">
+                      <a:solidFill>
+                        <a:srgbClr val="FFFFFF"/>
+                      </a:solidFill>
+                    </a14:hiddenFill>
+                  </a:ext>
+                </a:extLst>
+              </p:spPr>
+            </p:pic>
+            <p:pic>
+              <p:nvPicPr>
+                <p:cNvPr id="25" name="Picture 2" descr="Things which help for better gait analysis - Physiofitfinder">
+                  <a:extLst>
+                    <a:ext uri="{FF2B5EF4-FFF2-40B4-BE49-F238E27FC236}">
+                      <a16:creationId xmlns:a16="http://schemas.microsoft.com/office/drawing/2014/main" id="{E6B2823E-B94A-FD7B-1C4D-5356984B52B4}"/>
+                    </a:ext>
+                  </a:extLst>
+                </p:cNvPr>
+                <p:cNvPicPr>
+                  <a:picLocks noChangeAspect="1" noChangeArrowheads="1"/>
+                </p:cNvPicPr>
+                <p:nvPr/>
+              </p:nvPicPr>
+              <p:blipFill rotWithShape="1">
+                <a:blip r:embed="rId4">
+                  <a:extLst>
+                    <a:ext uri="{28A0092B-C50C-407E-A947-70E740481C1C}">
+                      <a14:useLocalDpi xmlns:a14="http://schemas.microsoft.com/office/drawing/2010/main" val="0"/>
+                    </a:ext>
+                  </a:extLst>
+                </a:blip>
+                <a:srcRect l="857" t="47517" r="84406" b="16228"/>
+                <a:stretch>
+                  <a:fillRect/>
+                </a:stretch>
+              </p:blipFill>
+              <p:spPr bwMode="auto">
+                <a:xfrm>
+                  <a:off x="5481864" y="3218083"/>
+                  <a:ext cx="336010" cy="465020"/>
+                </a:xfrm>
+                <a:prstGeom prst="rect">
+                  <a:avLst/>
+                </a:prstGeom>
+                <a:noFill/>
+                <a:extLst>
+                  <a:ext uri="{909E8E84-426E-40DD-AFC4-6F175D3DCCD1}">
+                    <a14:hiddenFill xmlns:a14="http://schemas.microsoft.com/office/drawing/2010/main">
+                      <a:solidFill>
+                        <a:srgbClr val="FFFFFF"/>
+                      </a:solidFill>
+                    </a14:hiddenFill>
+                  </a:ext>
+                </a:extLst>
+              </p:spPr>
+            </p:pic>
+            <p:pic>
+              <p:nvPicPr>
+                <p:cNvPr id="26" name="Picture 2" descr="Things which help for better gait analysis - Physiofitfinder">
+                  <a:extLst>
+                    <a:ext uri="{FF2B5EF4-FFF2-40B4-BE49-F238E27FC236}">
+                      <a16:creationId xmlns:a16="http://schemas.microsoft.com/office/drawing/2014/main" id="{52A84343-48F6-1989-74B8-2B362A950E52}"/>
+                    </a:ext>
+                  </a:extLst>
+                </p:cNvPr>
+                <p:cNvPicPr>
+                  <a:picLocks noChangeAspect="1" noChangeArrowheads="1"/>
+                </p:cNvPicPr>
+                <p:nvPr/>
+              </p:nvPicPr>
+              <p:blipFill rotWithShape="1">
+                <a:blip r:embed="rId4">
+                  <a:extLst>
+                    <a:ext uri="{28A0092B-C50C-407E-A947-70E740481C1C}">
+                      <a14:useLocalDpi xmlns:a14="http://schemas.microsoft.com/office/drawing/2010/main" val="0"/>
+                    </a:ext>
+                  </a:extLst>
+                </a:blip>
+                <a:srcRect l="29207" t="47116" r="57482" b="15632"/>
+                <a:stretch>
+                  <a:fillRect/>
+                </a:stretch>
+              </p:blipFill>
+              <p:spPr bwMode="auto">
+                <a:xfrm>
+                  <a:off x="5967884" y="3210281"/>
+                  <a:ext cx="299443" cy="471380"/>
+                </a:xfrm>
+                <a:prstGeom prst="rect">
+                  <a:avLst/>
+                </a:prstGeom>
+                <a:noFill/>
+                <a:extLst>
+                  <a:ext uri="{909E8E84-426E-40DD-AFC4-6F175D3DCCD1}">
+                    <a14:hiddenFill xmlns:a14="http://schemas.microsoft.com/office/drawing/2010/main">
+                      <a:solidFill>
+                        <a:srgbClr val="FFFFFF"/>
+                      </a:solidFill>
+                    </a14:hiddenFill>
+                  </a:ext>
+                </a:extLst>
+              </p:spPr>
+            </p:pic>
+            <p:pic>
+              <p:nvPicPr>
+                <p:cNvPr id="27" name="Picture 2" descr="Things which help for better gait analysis - Physiofitfinder">
+                  <a:extLst>
+                    <a:ext uri="{FF2B5EF4-FFF2-40B4-BE49-F238E27FC236}">
+                      <a16:creationId xmlns:a16="http://schemas.microsoft.com/office/drawing/2014/main" id="{EF099311-E9EC-B9E1-2843-BBE32B5A8A1A}"/>
+                    </a:ext>
+                  </a:extLst>
+                </p:cNvPr>
+                <p:cNvPicPr>
+                  <a:picLocks noChangeAspect="1" noChangeArrowheads="1"/>
+                </p:cNvPicPr>
+                <p:nvPr/>
+              </p:nvPicPr>
+              <p:blipFill rotWithShape="1">
+                <a:blip r:embed="rId4">
+                  <a:extLst>
+                    <a:ext uri="{28A0092B-C50C-407E-A947-70E740481C1C}">
+                      <a14:useLocalDpi xmlns:a14="http://schemas.microsoft.com/office/drawing/2010/main" val="0"/>
+                    </a:ext>
+                  </a:extLst>
+                </a:blip>
+                <a:srcRect l="42830" t="47246" r="43761" b="16119"/>
+                <a:stretch>
+                  <a:fillRect/>
+                </a:stretch>
+              </p:blipFill>
+              <p:spPr bwMode="auto">
+                <a:xfrm>
+                  <a:off x="8096820" y="3245261"/>
+                  <a:ext cx="299441" cy="460194"/>
+                </a:xfrm>
+                <a:prstGeom prst="rect">
+                  <a:avLst/>
+                </a:prstGeom>
+                <a:noFill/>
+                <a:extLst>
+                  <a:ext uri="{909E8E84-426E-40DD-AFC4-6F175D3DCCD1}">
+                    <a14:hiddenFill xmlns:a14="http://schemas.microsoft.com/office/drawing/2010/main">
+                      <a:solidFill>
+                        <a:srgbClr val="FFFFFF"/>
+                      </a:solidFill>
+                    </a14:hiddenFill>
+                  </a:ext>
+                </a:extLst>
+              </p:spPr>
+            </p:pic>
+            <p:pic>
+              <p:nvPicPr>
+                <p:cNvPr id="28" name="Picture 2" descr="Things which help for better gait analysis - Physiofitfinder">
+                  <a:extLst>
+                    <a:ext uri="{FF2B5EF4-FFF2-40B4-BE49-F238E27FC236}">
+                      <a16:creationId xmlns:a16="http://schemas.microsoft.com/office/drawing/2014/main" id="{F2E256F8-C315-48B5-D8EB-4EAFE30A8C54}"/>
+                    </a:ext>
+                  </a:extLst>
+                </p:cNvPr>
+                <p:cNvPicPr>
+                  <a:picLocks noChangeAspect="1" noChangeArrowheads="1"/>
+                </p:cNvPicPr>
+                <p:nvPr/>
+              </p:nvPicPr>
+              <p:blipFill rotWithShape="1">
+                <a:blip r:embed="rId4">
+                  <a:extLst>
+                    <a:ext uri="{28A0092B-C50C-407E-A947-70E740481C1C}">
+                      <a14:useLocalDpi xmlns:a14="http://schemas.microsoft.com/office/drawing/2010/main" val="0"/>
+                    </a:ext>
+                  </a:extLst>
+                </a:blip>
+                <a:srcRect l="857" t="47517" r="84406" b="16228"/>
+                <a:stretch>
+                  <a:fillRect/>
+                </a:stretch>
+              </p:blipFill>
+              <p:spPr bwMode="auto">
+                <a:xfrm>
+                  <a:off x="7105847" y="3238348"/>
+                  <a:ext cx="336010" cy="465020"/>
+                </a:xfrm>
+                <a:prstGeom prst="rect">
+                  <a:avLst/>
+                </a:prstGeom>
+                <a:noFill/>
+                <a:extLst>
+                  <a:ext uri="{909E8E84-426E-40DD-AFC4-6F175D3DCCD1}">
+                    <a14:hiddenFill xmlns:a14="http://schemas.microsoft.com/office/drawing/2010/main">
+                      <a:solidFill>
+                        <a:srgbClr val="FFFFFF"/>
+                      </a:solidFill>
+                    </a14:hiddenFill>
+                  </a:ext>
+                </a:extLst>
+              </p:spPr>
+            </p:pic>
+            <p:pic>
+              <p:nvPicPr>
+                <p:cNvPr id="29" name="Picture 2" descr="Things which help for better gait analysis - Physiofitfinder">
+                  <a:extLst>
+                    <a:ext uri="{FF2B5EF4-FFF2-40B4-BE49-F238E27FC236}">
+                      <a16:creationId xmlns:a16="http://schemas.microsoft.com/office/drawing/2014/main" id="{5E6DD10D-BCF8-9E8E-E19D-BE3BDA2CEEAE}"/>
+                    </a:ext>
+                  </a:extLst>
+                </p:cNvPr>
+                <p:cNvPicPr>
+                  <a:picLocks noChangeAspect="1" noChangeArrowheads="1"/>
+                </p:cNvPicPr>
+                <p:nvPr/>
+              </p:nvPicPr>
+              <p:blipFill rotWithShape="1">
+                <a:blip r:embed="rId4">
+                  <a:extLst>
+                    <a:ext uri="{28A0092B-C50C-407E-A947-70E740481C1C}">
+                      <a14:useLocalDpi xmlns:a14="http://schemas.microsoft.com/office/drawing/2010/main" val="0"/>
+                    </a:ext>
+                  </a:extLst>
+                </a:blip>
+                <a:srcRect l="29207" t="47116" r="57482" b="15632"/>
+                <a:stretch>
+                  <a:fillRect/>
+                </a:stretch>
+              </p:blipFill>
+              <p:spPr bwMode="auto">
+                <a:xfrm>
+                  <a:off x="7664695" y="3230546"/>
+                  <a:ext cx="299443" cy="471380"/>
+                </a:xfrm>
+                <a:prstGeom prst="rect">
+                  <a:avLst/>
+                </a:prstGeom>
+                <a:noFill/>
+                <a:extLst>
+                  <a:ext uri="{909E8E84-426E-40DD-AFC4-6F175D3DCCD1}">
+                    <a14:hiddenFill xmlns:a14="http://schemas.microsoft.com/office/drawing/2010/main">
+                      <a:solidFill>
+                        <a:srgbClr val="FFFFFF"/>
+                      </a:solidFill>
+                    </a14:hiddenFill>
+                  </a:ext>
+                </a:extLst>
+              </p:spPr>
+            </p:pic>
           </p:grpSp>
-          <p:pic>
-            <p:nvPicPr>
-              <p:cNvPr id="21" name="Picture 2" descr="Things which help for better gait analysis - Physiofitfinder">
+          <p:sp>
+            <p:nvSpPr>
+              <p:cNvPr id="11" name="TextBox 10">
                 <a:extLst>
                   <a:ext uri="{FF2B5EF4-FFF2-40B4-BE49-F238E27FC236}">
-                    <a16:creationId xmlns:a16="http://schemas.microsoft.com/office/drawing/2014/main" id="{6B895096-E097-B8D9-8EA6-9D74A64ECFD7}"/>
+                    <a16:creationId xmlns:a16="http://schemas.microsoft.com/office/drawing/2014/main" id="{2867E9A6-4371-DF58-8031-33A28DBC30A8}"/>
                   </a:ext>
                 </a:extLst>
               </p:cNvPr>
-              <p:cNvPicPr>
-                <a:picLocks noChangeAspect="1" noChangeArrowheads="1"/>
-              </p:cNvPicPr>
+              <p:cNvSpPr txBox="1"/>
               <p:nvPr/>
-            </p:nvPicPr>
-            <p:blipFill rotWithShape="1">
-              <a:blip r:embed="rId4">
-                <a:extLst>
-                  <a:ext uri="{28A0092B-C50C-407E-A947-70E740481C1C}">
-                    <a14:useLocalDpi xmlns:a14="http://schemas.microsoft.com/office/drawing/2010/main" val="0"/>
-                  </a:ext>
-                </a:extLst>
-              </a:blip>
-              <a:srcRect l="42830" t="47246" r="43761" b="16119"/>
-              <a:stretch>
-                <a:fillRect/>
-              </a:stretch>
-            </p:blipFill>
-            <p:spPr bwMode="auto">
+            </p:nvSpPr>
+            <p:spPr>
               <a:xfrm>
-                <a:off x="4816152" y="3242498"/>
-                <a:ext cx="299441" cy="460194"/>
+                <a:off x="2306451" y="1268687"/>
+                <a:ext cx="962150" cy="461665"/>
               </a:xfrm>
               <a:prstGeom prst="rect">
                 <a:avLst/>
               </a:prstGeom>
               <a:noFill/>
-              <a:extLst>
-                <a:ext uri="{909E8E84-426E-40DD-AFC4-6F175D3DCCD1}">
-                  <a14:hiddenFill xmlns:a14="http://schemas.microsoft.com/office/drawing/2010/main">
+            </p:spPr>
+            <p:txBody>
+              <a:bodyPr wrap="square" rtlCol="0">
+                <a:spAutoFit/>
+              </a:bodyPr>
+              <a:lstStyle/>
+              <a:p>
+                <a:pPr algn="ctr"/>
+                <a:r>
+                  <a:rPr lang="en-GB" sz="1200" dirty="0">
                     <a:solidFill>
-                      <a:srgbClr val="FFFFFF"/>
+                      <a:schemeClr val="bg1">
+                        <a:lumMod val="50000"/>
+                      </a:schemeClr>
                     </a:solidFill>
-                  </a14:hiddenFill>
-                </a:ext>
-              </a:extLst>
-            </p:spPr>
-          </p:pic>
-          <p:pic>
-            <p:nvPicPr>
-              <p:cNvPr id="22" name="Picture 2" descr="Things which help for better gait analysis - Physiofitfinder">
+                    <a:latin typeface="PT Mono" panose="02060509020205020204" pitchFamily="49" charset="77"/>
+                  </a:rPr>
+                  <a:t>Foot</a:t>
+                </a:r>
+                <a:r>
+                  <a:rPr lang="en-GB" sz="1200" b="1" dirty="0">
+                    <a:solidFill>
+                      <a:schemeClr val="bg1">
+                        <a:lumMod val="50000"/>
+                      </a:schemeClr>
+                    </a:solidFill>
+                    <a:latin typeface="PT Mono" panose="02060509020205020204" pitchFamily="49" charset="77"/>
+                  </a:rPr>
+                  <a:t> </a:t>
+                </a:r>
+              </a:p>
+              <a:p>
+                <a:pPr algn="ctr"/>
+                <a:r>
+                  <a:rPr lang="en-GB" sz="1200" dirty="0">
+                    <a:solidFill>
+                      <a:schemeClr val="bg1">
+                        <a:lumMod val="50000"/>
+                      </a:schemeClr>
+                    </a:solidFill>
+                    <a:latin typeface="PT Mono" panose="02060509020205020204" pitchFamily="49" charset="77"/>
+                  </a:rPr>
+                  <a:t>contact</a:t>
+                </a:r>
+              </a:p>
+            </p:txBody>
+          </p:sp>
+          <p:sp>
+            <p:nvSpPr>
+              <p:cNvPr id="12" name="TextBox 11">
                 <a:extLst>
                   <a:ext uri="{FF2B5EF4-FFF2-40B4-BE49-F238E27FC236}">
-                    <a16:creationId xmlns:a16="http://schemas.microsoft.com/office/drawing/2014/main" id="{44176DF8-F1A2-7F3A-E047-D38164999295}"/>
+                    <a16:creationId xmlns:a16="http://schemas.microsoft.com/office/drawing/2014/main" id="{4CD7BE51-A2F2-1B5C-6A9C-50AF2E986B81}"/>
                   </a:ext>
                 </a:extLst>
               </p:cNvPr>
-              <p:cNvPicPr>
-                <a:picLocks noChangeAspect="1" noChangeArrowheads="1"/>
-              </p:cNvPicPr>
+              <p:cNvSpPr txBox="1"/>
               <p:nvPr/>
-            </p:nvPicPr>
-            <p:blipFill rotWithShape="1">
-              <a:blip r:embed="rId4">
-                <a:extLst>
-                  <a:ext uri="{28A0092B-C50C-407E-A947-70E740481C1C}">
-                    <a14:useLocalDpi xmlns:a14="http://schemas.microsoft.com/office/drawing/2010/main" val="0"/>
-                  </a:ext>
-                </a:extLst>
-              </a:blip>
-              <a:srcRect l="857" t="47517" r="84406" b="16228"/>
-              <a:stretch>
-                <a:fillRect/>
-              </a:stretch>
-            </p:blipFill>
-            <p:spPr bwMode="auto">
+            </p:nvSpPr>
+            <p:spPr>
               <a:xfrm>
-                <a:off x="3816027" y="3235585"/>
-                <a:ext cx="336010" cy="465020"/>
+                <a:off x="3126470" y="1268687"/>
+                <a:ext cx="962150" cy="461665"/>
               </a:xfrm>
               <a:prstGeom prst="rect">
                 <a:avLst/>
               </a:prstGeom>
               <a:noFill/>
-              <a:extLst>
-                <a:ext uri="{909E8E84-426E-40DD-AFC4-6F175D3DCCD1}">
-                  <a14:hiddenFill xmlns:a14="http://schemas.microsoft.com/office/drawing/2010/main">
+            </p:spPr>
+            <p:txBody>
+              <a:bodyPr wrap="square" rtlCol="0">
+                <a:spAutoFit/>
+              </a:bodyPr>
+              <a:lstStyle/>
+              <a:p>
+                <a:pPr algn="ctr"/>
+                <a:r>
+                  <a:rPr lang="en-GB" sz="1200" dirty="0">
                     <a:solidFill>
-                      <a:srgbClr val="FFFFFF"/>
+                      <a:schemeClr val="bg1">
+                        <a:lumMod val="50000"/>
+                      </a:schemeClr>
                     </a:solidFill>
-                  </a14:hiddenFill>
-                </a:ext>
-              </a:extLst>
-            </p:spPr>
-          </p:pic>
-          <p:pic>
-            <p:nvPicPr>
-              <p:cNvPr id="23" name="Picture 2" descr="Things which help for better gait analysis - Physiofitfinder">
+                    <a:latin typeface="PT Mono" panose="02060509020205020204" pitchFamily="49" charset="77"/>
+                  </a:rPr>
+                  <a:t>Foot</a:t>
+                </a:r>
+                <a:r>
+                  <a:rPr lang="en-GB" sz="1200" b="1" dirty="0">
+                    <a:solidFill>
+                      <a:schemeClr val="bg1">
+                        <a:lumMod val="50000"/>
+                      </a:schemeClr>
+                    </a:solidFill>
+                    <a:latin typeface="PT Mono" panose="02060509020205020204" pitchFamily="49" charset="77"/>
+                  </a:rPr>
+                  <a:t> </a:t>
+                </a:r>
+              </a:p>
+              <a:p>
+                <a:pPr algn="ctr"/>
+                <a:r>
+                  <a:rPr lang="en-GB" sz="1200" dirty="0">
+                    <a:solidFill>
+                      <a:schemeClr val="bg1">
+                        <a:lumMod val="50000"/>
+                      </a:schemeClr>
+                    </a:solidFill>
+                    <a:latin typeface="PT Mono" panose="02060509020205020204" pitchFamily="49" charset="77"/>
+                  </a:rPr>
+                  <a:t>flat</a:t>
+                </a:r>
+              </a:p>
+            </p:txBody>
+          </p:sp>
+          <p:sp>
+            <p:nvSpPr>
+              <p:cNvPr id="13" name="TextBox 12">
                 <a:extLst>
                   <a:ext uri="{FF2B5EF4-FFF2-40B4-BE49-F238E27FC236}">
-                    <a16:creationId xmlns:a16="http://schemas.microsoft.com/office/drawing/2014/main" id="{0A34B7E3-9F32-E57B-1E1A-87538AC6DDEC}"/>
+                    <a16:creationId xmlns:a16="http://schemas.microsoft.com/office/drawing/2014/main" id="{00738164-7769-7637-39AC-627C05557A08}"/>
                   </a:ext>
                 </a:extLst>
               </p:cNvPr>
-              <p:cNvPicPr>
-                <a:picLocks noChangeAspect="1" noChangeArrowheads="1"/>
-              </p:cNvPicPr>
+              <p:cNvSpPr txBox="1"/>
               <p:nvPr/>
-            </p:nvPicPr>
-            <p:blipFill rotWithShape="1">
-              <a:blip r:embed="rId4">
-                <a:extLst>
-                  <a:ext uri="{28A0092B-C50C-407E-A947-70E740481C1C}">
-                    <a14:useLocalDpi xmlns:a14="http://schemas.microsoft.com/office/drawing/2010/main" val="0"/>
-                  </a:ext>
-                </a:extLst>
-              </a:blip>
-              <a:srcRect l="29207" t="47116" r="57482" b="15632"/>
-              <a:stretch>
-                <a:fillRect/>
-              </a:stretch>
-            </p:blipFill>
-            <p:spPr bwMode="auto">
+            </p:nvSpPr>
+            <p:spPr>
               <a:xfrm>
-                <a:off x="4334373" y="3227783"/>
-                <a:ext cx="299443" cy="471380"/>
+                <a:off x="3825592" y="1268686"/>
+                <a:ext cx="962150" cy="461665"/>
               </a:xfrm>
               <a:prstGeom prst="rect">
                 <a:avLst/>
               </a:prstGeom>
               <a:noFill/>
-              <a:extLst>
-                <a:ext uri="{909E8E84-426E-40DD-AFC4-6F175D3DCCD1}">
-                  <a14:hiddenFill xmlns:a14="http://schemas.microsoft.com/office/drawing/2010/main">
+            </p:spPr>
+            <p:txBody>
+              <a:bodyPr wrap="square" rtlCol="0">
+                <a:spAutoFit/>
+              </a:bodyPr>
+              <a:lstStyle/>
+              <a:p>
+                <a:pPr algn="ctr"/>
+                <a:r>
+                  <a:rPr lang="en-GB" sz="1200" dirty="0">
                     <a:solidFill>
-                      <a:srgbClr val="FFFFFF"/>
+                      <a:schemeClr val="bg1">
+                        <a:lumMod val="50000"/>
+                      </a:schemeClr>
                     </a:solidFill>
-                  </a14:hiddenFill>
-                </a:ext>
-              </a:extLst>
-            </p:spPr>
-          </p:pic>
-          <p:pic>
-            <p:nvPicPr>
-              <p:cNvPr id="24" name="Picture 2" descr="Things which help for better gait analysis - Physiofitfinder">
+                    <a:latin typeface="PT Mono" panose="02060509020205020204" pitchFamily="49" charset="77"/>
+                  </a:rPr>
+                  <a:t>Foot</a:t>
+                </a:r>
+                <a:r>
+                  <a:rPr lang="en-GB" sz="1200" b="1" dirty="0">
+                    <a:solidFill>
+                      <a:schemeClr val="bg1">
+                        <a:lumMod val="50000"/>
+                      </a:schemeClr>
+                    </a:solidFill>
+                    <a:latin typeface="PT Mono" panose="02060509020205020204" pitchFamily="49" charset="77"/>
+                  </a:rPr>
+                  <a:t> </a:t>
+                </a:r>
+              </a:p>
+              <a:p>
+                <a:pPr algn="ctr"/>
+                <a:r>
+                  <a:rPr lang="en-GB" sz="1200" dirty="0">
+                    <a:solidFill>
+                      <a:schemeClr val="bg1">
+                        <a:lumMod val="50000"/>
+                      </a:schemeClr>
+                    </a:solidFill>
+                    <a:latin typeface="PT Mono" panose="02060509020205020204" pitchFamily="49" charset="77"/>
+                  </a:rPr>
+                  <a:t>off</a:t>
+                </a:r>
+              </a:p>
+            </p:txBody>
+          </p:sp>
+          <p:sp>
+            <p:nvSpPr>
+              <p:cNvPr id="14" name="TextBox 13">
                 <a:extLst>
                   <a:ext uri="{FF2B5EF4-FFF2-40B4-BE49-F238E27FC236}">
-                    <a16:creationId xmlns:a16="http://schemas.microsoft.com/office/drawing/2014/main" id="{C01459D4-6252-9C08-73EC-E5965AFA5957}"/>
+                    <a16:creationId xmlns:a16="http://schemas.microsoft.com/office/drawing/2014/main" id="{7D9512F4-E2A2-CF56-894B-FDFCD32B0D35}"/>
                   </a:ext>
                 </a:extLst>
               </p:cNvPr>
-              <p:cNvPicPr>
-                <a:picLocks noChangeAspect="1" noChangeArrowheads="1"/>
-              </p:cNvPicPr>
+              <p:cNvSpPr txBox="1"/>
               <p:nvPr/>
-            </p:nvPicPr>
-            <p:blipFill rotWithShape="1">
-              <a:blip r:embed="rId4">
-                <a:extLst>
-                  <a:ext uri="{28A0092B-C50C-407E-A947-70E740481C1C}">
-                    <a14:useLocalDpi xmlns:a14="http://schemas.microsoft.com/office/drawing/2010/main" val="0"/>
-                  </a:ext>
-                </a:extLst>
-              </a:blip>
-              <a:srcRect l="42830" t="47246" r="43761" b="16119"/>
-              <a:stretch>
-                <a:fillRect/>
-              </a:stretch>
-            </p:blipFill>
-            <p:spPr bwMode="auto">
+            </p:nvSpPr>
+            <p:spPr>
               <a:xfrm>
-                <a:off x="6408101" y="3224996"/>
-                <a:ext cx="299441" cy="460194"/>
+                <a:off x="4804644" y="1244381"/>
+                <a:ext cx="962150" cy="461665"/>
               </a:xfrm>
               <a:prstGeom prst="rect">
                 <a:avLst/>
               </a:prstGeom>
               <a:noFill/>
-              <a:extLst>
-                <a:ext uri="{909E8E84-426E-40DD-AFC4-6F175D3DCCD1}">
-                  <a14:hiddenFill xmlns:a14="http://schemas.microsoft.com/office/drawing/2010/main">
+            </p:spPr>
+            <p:txBody>
+              <a:bodyPr wrap="square" rtlCol="0">
+                <a:spAutoFit/>
+              </a:bodyPr>
+              <a:lstStyle/>
+              <a:p>
+                <a:pPr algn="ctr"/>
+                <a:r>
+                  <a:rPr lang="en-GB" sz="1200" dirty="0">
                     <a:solidFill>
-                      <a:srgbClr val="FFFFFF"/>
+                      <a:schemeClr val="bg1">
+                        <a:lumMod val="50000"/>
+                      </a:schemeClr>
                     </a:solidFill>
-                  </a14:hiddenFill>
-                </a:ext>
-              </a:extLst>
-            </p:spPr>
-          </p:pic>
-          <p:pic>
-            <p:nvPicPr>
-              <p:cNvPr id="25" name="Picture 2" descr="Things which help for better gait analysis - Physiofitfinder">
+                    <a:latin typeface="PT Mono" panose="02060509020205020204" pitchFamily="49" charset="77"/>
+                  </a:rPr>
+                  <a:t>Foot</a:t>
+                </a:r>
+                <a:r>
+                  <a:rPr lang="en-GB" sz="1200" b="1" dirty="0">
+                    <a:solidFill>
+                      <a:schemeClr val="bg1">
+                        <a:lumMod val="50000"/>
+                      </a:schemeClr>
+                    </a:solidFill>
+                    <a:latin typeface="PT Mono" panose="02060509020205020204" pitchFamily="49" charset="77"/>
+                  </a:rPr>
+                  <a:t> </a:t>
+                </a:r>
+              </a:p>
+              <a:p>
+                <a:pPr algn="ctr"/>
+                <a:r>
+                  <a:rPr lang="en-GB" sz="1200" dirty="0">
+                    <a:solidFill>
+                      <a:schemeClr val="bg1">
+                        <a:lumMod val="50000"/>
+                      </a:schemeClr>
+                    </a:solidFill>
+                    <a:latin typeface="PT Mono" panose="02060509020205020204" pitchFamily="49" charset="77"/>
+                  </a:rPr>
+                  <a:t>contact</a:t>
+                </a:r>
+              </a:p>
+            </p:txBody>
+          </p:sp>
+          <p:sp>
+            <p:nvSpPr>
+              <p:cNvPr id="15" name="TextBox 14">
                 <a:extLst>
                   <a:ext uri="{FF2B5EF4-FFF2-40B4-BE49-F238E27FC236}">
-                    <a16:creationId xmlns:a16="http://schemas.microsoft.com/office/drawing/2014/main" id="{E6B2823E-B94A-FD7B-1C4D-5356984B52B4}"/>
+                    <a16:creationId xmlns:a16="http://schemas.microsoft.com/office/drawing/2014/main" id="{89404CE8-6285-C3F5-1E84-6A938854E64C}"/>
                   </a:ext>
                 </a:extLst>
               </p:cNvPr>
-              <p:cNvPicPr>
-                <a:picLocks noChangeAspect="1" noChangeArrowheads="1"/>
-              </p:cNvPicPr>
+              <p:cNvSpPr txBox="1"/>
               <p:nvPr/>
-            </p:nvPicPr>
-            <p:blipFill rotWithShape="1">
-              <a:blip r:embed="rId4">
-                <a:extLst>
-                  <a:ext uri="{28A0092B-C50C-407E-A947-70E740481C1C}">
-                    <a14:useLocalDpi xmlns:a14="http://schemas.microsoft.com/office/drawing/2010/main" val="0"/>
-                  </a:ext>
-                </a:extLst>
-              </a:blip>
-              <a:srcRect l="857" t="47517" r="84406" b="16228"/>
-              <a:stretch>
-                <a:fillRect/>
-              </a:stretch>
-            </p:blipFill>
-            <p:spPr bwMode="auto">
+            </p:nvSpPr>
+            <p:spPr>
               <a:xfrm>
-                <a:off x="5481864" y="3218083"/>
-                <a:ext cx="336010" cy="465020"/>
+                <a:off x="5581086" y="1242192"/>
+                <a:ext cx="962150" cy="461665"/>
               </a:xfrm>
               <a:prstGeom prst="rect">
                 <a:avLst/>
               </a:prstGeom>
               <a:noFill/>
-              <a:extLst>
-                <a:ext uri="{909E8E84-426E-40DD-AFC4-6F175D3DCCD1}">
-                  <a14:hiddenFill xmlns:a14="http://schemas.microsoft.com/office/drawing/2010/main">
+            </p:spPr>
+            <p:txBody>
+              <a:bodyPr wrap="square" rtlCol="0">
+                <a:spAutoFit/>
+              </a:bodyPr>
+              <a:lstStyle/>
+              <a:p>
+                <a:pPr algn="ctr"/>
+                <a:r>
+                  <a:rPr lang="en-GB" sz="1200" dirty="0">
                     <a:solidFill>
-                      <a:srgbClr val="FFFFFF"/>
+                      <a:schemeClr val="bg1">
+                        <a:lumMod val="50000"/>
+                      </a:schemeClr>
                     </a:solidFill>
-                  </a14:hiddenFill>
-                </a:ext>
-              </a:extLst>
-            </p:spPr>
-          </p:pic>
-          <p:pic>
-            <p:nvPicPr>
-              <p:cNvPr id="26" name="Picture 2" descr="Things which help for better gait analysis - Physiofitfinder">
+                    <a:latin typeface="PT Mono" panose="02060509020205020204" pitchFamily="49" charset="77"/>
+                  </a:rPr>
+                  <a:t>Foot</a:t>
+                </a:r>
+                <a:r>
+                  <a:rPr lang="en-GB" sz="1200" b="1" dirty="0">
+                    <a:solidFill>
+                      <a:schemeClr val="bg1">
+                        <a:lumMod val="50000"/>
+                      </a:schemeClr>
+                    </a:solidFill>
+                    <a:latin typeface="PT Mono" panose="02060509020205020204" pitchFamily="49" charset="77"/>
+                  </a:rPr>
+                  <a:t> </a:t>
+                </a:r>
+              </a:p>
+              <a:p>
+                <a:pPr algn="ctr"/>
+                <a:r>
+                  <a:rPr lang="en-GB" sz="1200" dirty="0">
+                    <a:solidFill>
+                      <a:schemeClr val="bg1">
+                        <a:lumMod val="50000"/>
+                      </a:schemeClr>
+                    </a:solidFill>
+                    <a:latin typeface="PT Mono" panose="02060509020205020204" pitchFamily="49" charset="77"/>
+                  </a:rPr>
+                  <a:t>flat</a:t>
+                </a:r>
+              </a:p>
+            </p:txBody>
+          </p:sp>
+          <p:sp>
+            <p:nvSpPr>
+              <p:cNvPr id="16" name="TextBox 15">
                 <a:extLst>
                   <a:ext uri="{FF2B5EF4-FFF2-40B4-BE49-F238E27FC236}">
-                    <a16:creationId xmlns:a16="http://schemas.microsoft.com/office/drawing/2014/main" id="{52A84343-48F6-1989-74B8-2B362A950E52}"/>
+                    <a16:creationId xmlns:a16="http://schemas.microsoft.com/office/drawing/2014/main" id="{F9AEA62A-DA20-539B-28FC-299DCC5BB5E9}"/>
                   </a:ext>
                 </a:extLst>
               </p:cNvPr>
-              <p:cNvPicPr>
-                <a:picLocks noChangeAspect="1" noChangeArrowheads="1"/>
-              </p:cNvPicPr>
+              <p:cNvSpPr txBox="1"/>
               <p:nvPr/>
-            </p:nvPicPr>
-            <p:blipFill rotWithShape="1">
-              <a:blip r:embed="rId4">
-                <a:extLst>
-                  <a:ext uri="{28A0092B-C50C-407E-A947-70E740481C1C}">
-                    <a14:useLocalDpi xmlns:a14="http://schemas.microsoft.com/office/drawing/2010/main" val="0"/>
-                  </a:ext>
-                </a:extLst>
-              </a:blip>
-              <a:srcRect l="29207" t="47116" r="57482" b="15632"/>
-              <a:stretch>
-                <a:fillRect/>
-              </a:stretch>
-            </p:blipFill>
-            <p:spPr bwMode="auto">
+            </p:nvSpPr>
+            <p:spPr>
               <a:xfrm>
-                <a:off x="5967884" y="3210281"/>
-                <a:ext cx="299443" cy="471380"/>
+                <a:off x="6241463" y="1249940"/>
+                <a:ext cx="962150" cy="461665"/>
               </a:xfrm>
               <a:prstGeom prst="rect">
                 <a:avLst/>
               </a:prstGeom>
               <a:noFill/>
-              <a:extLst>
-                <a:ext uri="{909E8E84-426E-40DD-AFC4-6F175D3DCCD1}">
-                  <a14:hiddenFill xmlns:a14="http://schemas.microsoft.com/office/drawing/2010/main">
+            </p:spPr>
+            <p:txBody>
+              <a:bodyPr wrap="square" rtlCol="0">
+                <a:spAutoFit/>
+              </a:bodyPr>
+              <a:lstStyle/>
+              <a:p>
+                <a:pPr algn="ctr"/>
+                <a:r>
+                  <a:rPr lang="en-GB" sz="1200" dirty="0">
                     <a:solidFill>
-                      <a:srgbClr val="FFFFFF"/>
+                      <a:schemeClr val="bg1">
+                        <a:lumMod val="50000"/>
+                      </a:schemeClr>
                     </a:solidFill>
-                  </a14:hiddenFill>
-                </a:ext>
-              </a:extLst>
-            </p:spPr>
-          </p:pic>
-          <p:pic>
-            <p:nvPicPr>
-              <p:cNvPr id="27" name="Picture 2" descr="Things which help for better gait analysis - Physiofitfinder">
+                    <a:latin typeface="PT Mono" panose="02060509020205020204" pitchFamily="49" charset="77"/>
+                  </a:rPr>
+                  <a:t>Foot</a:t>
+                </a:r>
+                <a:r>
+                  <a:rPr lang="en-GB" sz="1200" b="1" dirty="0">
+                    <a:solidFill>
+                      <a:schemeClr val="bg1">
+                        <a:lumMod val="50000"/>
+                      </a:schemeClr>
+                    </a:solidFill>
+                    <a:latin typeface="PT Mono" panose="02060509020205020204" pitchFamily="49" charset="77"/>
+                  </a:rPr>
+                  <a:t> </a:t>
+                </a:r>
+              </a:p>
+              <a:p>
+                <a:pPr algn="ctr"/>
+                <a:r>
+                  <a:rPr lang="en-GB" sz="1200" dirty="0">
+                    <a:solidFill>
+                      <a:schemeClr val="bg1">
+                        <a:lumMod val="50000"/>
+                      </a:schemeClr>
+                    </a:solidFill>
+                    <a:latin typeface="PT Mono" panose="02060509020205020204" pitchFamily="49" charset="77"/>
+                  </a:rPr>
+                  <a:t>off</a:t>
+                </a:r>
+              </a:p>
+            </p:txBody>
+          </p:sp>
+          <p:sp>
+            <p:nvSpPr>
+              <p:cNvPr id="17" name="TextBox 16">
                 <a:extLst>
                   <a:ext uri="{FF2B5EF4-FFF2-40B4-BE49-F238E27FC236}">
-                    <a16:creationId xmlns:a16="http://schemas.microsoft.com/office/drawing/2014/main" id="{EF099311-E9EC-B9E1-2843-BBE32B5A8A1A}"/>
+                    <a16:creationId xmlns:a16="http://schemas.microsoft.com/office/drawing/2014/main" id="{6F55C6FF-2182-FA57-18C1-33BF60686BEC}"/>
                   </a:ext>
                 </a:extLst>
               </p:cNvPr>
-              <p:cNvPicPr>
-                <a:picLocks noChangeAspect="1" noChangeArrowheads="1"/>
-              </p:cNvPicPr>
+              <p:cNvSpPr txBox="1"/>
               <p:nvPr/>
-            </p:nvPicPr>
-            <p:blipFill rotWithShape="1">
-              <a:blip r:embed="rId4">
-                <a:extLst>
-                  <a:ext uri="{28A0092B-C50C-407E-A947-70E740481C1C}">
-                    <a14:useLocalDpi xmlns:a14="http://schemas.microsoft.com/office/drawing/2010/main" val="0"/>
-                  </a:ext>
-                </a:extLst>
-              </a:blip>
-              <a:srcRect l="42830" t="47246" r="43761" b="16119"/>
-              <a:stretch>
-                <a:fillRect/>
-              </a:stretch>
-            </p:blipFill>
-            <p:spPr bwMode="auto">
+            </p:nvSpPr>
+            <p:spPr>
               <a:xfrm>
-                <a:off x="8096820" y="3245261"/>
-                <a:ext cx="299441" cy="460194"/>
+                <a:off x="7302837" y="1238416"/>
+                <a:ext cx="962150" cy="461665"/>
               </a:xfrm>
               <a:prstGeom prst="rect">
                 <a:avLst/>
               </a:prstGeom>
               <a:noFill/>
-              <a:extLst>
-                <a:ext uri="{909E8E84-426E-40DD-AFC4-6F175D3DCCD1}">
-                  <a14:hiddenFill xmlns:a14="http://schemas.microsoft.com/office/drawing/2010/main">
+            </p:spPr>
+            <p:txBody>
+              <a:bodyPr wrap="square" rtlCol="0">
+                <a:spAutoFit/>
+              </a:bodyPr>
+              <a:lstStyle/>
+              <a:p>
+                <a:pPr algn="ctr"/>
+                <a:r>
+                  <a:rPr lang="en-GB" sz="1200" dirty="0">
                     <a:solidFill>
-                      <a:srgbClr val="FFFFFF"/>
+                      <a:schemeClr val="bg1">
+                        <a:lumMod val="50000"/>
+                      </a:schemeClr>
                     </a:solidFill>
-                  </a14:hiddenFill>
-                </a:ext>
-              </a:extLst>
-            </p:spPr>
-          </p:pic>
-          <p:pic>
-            <p:nvPicPr>
-              <p:cNvPr id="28" name="Picture 2" descr="Things which help for better gait analysis - Physiofitfinder">
+                    <a:latin typeface="PT Mono" panose="02060509020205020204" pitchFamily="49" charset="77"/>
+                  </a:rPr>
+                  <a:t>Foot</a:t>
+                </a:r>
+                <a:r>
+                  <a:rPr lang="en-GB" sz="1200" b="1" dirty="0">
+                    <a:solidFill>
+                      <a:schemeClr val="bg1">
+                        <a:lumMod val="50000"/>
+                      </a:schemeClr>
+                    </a:solidFill>
+                    <a:latin typeface="PT Mono" panose="02060509020205020204" pitchFamily="49" charset="77"/>
+                  </a:rPr>
+                  <a:t> </a:t>
+                </a:r>
+              </a:p>
+              <a:p>
+                <a:pPr algn="ctr"/>
+                <a:r>
+                  <a:rPr lang="en-GB" sz="1200" dirty="0">
+                    <a:solidFill>
+                      <a:schemeClr val="bg1">
+                        <a:lumMod val="50000"/>
+                      </a:schemeClr>
+                    </a:solidFill>
+                    <a:latin typeface="PT Mono" panose="02060509020205020204" pitchFamily="49" charset="77"/>
+                  </a:rPr>
+                  <a:t>contact</a:t>
+                </a:r>
+              </a:p>
+            </p:txBody>
+          </p:sp>
+          <p:sp>
+            <p:nvSpPr>
+              <p:cNvPr id="18" name="TextBox 17">
                 <a:extLst>
                   <a:ext uri="{FF2B5EF4-FFF2-40B4-BE49-F238E27FC236}">
-                    <a16:creationId xmlns:a16="http://schemas.microsoft.com/office/drawing/2014/main" id="{F2E256F8-C315-48B5-D8EB-4EAFE30A8C54}"/>
+                    <a16:creationId xmlns:a16="http://schemas.microsoft.com/office/drawing/2014/main" id="{C17DE880-DF35-C810-B376-5E078C66D61F}"/>
                   </a:ext>
                 </a:extLst>
               </p:cNvPr>
-              <p:cNvPicPr>
-                <a:picLocks noChangeAspect="1" noChangeArrowheads="1"/>
-              </p:cNvPicPr>
+              <p:cNvSpPr txBox="1"/>
               <p:nvPr/>
-            </p:nvPicPr>
-            <p:blipFill rotWithShape="1">
-              <a:blip r:embed="rId4">
-                <a:extLst>
-                  <a:ext uri="{28A0092B-C50C-407E-A947-70E740481C1C}">
-                    <a14:useLocalDpi xmlns:a14="http://schemas.microsoft.com/office/drawing/2010/main" val="0"/>
-                  </a:ext>
-                </a:extLst>
-              </a:blip>
-              <a:srcRect l="857" t="47517" r="84406" b="16228"/>
-              <a:stretch>
-                <a:fillRect/>
-              </a:stretch>
-            </p:blipFill>
-            <p:spPr bwMode="auto">
+            </p:nvSpPr>
+            <p:spPr>
               <a:xfrm>
-                <a:off x="7105847" y="3238348"/>
-                <a:ext cx="336010" cy="465020"/>
+                <a:off x="8189007" y="1236227"/>
+                <a:ext cx="962150" cy="461665"/>
               </a:xfrm>
               <a:prstGeom prst="rect">
                 <a:avLst/>
               </a:prstGeom>
               <a:noFill/>
-              <a:extLst>
-                <a:ext uri="{909E8E84-426E-40DD-AFC4-6F175D3DCCD1}">
-                  <a14:hiddenFill xmlns:a14="http://schemas.microsoft.com/office/drawing/2010/main">
+            </p:spPr>
+            <p:txBody>
+              <a:bodyPr wrap="square" rtlCol="0">
+                <a:spAutoFit/>
+              </a:bodyPr>
+              <a:lstStyle/>
+              <a:p>
+                <a:pPr algn="ctr"/>
+                <a:r>
+                  <a:rPr lang="en-GB" sz="1200" dirty="0">
                     <a:solidFill>
-                      <a:srgbClr val="FFFFFF"/>
+                      <a:schemeClr val="bg1">
+                        <a:lumMod val="50000"/>
+                      </a:schemeClr>
                     </a:solidFill>
-                  </a14:hiddenFill>
-                </a:ext>
-              </a:extLst>
-            </p:spPr>
-          </p:pic>
-          <p:pic>
-            <p:nvPicPr>
-              <p:cNvPr id="29" name="Picture 2" descr="Things which help for better gait analysis - Physiofitfinder">
+                    <a:latin typeface="PT Mono" panose="02060509020205020204" pitchFamily="49" charset="77"/>
+                  </a:rPr>
+                  <a:t>Foot</a:t>
+                </a:r>
+                <a:r>
+                  <a:rPr lang="en-GB" sz="1200" b="1" dirty="0">
+                    <a:solidFill>
+                      <a:schemeClr val="bg1">
+                        <a:lumMod val="50000"/>
+                      </a:schemeClr>
+                    </a:solidFill>
+                    <a:latin typeface="PT Mono" panose="02060509020205020204" pitchFamily="49" charset="77"/>
+                  </a:rPr>
+                  <a:t> </a:t>
+                </a:r>
+              </a:p>
+              <a:p>
+                <a:pPr algn="ctr"/>
+                <a:r>
+                  <a:rPr lang="en-GB" sz="1200" dirty="0">
+                    <a:solidFill>
+                      <a:schemeClr val="bg1">
+                        <a:lumMod val="50000"/>
+                      </a:schemeClr>
+                    </a:solidFill>
+                    <a:latin typeface="PT Mono" panose="02060509020205020204" pitchFamily="49" charset="77"/>
+                  </a:rPr>
+                  <a:t>flat</a:t>
+                </a:r>
+              </a:p>
+            </p:txBody>
+          </p:sp>
+          <p:sp>
+            <p:nvSpPr>
+              <p:cNvPr id="19" name="TextBox 18">
                 <a:extLst>
                   <a:ext uri="{FF2B5EF4-FFF2-40B4-BE49-F238E27FC236}">
-                    <a16:creationId xmlns:a16="http://schemas.microsoft.com/office/drawing/2014/main" id="{5E6DD10D-BCF8-9E8E-E19D-BE3BDA2CEEAE}"/>
+                    <a16:creationId xmlns:a16="http://schemas.microsoft.com/office/drawing/2014/main" id="{51279C4C-625A-7620-BD12-E6ECAD349CEA}"/>
                   </a:ext>
                 </a:extLst>
               </p:cNvPr>
-              <p:cNvPicPr>
-                <a:picLocks noChangeAspect="1" noChangeArrowheads="1"/>
-              </p:cNvPicPr>
+              <p:cNvSpPr txBox="1"/>
               <p:nvPr/>
-            </p:nvPicPr>
-            <p:blipFill rotWithShape="1">
-              <a:blip r:embed="rId4">
-                <a:extLst>
-                  <a:ext uri="{28A0092B-C50C-407E-A947-70E740481C1C}">
-                    <a14:useLocalDpi xmlns:a14="http://schemas.microsoft.com/office/drawing/2010/main" val="0"/>
-                  </a:ext>
-                </a:extLst>
-              </a:blip>
-              <a:srcRect l="29207" t="47116" r="57482" b="15632"/>
-              <a:stretch>
-                <a:fillRect/>
-              </a:stretch>
-            </p:blipFill>
-            <p:spPr bwMode="auto">
+            </p:nvSpPr>
+            <p:spPr>
               <a:xfrm>
-                <a:off x="7664695" y="3230546"/>
-                <a:ext cx="299443" cy="471380"/>
+                <a:off x="8776232" y="1243975"/>
+                <a:ext cx="962150" cy="461665"/>
               </a:xfrm>
               <a:prstGeom prst="rect">
                 <a:avLst/>
               </a:prstGeom>
               <a:noFill/>
-              <a:extLst>
-                <a:ext uri="{909E8E84-426E-40DD-AFC4-6F175D3DCCD1}">
-                  <a14:hiddenFill xmlns:a14="http://schemas.microsoft.com/office/drawing/2010/main">
+            </p:spPr>
+            <p:txBody>
+              <a:bodyPr wrap="square" rtlCol="0">
+                <a:spAutoFit/>
+              </a:bodyPr>
+              <a:lstStyle/>
+              <a:p>
+                <a:pPr algn="ctr"/>
+                <a:r>
+                  <a:rPr lang="en-GB" sz="1200" dirty="0">
                     <a:solidFill>
-                      <a:srgbClr val="FFFFFF"/>
+                      <a:schemeClr val="bg1">
+                        <a:lumMod val="50000"/>
+                      </a:schemeClr>
                     </a:solidFill>
-                  </a14:hiddenFill>
-                </a:ext>
-              </a:extLst>
-            </p:spPr>
-          </p:pic>
+                    <a:latin typeface="PT Mono" panose="02060509020205020204" pitchFamily="49" charset="77"/>
+                  </a:rPr>
+                  <a:t>Foot</a:t>
+                </a:r>
+                <a:r>
+                  <a:rPr lang="en-GB" sz="1200" b="1" dirty="0">
+                    <a:solidFill>
+                      <a:schemeClr val="bg1">
+                        <a:lumMod val="50000"/>
+                      </a:schemeClr>
+                    </a:solidFill>
+                    <a:latin typeface="PT Mono" panose="02060509020205020204" pitchFamily="49" charset="77"/>
+                  </a:rPr>
+                  <a:t> </a:t>
+                </a:r>
+              </a:p>
+              <a:p>
+                <a:pPr algn="ctr"/>
+                <a:r>
+                  <a:rPr lang="en-GB" sz="1200" dirty="0">
+                    <a:solidFill>
+                      <a:schemeClr val="bg1">
+                        <a:lumMod val="50000"/>
+                      </a:schemeClr>
+                    </a:solidFill>
+                    <a:latin typeface="PT Mono" panose="02060509020205020204" pitchFamily="49" charset="77"/>
+                  </a:rPr>
+                  <a:t>off</a:t>
+                </a:r>
+              </a:p>
+            </p:txBody>
+          </p:sp>
         </p:grpSp>
-        <p:sp>
-          <p:nvSpPr>
-            <p:cNvPr id="11" name="TextBox 10">
-              <a:extLst>
-                <a:ext uri="{FF2B5EF4-FFF2-40B4-BE49-F238E27FC236}">
-                  <a16:creationId xmlns:a16="http://schemas.microsoft.com/office/drawing/2014/main" id="{2867E9A6-4371-DF58-8031-33A28DBC30A8}"/>
-                </a:ext>
-              </a:extLst>
-            </p:cNvPr>
-            <p:cNvSpPr txBox="1"/>
-            <p:nvPr/>
-          </p:nvSpPr>
-          <p:spPr>
-            <a:xfrm>
-              <a:off x="2306451" y="1268687"/>
-              <a:ext cx="962150" cy="461665"/>
-            </a:xfrm>
-            <a:prstGeom prst="rect">
-              <a:avLst/>
-            </a:prstGeom>
-            <a:noFill/>
-          </p:spPr>
-          <p:txBody>
-            <a:bodyPr wrap="square" rtlCol="0">
-              <a:spAutoFit/>
-            </a:bodyPr>
-            <a:lstStyle/>
-            <a:p>
-              <a:pPr algn="ctr"/>
-              <a:r>
-                <a:rPr lang="en-GB" sz="1200" dirty="0">
-                  <a:solidFill>
-                    <a:schemeClr val="bg1">
-                      <a:lumMod val="50000"/>
-                    </a:schemeClr>
-                  </a:solidFill>
-                  <a:latin typeface="PT Mono" panose="02060509020205020204" pitchFamily="49" charset="77"/>
-                </a:rPr>
-                <a:t>Foot</a:t>
-              </a:r>
-              <a:r>
-                <a:rPr lang="en-GB" sz="1200" b="1" dirty="0">
-                  <a:solidFill>
-                    <a:schemeClr val="bg1">
-                      <a:lumMod val="50000"/>
-                    </a:schemeClr>
-                  </a:solidFill>
-                  <a:latin typeface="PT Mono" panose="02060509020205020204" pitchFamily="49" charset="77"/>
-                </a:rPr>
-                <a:t> </a:t>
-              </a:r>
-            </a:p>
-            <a:p>
-              <a:pPr algn="ctr"/>
-              <a:r>
-                <a:rPr lang="en-GB" sz="1200" dirty="0">
-                  <a:solidFill>
-                    <a:schemeClr val="bg1">
-                      <a:lumMod val="50000"/>
-                    </a:schemeClr>
-                  </a:solidFill>
-                  <a:latin typeface="PT Mono" panose="02060509020205020204" pitchFamily="49" charset="77"/>
-                </a:rPr>
-                <a:t>contact</a:t>
-              </a:r>
-            </a:p>
-          </p:txBody>
-        </p:sp>
-        <p:sp>
-          <p:nvSpPr>
-            <p:cNvPr id="12" name="TextBox 11">
-              <a:extLst>
-                <a:ext uri="{FF2B5EF4-FFF2-40B4-BE49-F238E27FC236}">
-                  <a16:creationId xmlns:a16="http://schemas.microsoft.com/office/drawing/2014/main" id="{4CD7BE51-A2F2-1B5C-6A9C-50AF2E986B81}"/>
-                </a:ext>
-              </a:extLst>
-            </p:cNvPr>
-            <p:cNvSpPr txBox="1"/>
-            <p:nvPr/>
-          </p:nvSpPr>
-          <p:spPr>
-            <a:xfrm>
-              <a:off x="3126470" y="1268687"/>
-              <a:ext cx="962150" cy="461665"/>
-            </a:xfrm>
-            <a:prstGeom prst="rect">
-              <a:avLst/>
-            </a:prstGeom>
-            <a:noFill/>
-          </p:spPr>
-          <p:txBody>
-            <a:bodyPr wrap="square" rtlCol="0">
-              <a:spAutoFit/>
-            </a:bodyPr>
-            <a:lstStyle/>
-            <a:p>
-              <a:pPr algn="ctr"/>
-              <a:r>
-                <a:rPr lang="en-GB" sz="1200" dirty="0">
-                  <a:solidFill>
-                    <a:schemeClr val="bg1">
-                      <a:lumMod val="50000"/>
-                    </a:schemeClr>
-                  </a:solidFill>
-                  <a:latin typeface="PT Mono" panose="02060509020205020204" pitchFamily="49" charset="77"/>
-                </a:rPr>
-                <a:t>Foot</a:t>
-              </a:r>
-              <a:r>
-                <a:rPr lang="en-GB" sz="1200" b="1" dirty="0">
-                  <a:solidFill>
-                    <a:schemeClr val="bg1">
-                      <a:lumMod val="50000"/>
-                    </a:schemeClr>
-                  </a:solidFill>
-                  <a:latin typeface="PT Mono" panose="02060509020205020204" pitchFamily="49" charset="77"/>
-                </a:rPr>
-                <a:t> </a:t>
-              </a:r>
-            </a:p>
-            <a:p>
-              <a:pPr algn="ctr"/>
-              <a:r>
-                <a:rPr lang="en-GB" sz="1200" dirty="0">
-                  <a:solidFill>
-                    <a:schemeClr val="bg1">
-                      <a:lumMod val="50000"/>
-                    </a:schemeClr>
-                  </a:solidFill>
-                  <a:latin typeface="PT Mono" panose="02060509020205020204" pitchFamily="49" charset="77"/>
-                </a:rPr>
-                <a:t>flat</a:t>
-              </a:r>
-            </a:p>
-          </p:txBody>
-        </p:sp>
-        <p:sp>
-          <p:nvSpPr>
-            <p:cNvPr id="13" name="TextBox 12">
-              <a:extLst>
-                <a:ext uri="{FF2B5EF4-FFF2-40B4-BE49-F238E27FC236}">
-                  <a16:creationId xmlns:a16="http://schemas.microsoft.com/office/drawing/2014/main" id="{00738164-7769-7637-39AC-627C05557A08}"/>
-                </a:ext>
-              </a:extLst>
-            </p:cNvPr>
-            <p:cNvSpPr txBox="1"/>
-            <p:nvPr/>
-          </p:nvSpPr>
-          <p:spPr>
-            <a:xfrm>
-              <a:off x="3825592" y="1268686"/>
-              <a:ext cx="962150" cy="461665"/>
-            </a:xfrm>
-            <a:prstGeom prst="rect">
-              <a:avLst/>
-            </a:prstGeom>
-            <a:noFill/>
-          </p:spPr>
-          <p:txBody>
-            <a:bodyPr wrap="square" rtlCol="0">
-              <a:spAutoFit/>
-            </a:bodyPr>
-            <a:lstStyle/>
-            <a:p>
-              <a:pPr algn="ctr"/>
-              <a:r>
-                <a:rPr lang="en-GB" sz="1200" dirty="0">
-                  <a:solidFill>
-                    <a:schemeClr val="bg1">
-                      <a:lumMod val="50000"/>
-                    </a:schemeClr>
-                  </a:solidFill>
-                  <a:latin typeface="PT Mono" panose="02060509020205020204" pitchFamily="49" charset="77"/>
-                </a:rPr>
-                <a:t>Foot</a:t>
-              </a:r>
-              <a:r>
-                <a:rPr lang="en-GB" sz="1200" b="1" dirty="0">
-                  <a:solidFill>
-                    <a:schemeClr val="bg1">
-                      <a:lumMod val="50000"/>
-                    </a:schemeClr>
-                  </a:solidFill>
-                  <a:latin typeface="PT Mono" panose="02060509020205020204" pitchFamily="49" charset="77"/>
-                </a:rPr>
-                <a:t> </a:t>
-              </a:r>
-            </a:p>
-            <a:p>
-              <a:pPr algn="ctr"/>
-              <a:r>
-                <a:rPr lang="en-GB" sz="1200" dirty="0">
-                  <a:solidFill>
-                    <a:schemeClr val="bg1">
-                      <a:lumMod val="50000"/>
-                    </a:schemeClr>
-                  </a:solidFill>
-                  <a:latin typeface="PT Mono" panose="02060509020205020204" pitchFamily="49" charset="77"/>
-                </a:rPr>
-                <a:t>off</a:t>
-              </a:r>
-            </a:p>
-          </p:txBody>
-        </p:sp>
-        <p:sp>
-          <p:nvSpPr>
-            <p:cNvPr id="14" name="TextBox 13">
-              <a:extLst>
-                <a:ext uri="{FF2B5EF4-FFF2-40B4-BE49-F238E27FC236}">
-                  <a16:creationId xmlns:a16="http://schemas.microsoft.com/office/drawing/2014/main" id="{7D9512F4-E2A2-CF56-894B-FDFCD32B0D35}"/>
-                </a:ext>
-              </a:extLst>
-            </p:cNvPr>
-            <p:cNvSpPr txBox="1"/>
-            <p:nvPr/>
-          </p:nvSpPr>
-          <p:spPr>
-            <a:xfrm>
-              <a:off x="4804644" y="1244381"/>
-              <a:ext cx="962150" cy="461665"/>
-            </a:xfrm>
-            <a:prstGeom prst="rect">
-              <a:avLst/>
-            </a:prstGeom>
-            <a:noFill/>
-          </p:spPr>
-          <p:txBody>
-            <a:bodyPr wrap="square" rtlCol="0">
-              <a:spAutoFit/>
-            </a:bodyPr>
-            <a:lstStyle/>
-            <a:p>
-              <a:pPr algn="ctr"/>
-              <a:r>
-                <a:rPr lang="en-GB" sz="1200" dirty="0">
-                  <a:solidFill>
-                    <a:schemeClr val="bg1">
-                      <a:lumMod val="50000"/>
-                    </a:schemeClr>
-                  </a:solidFill>
-                  <a:latin typeface="PT Mono" panose="02060509020205020204" pitchFamily="49" charset="77"/>
-                </a:rPr>
-                <a:t>Foot</a:t>
-              </a:r>
-              <a:r>
-                <a:rPr lang="en-GB" sz="1200" b="1" dirty="0">
-                  <a:solidFill>
-                    <a:schemeClr val="bg1">
-                      <a:lumMod val="50000"/>
-                    </a:schemeClr>
-                  </a:solidFill>
-                  <a:latin typeface="PT Mono" panose="02060509020205020204" pitchFamily="49" charset="77"/>
-                </a:rPr>
-                <a:t> </a:t>
-              </a:r>
-            </a:p>
-            <a:p>
-              <a:pPr algn="ctr"/>
-              <a:r>
-                <a:rPr lang="en-GB" sz="1200" dirty="0">
-                  <a:solidFill>
-                    <a:schemeClr val="bg1">
-                      <a:lumMod val="50000"/>
-                    </a:schemeClr>
-                  </a:solidFill>
-                  <a:latin typeface="PT Mono" panose="02060509020205020204" pitchFamily="49" charset="77"/>
-                </a:rPr>
-                <a:t>contact</a:t>
-              </a:r>
-            </a:p>
-          </p:txBody>
-        </p:sp>
-        <p:sp>
-          <p:nvSpPr>
-            <p:cNvPr id="15" name="TextBox 14">
-              <a:extLst>
-                <a:ext uri="{FF2B5EF4-FFF2-40B4-BE49-F238E27FC236}">
-                  <a16:creationId xmlns:a16="http://schemas.microsoft.com/office/drawing/2014/main" id="{89404CE8-6285-C3F5-1E84-6A938854E64C}"/>
-                </a:ext>
-              </a:extLst>
-            </p:cNvPr>
-            <p:cNvSpPr txBox="1"/>
-            <p:nvPr/>
-          </p:nvSpPr>
-          <p:spPr>
-            <a:xfrm>
-              <a:off x="5581086" y="1242192"/>
-              <a:ext cx="962150" cy="461665"/>
-            </a:xfrm>
-            <a:prstGeom prst="rect">
-              <a:avLst/>
-            </a:prstGeom>
-            <a:noFill/>
-          </p:spPr>
-          <p:txBody>
-            <a:bodyPr wrap="square" rtlCol="0">
-              <a:spAutoFit/>
-            </a:bodyPr>
-            <a:lstStyle/>
-            <a:p>
-              <a:pPr algn="ctr"/>
-              <a:r>
-                <a:rPr lang="en-GB" sz="1200" dirty="0">
-                  <a:solidFill>
-                    <a:schemeClr val="bg1">
-                      <a:lumMod val="50000"/>
-                    </a:schemeClr>
-                  </a:solidFill>
-                  <a:latin typeface="PT Mono" panose="02060509020205020204" pitchFamily="49" charset="77"/>
-                </a:rPr>
-                <a:t>Foot</a:t>
-              </a:r>
-              <a:r>
-                <a:rPr lang="en-GB" sz="1200" b="1" dirty="0">
-                  <a:solidFill>
-                    <a:schemeClr val="bg1">
-                      <a:lumMod val="50000"/>
-                    </a:schemeClr>
-                  </a:solidFill>
-                  <a:latin typeface="PT Mono" panose="02060509020205020204" pitchFamily="49" charset="77"/>
-                </a:rPr>
-                <a:t> </a:t>
-              </a:r>
-            </a:p>
-            <a:p>
-              <a:pPr algn="ctr"/>
-              <a:r>
-                <a:rPr lang="en-GB" sz="1200" dirty="0">
-                  <a:solidFill>
-                    <a:schemeClr val="bg1">
-                      <a:lumMod val="50000"/>
-                    </a:schemeClr>
-                  </a:solidFill>
-                  <a:latin typeface="PT Mono" panose="02060509020205020204" pitchFamily="49" charset="77"/>
-                </a:rPr>
-                <a:t>flat</a:t>
-              </a:r>
-            </a:p>
-          </p:txBody>
-        </p:sp>
-        <p:sp>
-          <p:nvSpPr>
-            <p:cNvPr id="16" name="TextBox 15">
-              <a:extLst>
-                <a:ext uri="{FF2B5EF4-FFF2-40B4-BE49-F238E27FC236}">
-                  <a16:creationId xmlns:a16="http://schemas.microsoft.com/office/drawing/2014/main" id="{F9AEA62A-DA20-539B-28FC-299DCC5BB5E9}"/>
-                </a:ext>
-              </a:extLst>
-            </p:cNvPr>
-            <p:cNvSpPr txBox="1"/>
-            <p:nvPr/>
-          </p:nvSpPr>
-          <p:spPr>
-            <a:xfrm>
-              <a:off x="6241463" y="1249940"/>
-              <a:ext cx="962150" cy="461665"/>
-            </a:xfrm>
-            <a:prstGeom prst="rect">
-              <a:avLst/>
-            </a:prstGeom>
-            <a:noFill/>
-          </p:spPr>
-          <p:txBody>
-            <a:bodyPr wrap="square" rtlCol="0">
-              <a:spAutoFit/>
-            </a:bodyPr>
-            <a:lstStyle/>
-            <a:p>
-              <a:pPr algn="ctr"/>
-              <a:r>
-                <a:rPr lang="en-GB" sz="1200" dirty="0">
-                  <a:solidFill>
-                    <a:schemeClr val="bg1">
-                      <a:lumMod val="50000"/>
-                    </a:schemeClr>
-                  </a:solidFill>
-                  <a:latin typeface="PT Mono" panose="02060509020205020204" pitchFamily="49" charset="77"/>
-                </a:rPr>
-                <a:t>Foot</a:t>
-              </a:r>
-              <a:r>
-                <a:rPr lang="en-GB" sz="1200" b="1" dirty="0">
-                  <a:solidFill>
-                    <a:schemeClr val="bg1">
-                      <a:lumMod val="50000"/>
-                    </a:schemeClr>
-                  </a:solidFill>
-                  <a:latin typeface="PT Mono" panose="02060509020205020204" pitchFamily="49" charset="77"/>
-                </a:rPr>
-                <a:t> </a:t>
-              </a:r>
-            </a:p>
-            <a:p>
-              <a:pPr algn="ctr"/>
-              <a:r>
-                <a:rPr lang="en-GB" sz="1200" dirty="0">
-                  <a:solidFill>
-                    <a:schemeClr val="bg1">
-                      <a:lumMod val="50000"/>
-                    </a:schemeClr>
-                  </a:solidFill>
-                  <a:latin typeface="PT Mono" panose="02060509020205020204" pitchFamily="49" charset="77"/>
-                </a:rPr>
-                <a:t>off</a:t>
-              </a:r>
-            </a:p>
-          </p:txBody>
-        </p:sp>
-        <p:sp>
-          <p:nvSpPr>
-            <p:cNvPr id="17" name="TextBox 16">
-              <a:extLst>
-                <a:ext uri="{FF2B5EF4-FFF2-40B4-BE49-F238E27FC236}">
-                  <a16:creationId xmlns:a16="http://schemas.microsoft.com/office/drawing/2014/main" id="{6F55C6FF-2182-FA57-18C1-33BF60686BEC}"/>
-                </a:ext>
-              </a:extLst>
-            </p:cNvPr>
-            <p:cNvSpPr txBox="1"/>
-            <p:nvPr/>
-          </p:nvSpPr>
-          <p:spPr>
-            <a:xfrm>
-              <a:off x="7302837" y="1238416"/>
-              <a:ext cx="962150" cy="461665"/>
-            </a:xfrm>
-            <a:prstGeom prst="rect">
-              <a:avLst/>
-            </a:prstGeom>
-            <a:noFill/>
-          </p:spPr>
-          <p:txBody>
-            <a:bodyPr wrap="square" rtlCol="0">
-              <a:spAutoFit/>
-            </a:bodyPr>
-            <a:lstStyle/>
-            <a:p>
-              <a:pPr algn="ctr"/>
-              <a:r>
-                <a:rPr lang="en-GB" sz="1200" dirty="0">
-                  <a:solidFill>
-                    <a:schemeClr val="bg1">
-                      <a:lumMod val="50000"/>
-                    </a:schemeClr>
-                  </a:solidFill>
-                  <a:latin typeface="PT Mono" panose="02060509020205020204" pitchFamily="49" charset="77"/>
-                </a:rPr>
-                <a:t>Foot</a:t>
-              </a:r>
-              <a:r>
-                <a:rPr lang="en-GB" sz="1200" b="1" dirty="0">
-                  <a:solidFill>
-                    <a:schemeClr val="bg1">
-                      <a:lumMod val="50000"/>
-                    </a:schemeClr>
-                  </a:solidFill>
-                  <a:latin typeface="PT Mono" panose="02060509020205020204" pitchFamily="49" charset="77"/>
-                </a:rPr>
-                <a:t> </a:t>
-              </a:r>
-            </a:p>
-            <a:p>
-              <a:pPr algn="ctr"/>
-              <a:r>
-                <a:rPr lang="en-GB" sz="1200" dirty="0">
-                  <a:solidFill>
-                    <a:schemeClr val="bg1">
-                      <a:lumMod val="50000"/>
-                    </a:schemeClr>
-                  </a:solidFill>
-                  <a:latin typeface="PT Mono" panose="02060509020205020204" pitchFamily="49" charset="77"/>
-                </a:rPr>
-                <a:t>contact</a:t>
-              </a:r>
-            </a:p>
-          </p:txBody>
-        </p:sp>
-        <p:sp>
-          <p:nvSpPr>
-            <p:cNvPr id="18" name="TextBox 17">
-              <a:extLst>
-                <a:ext uri="{FF2B5EF4-FFF2-40B4-BE49-F238E27FC236}">
-                  <a16:creationId xmlns:a16="http://schemas.microsoft.com/office/drawing/2014/main" id="{C17DE880-DF35-C810-B376-5E078C66D61F}"/>
-                </a:ext>
-              </a:extLst>
-            </p:cNvPr>
-            <p:cNvSpPr txBox="1"/>
-            <p:nvPr/>
-          </p:nvSpPr>
-          <p:spPr>
-            <a:xfrm>
-              <a:off x="8189007" y="1236227"/>
-              <a:ext cx="962150" cy="461665"/>
-            </a:xfrm>
-            <a:prstGeom prst="rect">
-              <a:avLst/>
-            </a:prstGeom>
-            <a:noFill/>
-          </p:spPr>
-          <p:txBody>
-            <a:bodyPr wrap="square" rtlCol="0">
-              <a:spAutoFit/>
-            </a:bodyPr>
-            <a:lstStyle/>
-            <a:p>
-              <a:pPr algn="ctr"/>
-              <a:r>
-                <a:rPr lang="en-GB" sz="1200" dirty="0">
-                  <a:solidFill>
-                    <a:schemeClr val="bg1">
-                      <a:lumMod val="50000"/>
-                    </a:schemeClr>
-                  </a:solidFill>
-                  <a:latin typeface="PT Mono" panose="02060509020205020204" pitchFamily="49" charset="77"/>
-                </a:rPr>
-                <a:t>Foot</a:t>
-              </a:r>
-              <a:r>
-                <a:rPr lang="en-GB" sz="1200" b="1" dirty="0">
-                  <a:solidFill>
-                    <a:schemeClr val="bg1">
-                      <a:lumMod val="50000"/>
-                    </a:schemeClr>
-                  </a:solidFill>
-                  <a:latin typeface="PT Mono" panose="02060509020205020204" pitchFamily="49" charset="77"/>
-                </a:rPr>
-                <a:t> </a:t>
-              </a:r>
-            </a:p>
-            <a:p>
-              <a:pPr algn="ctr"/>
-              <a:r>
-                <a:rPr lang="en-GB" sz="1200" dirty="0">
-                  <a:solidFill>
-                    <a:schemeClr val="bg1">
-                      <a:lumMod val="50000"/>
-                    </a:schemeClr>
-                  </a:solidFill>
-                  <a:latin typeface="PT Mono" panose="02060509020205020204" pitchFamily="49" charset="77"/>
-                </a:rPr>
-                <a:t>flat</a:t>
-              </a:r>
-            </a:p>
-          </p:txBody>
-        </p:sp>
-        <p:sp>
-          <p:nvSpPr>
-            <p:cNvPr id="19" name="TextBox 18">
-              <a:extLst>
-                <a:ext uri="{FF2B5EF4-FFF2-40B4-BE49-F238E27FC236}">
-                  <a16:creationId xmlns:a16="http://schemas.microsoft.com/office/drawing/2014/main" id="{51279C4C-625A-7620-BD12-E6ECAD349CEA}"/>
-                </a:ext>
-              </a:extLst>
-            </p:cNvPr>
-            <p:cNvSpPr txBox="1"/>
-            <p:nvPr/>
-          </p:nvSpPr>
-          <p:spPr>
-            <a:xfrm>
-              <a:off x="8776232" y="1243975"/>
-              <a:ext cx="962150" cy="461665"/>
-            </a:xfrm>
-            <a:prstGeom prst="rect">
-              <a:avLst/>
-            </a:prstGeom>
-            <a:noFill/>
-          </p:spPr>
-          <p:txBody>
-            <a:bodyPr wrap="square" rtlCol="0">
-              <a:spAutoFit/>
-            </a:bodyPr>
-            <a:lstStyle/>
-            <a:p>
-              <a:pPr algn="ctr"/>
-              <a:r>
-                <a:rPr lang="en-GB" sz="1200" dirty="0">
-                  <a:solidFill>
-                    <a:schemeClr val="bg1">
-                      <a:lumMod val="50000"/>
-                    </a:schemeClr>
-                  </a:solidFill>
-                  <a:latin typeface="PT Mono" panose="02060509020205020204" pitchFamily="49" charset="77"/>
-                </a:rPr>
-                <a:t>Foot</a:t>
-              </a:r>
-              <a:r>
-                <a:rPr lang="en-GB" sz="1200" b="1" dirty="0">
-                  <a:solidFill>
-                    <a:schemeClr val="bg1">
-                      <a:lumMod val="50000"/>
-                    </a:schemeClr>
-                  </a:solidFill>
-                  <a:latin typeface="PT Mono" panose="02060509020205020204" pitchFamily="49" charset="77"/>
-                </a:rPr>
-                <a:t> </a:t>
-              </a:r>
-            </a:p>
-            <a:p>
-              <a:pPr algn="ctr"/>
-              <a:r>
-                <a:rPr lang="en-GB" sz="1200" dirty="0">
-                  <a:solidFill>
-                    <a:schemeClr val="bg1">
-                      <a:lumMod val="50000"/>
-                    </a:schemeClr>
-                  </a:solidFill>
-                  <a:latin typeface="PT Mono" panose="02060509020205020204" pitchFamily="49" charset="77"/>
-                </a:rPr>
-                <a:t>off</a:t>
-              </a:r>
-            </a:p>
-          </p:txBody>
-        </p:sp>
       </p:grpSp>
     </p:spTree>
     <p:extLst>
       <p:ext uri="{BB962C8B-B14F-4D97-AF65-F5344CB8AC3E}">
         <p14:creationId xmlns:p14="http://schemas.microsoft.com/office/powerpoint/2010/main" val="4235014303"/>
-      </p:ext>
-    </p:extLst>
-  </p:cSld>
-  <p:clrMapOvr>
-    <a:masterClrMapping/>
-  </p:clrMapOvr>
-</p:sld>
-</file>
-
-<file path=ppt/slides/slide3.xml><?xml version="1.0" encoding="utf-8"?>
-<p:sld xmlns:a="http://schemas.openxmlformats.org/drawingml/2006/main" xmlns:r="http://schemas.openxmlformats.org/officeDocument/2006/relationships" xmlns:p="http://schemas.openxmlformats.org/presentationml/2006/main">
-  <p:cSld>
-    <p:bg>
-      <p:bgPr>
-        <a:solidFill>
-          <a:schemeClr val="bg1">
-            <a:lumMod val="85000"/>
-          </a:schemeClr>
-        </a:solidFill>
-        <a:effectLst/>
-      </p:bgPr>
-    </p:bg>
-    <p:spTree>
-      <p:nvGrpSpPr>
-        <p:cNvPr id="1" name="">
-          <a:extLst>
-            <a:ext uri="{FF2B5EF4-FFF2-40B4-BE49-F238E27FC236}">
-              <a16:creationId xmlns:a16="http://schemas.microsoft.com/office/drawing/2014/main" id="{0D129304-4CF5-12F5-673C-D6D7137E0076}"/>
-            </a:ext>
-          </a:extLst>
-        </p:cNvPr>
-        <p:cNvGrpSpPr/>
-        <p:nvPr/>
-      </p:nvGrpSpPr>
-      <p:grpSpPr>
-        <a:xfrm>
-          <a:off x="0" y="0"/>
-          <a:ext cx="0" cy="0"/>
-          <a:chOff x="0" y="0"/>
-          <a:chExt cx="0" cy="0"/>
-        </a:xfrm>
-      </p:grpSpPr>
-    </p:spTree>
-    <p:extLst>
-      <p:ext uri="{BB962C8B-B14F-4D97-AF65-F5344CB8AC3E}">
-        <p14:creationId xmlns:p14="http://schemas.microsoft.com/office/powerpoint/2010/main" val="3293737794"/>
       </p:ext>
     </p:extLst>
   </p:cSld>

--- a/presentation/slides.pptx
+++ b/presentation/slides.pptx
@@ -5,12 +5,13 @@
     <p:sldMasterId id="2147483648" r:id="rId1"/>
   </p:sldMasterIdLst>
   <p:notesMasterIdLst>
-    <p:notesMasterId r:id="rId5"/>
+    <p:notesMasterId r:id="rId6"/>
   </p:notesMasterIdLst>
   <p:sldIdLst>
     <p:sldId id="258" r:id="rId2"/>
     <p:sldId id="259" r:id="rId3"/>
     <p:sldId id="257" r:id="rId4"/>
+    <p:sldId id="260" r:id="rId5"/>
   </p:sldIdLst>
   <p:sldSz cx="12192000" cy="6858000"/>
   <p:notesSz cx="6858000" cy="9144000"/>
@@ -4326,206 +4327,61 @@
       </p:grpSpPr>
       <p:pic>
         <p:nvPicPr>
-          <p:cNvPr id="3" name="Graphic 2" descr="Foot outline">
-            <a:extLst>
-              <a:ext uri="{FF2B5EF4-FFF2-40B4-BE49-F238E27FC236}">
-                <a16:creationId xmlns:a16="http://schemas.microsoft.com/office/drawing/2014/main" id="{2323491B-2B84-820D-E029-ED87CC3BB4B4}"/>
+          <p:cNvPr id="4098" name="Picture 2" descr="Free 3D Foot Models - Available For Download On TurboSquid">
+            <a:extLst>
+              <a:ext uri="{FF2B5EF4-FFF2-40B4-BE49-F238E27FC236}">
+                <a16:creationId xmlns:a16="http://schemas.microsoft.com/office/drawing/2014/main" id="{1D63C865-370B-EBA4-2449-2EAC4AD9F179}"/>
               </a:ext>
             </a:extLst>
           </p:cNvPr>
           <p:cNvPicPr>
-            <a:picLocks noChangeAspect="1"/>
+            <a:picLocks noChangeAspect="1" noChangeArrowheads="1"/>
           </p:cNvPicPr>
           <p:nvPr/>
         </p:nvPicPr>
         <p:blipFill>
           <a:blip r:embed="rId3">
-            <a:extLst>
-              <a:ext uri="{96DAC541-7B7A-43D3-8B79-37D633B846F1}">
-                <asvg:svgBlip xmlns:asvg="http://schemas.microsoft.com/office/drawing/2016/SVG/main" r:embed="rId4"/>
+            <a:clrChange>
+              <a:clrFrom>
+                <a:srgbClr val="F1F1F1"/>
+              </a:clrFrom>
+              <a:clrTo>
+                <a:srgbClr val="F1F1F1">
+                  <a:alpha val="0"/>
+                </a:srgbClr>
+              </a:clrTo>
+            </a:clrChange>
+            <a:extLst>
+              <a:ext uri="{28A0092B-C50C-407E-A947-70E740481C1C}">
+                <a14:useLocalDpi xmlns:a14="http://schemas.microsoft.com/office/drawing/2010/main" val="0"/>
               </a:ext>
             </a:extLst>
           </a:blip>
+          <a:srcRect/>
           <a:stretch>
             <a:fillRect/>
           </a:stretch>
         </p:blipFill>
-        <p:spPr>
-          <a:xfrm>
-            <a:off x="4497859" y="1830859"/>
-            <a:ext cx="3196281" cy="3196281"/>
-          </a:xfrm>
-          <a:prstGeom prst="rect">
-            <a:avLst/>
-          </a:prstGeom>
+        <p:spPr bwMode="auto">
+          <a:xfrm>
+            <a:off x="4191000" y="1524000"/>
+            <a:ext cx="3810000" cy="3810000"/>
+          </a:xfrm>
+          <a:prstGeom prst="rect">
+            <a:avLst/>
+          </a:prstGeom>
+          <a:noFill/>
+          <a:extLst>
+            <a:ext uri="{909E8E84-426E-40DD-AFC4-6F175D3DCCD1}">
+              <a14:hiddenFill xmlns:a14="http://schemas.microsoft.com/office/drawing/2010/main">
+                <a:solidFill>
+                  <a:srgbClr val="FFFFFF"/>
+                </a:solidFill>
+              </a14:hiddenFill>
+            </a:ext>
+          </a:extLst>
         </p:spPr>
       </p:pic>
-      <p:sp>
-        <p:nvSpPr>
-          <p:cNvPr id="6" name="Rectangle 5">
-            <a:extLst>
-              <a:ext uri="{FF2B5EF4-FFF2-40B4-BE49-F238E27FC236}">
-                <a16:creationId xmlns:a16="http://schemas.microsoft.com/office/drawing/2014/main" id="{6F7FA6BB-A4B7-B4B4-9507-64E26947CC61}"/>
-              </a:ext>
-            </a:extLst>
-          </p:cNvPr>
-          <p:cNvSpPr/>
-          <p:nvPr/>
-        </p:nvSpPr>
-        <p:spPr>
-          <a:xfrm rot="1912287">
-            <a:off x="5935672" y="3719575"/>
-            <a:ext cx="459552" cy="136921"/>
-          </a:xfrm>
-          <a:prstGeom prst="rect">
-            <a:avLst/>
-          </a:prstGeom>
-          <a:solidFill>
-            <a:srgbClr val="E88034"/>
-          </a:solidFill>
-          <a:ln>
-            <a:noFill/>
-          </a:ln>
-        </p:spPr>
-        <p:style>
-          <a:lnRef idx="2">
-            <a:schemeClr val="accent1">
-              <a:shade val="15000"/>
-            </a:schemeClr>
-          </a:lnRef>
-          <a:fillRef idx="1">
-            <a:schemeClr val="accent1"/>
-          </a:fillRef>
-          <a:effectRef idx="0">
-            <a:schemeClr val="accent1"/>
-          </a:effectRef>
-          <a:fontRef idx="minor">
-            <a:schemeClr val="lt1"/>
-          </a:fontRef>
-        </p:style>
-        <p:txBody>
-          <a:bodyPr rtlCol="0" anchor="ctr"/>
-          <a:lstStyle/>
-          <a:p>
-            <a:pPr algn="ctr"/>
-            <a:endParaRPr lang="en-GB"/>
-          </a:p>
-        </p:txBody>
-      </p:sp>
-      <p:cxnSp>
-        <p:nvCxnSpPr>
-          <p:cNvPr id="8" name="Straight Connector 7">
-            <a:extLst>
-              <a:ext uri="{FF2B5EF4-FFF2-40B4-BE49-F238E27FC236}">
-                <a16:creationId xmlns:a16="http://schemas.microsoft.com/office/drawing/2014/main" id="{E0706B8A-7050-0010-483E-CFE713FFD446}"/>
-              </a:ext>
-            </a:extLst>
-          </p:cNvPr>
-          <p:cNvCxnSpPr>
-            <a:cxnSpLocks/>
-          </p:cNvCxnSpPr>
-          <p:nvPr/>
-        </p:nvCxnSpPr>
-        <p:spPr>
-          <a:xfrm flipV="1">
-            <a:off x="6165448" y="3237862"/>
-            <a:ext cx="364623" cy="550173"/>
-          </a:xfrm>
-          <a:prstGeom prst="line">
-            <a:avLst/>
-          </a:prstGeom>
-        </p:spPr>
-        <p:style>
-          <a:lnRef idx="2">
-            <a:schemeClr val="accent1"/>
-          </a:lnRef>
-          <a:fillRef idx="0">
-            <a:schemeClr val="accent1"/>
-          </a:fillRef>
-          <a:effectRef idx="1">
-            <a:schemeClr val="accent1"/>
-          </a:effectRef>
-          <a:fontRef idx="minor">
-            <a:schemeClr val="tx1"/>
-          </a:fontRef>
-        </p:style>
-      </p:cxnSp>
-      <p:cxnSp>
-        <p:nvCxnSpPr>
-          <p:cNvPr id="39" name="Straight Connector 38">
-            <a:extLst>
-              <a:ext uri="{FF2B5EF4-FFF2-40B4-BE49-F238E27FC236}">
-                <a16:creationId xmlns:a16="http://schemas.microsoft.com/office/drawing/2014/main" id="{6527FB07-5F23-7F81-E022-4E2978596FE8}"/>
-              </a:ext>
-            </a:extLst>
-          </p:cNvPr>
-          <p:cNvCxnSpPr>
-            <a:cxnSpLocks/>
-          </p:cNvCxnSpPr>
-          <p:nvPr/>
-        </p:nvCxnSpPr>
-        <p:spPr>
-          <a:xfrm>
-            <a:off x="6162232" y="3774286"/>
-            <a:ext cx="284518" cy="193214"/>
-          </a:xfrm>
-          <a:prstGeom prst="line">
-            <a:avLst/>
-          </a:prstGeom>
-        </p:spPr>
-        <p:style>
-          <a:lnRef idx="2">
-            <a:schemeClr val="accent1"/>
-          </a:lnRef>
-          <a:fillRef idx="0">
-            <a:schemeClr val="accent1"/>
-          </a:fillRef>
-          <a:effectRef idx="1">
-            <a:schemeClr val="accent1"/>
-          </a:effectRef>
-          <a:fontRef idx="minor">
-            <a:schemeClr val="tx1"/>
-          </a:fontRef>
-        </p:style>
-      </p:cxnSp>
-      <p:cxnSp>
-        <p:nvCxnSpPr>
-          <p:cNvPr id="43" name="Straight Connector 42">
-            <a:extLst>
-              <a:ext uri="{FF2B5EF4-FFF2-40B4-BE49-F238E27FC236}">
-                <a16:creationId xmlns:a16="http://schemas.microsoft.com/office/drawing/2014/main" id="{6D1C4186-35DB-90C3-3902-3683F5C805AF}"/>
-              </a:ext>
-            </a:extLst>
-          </p:cNvPr>
-          <p:cNvCxnSpPr>
-            <a:cxnSpLocks/>
-          </p:cNvCxnSpPr>
-          <p:nvPr/>
-        </p:nvCxnSpPr>
-        <p:spPr>
-          <a:xfrm flipV="1">
-            <a:off x="6169034" y="3627937"/>
-            <a:ext cx="185662" cy="154065"/>
-          </a:xfrm>
-          <a:prstGeom prst="line">
-            <a:avLst/>
-          </a:prstGeom>
-        </p:spPr>
-        <p:style>
-          <a:lnRef idx="2">
-            <a:schemeClr val="accent1"/>
-          </a:lnRef>
-          <a:fillRef idx="0">
-            <a:schemeClr val="accent1"/>
-          </a:fillRef>
-          <a:effectRef idx="1">
-            <a:schemeClr val="accent1"/>
-          </a:effectRef>
-          <a:fontRef idx="minor">
-            <a:schemeClr val="tx1"/>
-          </a:fontRef>
-        </p:style>
-      </p:cxnSp>
     </p:spTree>
     <p:extLst>
       <p:ext uri="{BB962C8B-B14F-4D97-AF65-F5344CB8AC3E}">
@@ -6112,6 +5968,66 @@
 </p:sld>
 </file>
 
+<file path=ppt/slides/slide4.xml><?xml version="1.0" encoding="utf-8"?>
+<p:sld xmlns:a="http://schemas.openxmlformats.org/drawingml/2006/main" xmlns:r="http://schemas.openxmlformats.org/officeDocument/2006/relationships" xmlns:p="http://schemas.openxmlformats.org/presentationml/2006/main">
+  <p:cSld>
+    <p:spTree>
+      <p:nvGrpSpPr>
+        <p:cNvPr id="1" name=""/>
+        <p:cNvGrpSpPr/>
+        <p:nvPr/>
+      </p:nvGrpSpPr>
+      <p:grpSpPr>
+        <a:xfrm>
+          <a:off x="0" y="0"/>
+          <a:ext cx="0" cy="0"/>
+          <a:chOff x="0" y="0"/>
+          <a:chExt cx="0" cy="0"/>
+        </a:xfrm>
+      </p:grpSpPr>
+      <p:pic>
+        <p:nvPicPr>
+          <p:cNvPr id="4" name="Picture 3">
+            <a:extLst>
+              <a:ext uri="{FF2B5EF4-FFF2-40B4-BE49-F238E27FC236}">
+                <a16:creationId xmlns:a16="http://schemas.microsoft.com/office/drawing/2014/main" id="{40883AD1-0B0E-F438-F4C7-7841C66EB75D}"/>
+              </a:ext>
+            </a:extLst>
+          </p:cNvPr>
+          <p:cNvPicPr>
+            <a:picLocks noChangeAspect="1"/>
+          </p:cNvPicPr>
+          <p:nvPr/>
+        </p:nvPicPr>
+        <p:blipFill>
+          <a:blip r:embed="rId2"/>
+          <a:stretch>
+            <a:fillRect/>
+          </a:stretch>
+        </p:blipFill>
+        <p:spPr>
+          <a:xfrm>
+            <a:off x="2036380" y="1097620"/>
+            <a:ext cx="7772400" cy="4978061"/>
+          </a:xfrm>
+          <a:prstGeom prst="rect">
+            <a:avLst/>
+          </a:prstGeom>
+        </p:spPr>
+      </p:pic>
+    </p:spTree>
+    <p:extLst>
+      <p:ext uri="{BB962C8B-B14F-4D97-AF65-F5344CB8AC3E}">
+        <p14:creationId xmlns:p14="http://schemas.microsoft.com/office/powerpoint/2010/main" val="2988188315"/>
+      </p:ext>
+    </p:extLst>
+  </p:cSld>
+  <p:clrMapOvr>
+    <a:masterClrMapping/>
+  </p:clrMapOvr>
+</p:sld>
+</file>
+
 <file path=ppt/theme/theme1.xml><?xml version="1.0" encoding="utf-8"?>
 <a:theme xmlns:a="http://schemas.openxmlformats.org/drawingml/2006/main" name="Office Theme">
   <a:themeElements>

--- a/presentation/slides.pptx
+++ b/presentation/slides.pptx
@@ -5,13 +5,14 @@
     <p:sldMasterId id="2147483648" r:id="rId1"/>
   </p:sldMasterIdLst>
   <p:notesMasterIdLst>
-    <p:notesMasterId r:id="rId6"/>
+    <p:notesMasterId r:id="rId7"/>
   </p:notesMasterIdLst>
   <p:sldIdLst>
     <p:sldId id="258" r:id="rId2"/>
     <p:sldId id="259" r:id="rId3"/>
     <p:sldId id="257" r:id="rId4"/>
-    <p:sldId id="260" r:id="rId5"/>
+    <p:sldId id="261" r:id="rId5"/>
+    <p:sldId id="260" r:id="rId6"/>
   </p:sldIdLst>
   <p:sldSz cx="12192000" cy="6858000"/>
   <p:notesSz cx="6858000" cy="9144000"/>
@@ -4198,7 +4199,7 @@
         </p:blipFill>
         <p:spPr>
           <a:xfrm>
-            <a:off x="973250" y="5287972"/>
+            <a:off x="973250" y="5035719"/>
             <a:ext cx="2912950" cy="533974"/>
           </a:xfrm>
           <a:prstGeom prst="rect">
@@ -4220,7 +4221,7 @@
         </p:nvSpPr>
         <p:spPr>
           <a:xfrm>
-            <a:off x="836909" y="1036054"/>
+            <a:off x="836909" y="1288306"/>
             <a:ext cx="10821691" cy="2246769"/>
           </a:xfrm>
           <a:prstGeom prst="rect">
@@ -5990,6 +5991,66 @@
           <p:cNvPr id="4" name="Picture 3">
             <a:extLst>
               <a:ext uri="{FF2B5EF4-FFF2-40B4-BE49-F238E27FC236}">
+                <a16:creationId xmlns:a16="http://schemas.microsoft.com/office/drawing/2014/main" id="{26D48F1C-C4BC-20E9-07D6-CE28FBF77683}"/>
+              </a:ext>
+            </a:extLst>
+          </p:cNvPr>
+          <p:cNvPicPr>
+            <a:picLocks noChangeAspect="1"/>
+          </p:cNvPicPr>
+          <p:nvPr/>
+        </p:nvPicPr>
+        <p:blipFill>
+          <a:blip r:embed="rId2"/>
+          <a:stretch>
+            <a:fillRect/>
+          </a:stretch>
+        </p:blipFill>
+        <p:spPr>
+          <a:xfrm>
+            <a:off x="2209800" y="1547914"/>
+            <a:ext cx="7772400" cy="3762172"/>
+          </a:xfrm>
+          <a:prstGeom prst="rect">
+            <a:avLst/>
+          </a:prstGeom>
+        </p:spPr>
+      </p:pic>
+    </p:spTree>
+    <p:extLst>
+      <p:ext uri="{BB962C8B-B14F-4D97-AF65-F5344CB8AC3E}">
+        <p14:creationId xmlns:p14="http://schemas.microsoft.com/office/powerpoint/2010/main" val="2659648134"/>
+      </p:ext>
+    </p:extLst>
+  </p:cSld>
+  <p:clrMapOvr>
+    <a:masterClrMapping/>
+  </p:clrMapOvr>
+</p:sld>
+</file>
+
+<file path=ppt/slides/slide5.xml><?xml version="1.0" encoding="utf-8"?>
+<p:sld xmlns:a="http://schemas.openxmlformats.org/drawingml/2006/main" xmlns:r="http://schemas.openxmlformats.org/officeDocument/2006/relationships" xmlns:p="http://schemas.openxmlformats.org/presentationml/2006/main">
+  <p:cSld>
+    <p:spTree>
+      <p:nvGrpSpPr>
+        <p:cNvPr id="1" name=""/>
+        <p:cNvGrpSpPr/>
+        <p:nvPr/>
+      </p:nvGrpSpPr>
+      <p:grpSpPr>
+        <a:xfrm>
+          <a:off x="0" y="0"/>
+          <a:ext cx="0" cy="0"/>
+          <a:chOff x="0" y="0"/>
+          <a:chExt cx="0" cy="0"/>
+        </a:xfrm>
+      </p:grpSpPr>
+      <p:pic>
+        <p:nvPicPr>
+          <p:cNvPr id="4" name="Picture 3">
+            <a:extLst>
+              <a:ext uri="{FF2B5EF4-FFF2-40B4-BE49-F238E27FC236}">
                 <a16:creationId xmlns:a16="http://schemas.microsoft.com/office/drawing/2014/main" id="{40883AD1-0B0E-F438-F4C7-7841C66EB75D}"/>
               </a:ext>
             </a:extLst>

--- a/presentation/slides.pptx
+++ b/presentation/slides.pptx
@@ -111,6 +111,11 @@
       </a:defRPr>
     </a:lvl9pPr>
   </p:defaultTextStyle>
+  <p:extLst>
+    <p:ext uri="{EFAFB233-063F-42B5-8137-9DF3F51BA10A}">
+      <p15:sldGuideLst xmlns:p15="http://schemas.microsoft.com/office/powerpoint/2012/main"/>
+    </p:ext>
+  </p:extLst>
 </p:presentation>
 </file>
 
@@ -196,7 +201,7 @@
           <a:p>
             <a:fld id="{E83F233E-DFB0-2149-A688-45EB673A9F0F}" type="datetimeFigureOut">
               <a:rPr lang="en-GB" smtClean="0"/>
-              <a:t>02/10/2025</a:t>
+              <a:t>05/10/2025</a:t>
             </a:fld>
             <a:endParaRPr lang="en-GB"/>
           </a:p>
@@ -924,7 +929,7 @@
           <a:p>
             <a:fld id="{A0AE81F0-64EC-3E47-82FE-40C8001B1A71}" type="datetimeFigureOut">
               <a:rPr lang="en-GB" smtClean="0"/>
-              <a:t>02/10/2025</a:t>
+              <a:t>05/10/2025</a:t>
             </a:fld>
             <a:endParaRPr lang="en-GB"/>
           </a:p>
@@ -1162,7 +1167,7 @@
           <a:p>
             <a:fld id="{A0AE81F0-64EC-3E47-82FE-40C8001B1A71}" type="datetimeFigureOut">
               <a:rPr lang="en-GB" smtClean="0"/>
-              <a:t>02/10/2025</a:t>
+              <a:t>05/10/2025</a:t>
             </a:fld>
             <a:endParaRPr lang="en-GB"/>
           </a:p>
@@ -1400,7 +1405,7 @@
           <a:p>
             <a:fld id="{A0AE81F0-64EC-3E47-82FE-40C8001B1A71}" type="datetimeFigureOut">
               <a:rPr lang="en-GB" smtClean="0"/>
-              <a:t>02/10/2025</a:t>
+              <a:t>05/10/2025</a:t>
             </a:fld>
             <a:endParaRPr lang="en-GB"/>
           </a:p>
@@ -1638,7 +1643,7 @@
           <a:p>
             <a:fld id="{A0AE81F0-64EC-3E47-82FE-40C8001B1A71}" type="datetimeFigureOut">
               <a:rPr lang="en-GB" smtClean="0"/>
-              <a:t>02/10/2025</a:t>
+              <a:t>05/10/2025</a:t>
             </a:fld>
             <a:endParaRPr lang="en-GB"/>
           </a:p>
@@ -1943,7 +1948,7 @@
           <a:p>
             <a:fld id="{A0AE81F0-64EC-3E47-82FE-40C8001B1A71}" type="datetimeFigureOut">
               <a:rPr lang="en-GB" smtClean="0"/>
-              <a:t>02/10/2025</a:t>
+              <a:t>05/10/2025</a:t>
             </a:fld>
             <a:endParaRPr lang="en-GB"/>
           </a:p>
@@ -2246,7 +2251,7 @@
           <a:p>
             <a:fld id="{A0AE81F0-64EC-3E47-82FE-40C8001B1A71}" type="datetimeFigureOut">
               <a:rPr lang="en-GB" smtClean="0"/>
-              <a:t>02/10/2025</a:t>
+              <a:t>05/10/2025</a:t>
             </a:fld>
             <a:endParaRPr lang="en-GB"/>
           </a:p>
@@ -2697,7 +2702,7 @@
           <a:p>
             <a:fld id="{A0AE81F0-64EC-3E47-82FE-40C8001B1A71}" type="datetimeFigureOut">
               <a:rPr lang="en-GB" smtClean="0"/>
-              <a:t>02/10/2025</a:t>
+              <a:t>05/10/2025</a:t>
             </a:fld>
             <a:endParaRPr lang="en-GB"/>
           </a:p>
@@ -2870,7 +2875,7 @@
           <a:p>
             <a:fld id="{A0AE81F0-64EC-3E47-82FE-40C8001B1A71}" type="datetimeFigureOut">
               <a:rPr lang="en-GB" smtClean="0"/>
-              <a:t>02/10/2025</a:t>
+              <a:t>05/10/2025</a:t>
             </a:fld>
             <a:endParaRPr lang="en-GB"/>
           </a:p>
@@ -3007,7 +3012,7 @@
           <a:p>
             <a:fld id="{A0AE81F0-64EC-3E47-82FE-40C8001B1A71}" type="datetimeFigureOut">
               <a:rPr lang="en-GB" smtClean="0"/>
-              <a:t>02/10/2025</a:t>
+              <a:t>05/10/2025</a:t>
             </a:fld>
             <a:endParaRPr lang="en-GB"/>
           </a:p>
@@ -3351,7 +3356,7 @@
           <a:p>
             <a:fld id="{A0AE81F0-64EC-3E47-82FE-40C8001B1A71}" type="datetimeFigureOut">
               <a:rPr lang="en-GB" smtClean="0"/>
-              <a:t>02/10/2025</a:t>
+              <a:t>05/10/2025</a:t>
             </a:fld>
             <a:endParaRPr lang="en-GB"/>
           </a:p>
@@ -3672,7 +3677,7 @@
           <a:p>
             <a:fld id="{A0AE81F0-64EC-3E47-82FE-40C8001B1A71}" type="datetimeFigureOut">
               <a:rPr lang="en-GB" smtClean="0"/>
-              <a:t>02/10/2025</a:t>
+              <a:t>05/10/2025</a:t>
             </a:fld>
             <a:endParaRPr lang="en-GB"/>
           </a:p>
@@ -4364,9 +4369,56 @@
           </a:stretch>
         </p:blipFill>
         <p:spPr bwMode="auto">
-          <a:xfrm>
-            <a:off x="4191000" y="1524000"/>
+          <a:xfrm flipH="1">
+            <a:off x="957145" y="654206"/>
             <a:ext cx="3810000" cy="3810000"/>
+          </a:xfrm>
+          <a:prstGeom prst="rect">
+            <a:avLst/>
+          </a:prstGeom>
+          <a:noFill/>
+          <a:extLst>
+            <a:ext uri="{909E8E84-426E-40DD-AFC4-6F175D3DCCD1}">
+              <a14:hiddenFill xmlns:a14="http://schemas.microsoft.com/office/drawing/2010/main">
+                <a:solidFill>
+                  <a:srgbClr val="FFFFFF"/>
+                </a:solidFill>
+              </a14:hiddenFill>
+            </a:ext>
+          </a:extLst>
+        </p:spPr>
+      </p:pic>
+      <p:pic>
+        <p:nvPicPr>
+          <p:cNvPr id="1026" name="Picture 2" descr="Physilog - physilog | Digital motion analysis platform">
+            <a:extLst>
+              <a:ext uri="{FF2B5EF4-FFF2-40B4-BE49-F238E27FC236}">
+                <a16:creationId xmlns:a16="http://schemas.microsoft.com/office/drawing/2014/main" id="{91747F0B-F302-D0B5-1E47-DAFC6B63ABF7}"/>
+              </a:ext>
+            </a:extLst>
+          </p:cNvPr>
+          <p:cNvPicPr>
+            <a:picLocks noChangeAspect="1" noChangeArrowheads="1"/>
+          </p:cNvPicPr>
+          <p:nvPr/>
+        </p:nvPicPr>
+        <p:blipFill rotWithShape="1">
+          <a:blip r:embed="rId4">
+            <a:extLst>
+              <a:ext uri="{28A0092B-C50C-407E-A947-70E740481C1C}">
+                <a14:useLocalDpi xmlns:a14="http://schemas.microsoft.com/office/drawing/2010/main" val="0"/>
+              </a:ext>
+            </a:extLst>
+          </a:blip>
+          <a:srcRect b="11784"/>
+          <a:stretch>
+            <a:fillRect/>
+          </a:stretch>
+        </p:blipFill>
+        <p:spPr bwMode="auto">
+          <a:xfrm rot="2149408">
+            <a:off x="2271179" y="2335419"/>
+            <a:ext cx="905576" cy="805205"/>
           </a:xfrm>
           <a:prstGeom prst="rect">
             <a:avLst/>

--- a/presentation/slides.pptx
+++ b/presentation/slides.pptx
@@ -4204,7 +4204,7 @@
         </p:blipFill>
         <p:spPr>
           <a:xfrm>
-            <a:off x="973250" y="5035719"/>
+            <a:off x="892664" y="1021319"/>
             <a:ext cx="2912950" cy="533974"/>
           </a:xfrm>
           <a:prstGeom prst="rect">
@@ -4226,7 +4226,7 @@
         </p:nvSpPr>
         <p:spPr>
           <a:xfrm>
-            <a:off x="836909" y="1288306"/>
+            <a:off x="892664" y="3589912"/>
             <a:ext cx="10821691" cy="2246769"/>
           </a:xfrm>
           <a:prstGeom prst="rect">
@@ -4370,7 +4370,7 @@
         </p:blipFill>
         <p:spPr bwMode="auto">
           <a:xfrm flipH="1">
-            <a:off x="957145" y="654206"/>
+            <a:off x="3198540" y="1858537"/>
             <a:ext cx="3810000" cy="3810000"/>
           </a:xfrm>
           <a:prstGeom prst="rect">
@@ -4417,7 +4417,7 @@
         </p:blipFill>
         <p:spPr bwMode="auto">
           <a:xfrm rot="2149408">
-            <a:off x="2271179" y="2335419"/>
+            <a:off x="4512574" y="3539750"/>
             <a:ext cx="905576" cy="805205"/>
           </a:xfrm>
           <a:prstGeom prst="rect">
@@ -4433,6 +4433,36 @@
               </a14:hiddenFill>
             </a:ext>
           </a:extLst>
+        </p:spPr>
+      </p:pic>
+      <p:pic>
+        <p:nvPicPr>
+          <p:cNvPr id="2" name="Picture 1">
+            <a:extLst>
+              <a:ext uri="{FF2B5EF4-FFF2-40B4-BE49-F238E27FC236}">
+                <a16:creationId xmlns:a16="http://schemas.microsoft.com/office/drawing/2014/main" id="{CB806F8D-E689-8B5D-AFDC-00447A430575}"/>
+              </a:ext>
+            </a:extLst>
+          </p:cNvPr>
+          <p:cNvPicPr>
+            <a:picLocks noChangeAspect="1"/>
+          </p:cNvPicPr>
+          <p:nvPr/>
+        </p:nvPicPr>
+        <p:blipFill>
+          <a:blip r:embed="rId5"/>
+          <a:stretch>
+            <a:fillRect/>
+          </a:stretch>
+        </p:blipFill>
+        <p:spPr>
+          <a:xfrm>
+            <a:off x="772528" y="922476"/>
+            <a:ext cx="2912950" cy="533974"/>
+          </a:xfrm>
+          <a:prstGeom prst="rect">
+            <a:avLst/>
+          </a:prstGeom>
         </p:spPr>
       </p:pic>
     </p:spTree>
@@ -4672,7 +4702,7 @@
                   </p:nvCxnSpPr>
                   <p:spPr>
                     <a:xfrm flipV="1">
-                      <a:off x="3558011" y="2915216"/>
+                      <a:off x="3675360" y="2915216"/>
                       <a:ext cx="0" cy="1729212"/>
                     </a:xfrm>
                     <a:prstGeom prst="line">
@@ -4760,7 +4790,7 @@
                   </p:nvCxnSpPr>
                   <p:spPr>
                     <a:xfrm flipV="1">
-                      <a:off x="5240446" y="2899801"/>
+                      <a:off x="5340198" y="2899801"/>
                       <a:ext cx="0" cy="1729212"/>
                     </a:xfrm>
                     <a:prstGeom prst="line">
@@ -4848,7 +4878,7 @@
                   </p:nvCxnSpPr>
                   <p:spPr>
                     <a:xfrm flipV="1">
-                      <a:off x="6842910" y="2915216"/>
+                      <a:off x="6960263" y="2915216"/>
                       <a:ext cx="0" cy="1729212"/>
                     </a:xfrm>
                     <a:prstGeom prst="line">
@@ -5046,7 +5076,7 @@
               </p:blipFill>
               <p:spPr bwMode="auto">
                 <a:xfrm>
-                  <a:off x="3816027" y="3235585"/>
+                  <a:off x="3933375" y="3235585"/>
                   <a:ext cx="336010" cy="465020"/>
                 </a:xfrm>
                 <a:prstGeom prst="rect">
@@ -5187,7 +5217,7 @@
               </p:blipFill>
               <p:spPr bwMode="auto">
                 <a:xfrm>
-                  <a:off x="5481864" y="3218083"/>
+                  <a:off x="5581614" y="3218083"/>
                   <a:ext cx="336010" cy="465020"/>
                 </a:xfrm>
                 <a:prstGeom prst="rect">
@@ -5328,7 +5358,7 @@
               </p:blipFill>
               <p:spPr bwMode="auto">
                 <a:xfrm>
-                  <a:off x="7105847" y="3238348"/>
+                  <a:off x="7223199" y="3238348"/>
                   <a:ext cx="336010" cy="465020"/>
                 </a:xfrm>
                 <a:prstGeom prst="rect">
@@ -5408,7 +5438,7 @@
             </p:nvSpPr>
             <p:spPr>
               <a:xfrm>
-                <a:off x="2306451" y="1268687"/>
+                <a:off x="2484004" y="1268687"/>
                 <a:ext cx="962150" cy="461665"/>
               </a:xfrm>
               <a:prstGeom prst="rect">
@@ -5612,7 +5642,7 @@
             </p:nvSpPr>
             <p:spPr>
               <a:xfrm>
-                <a:off x="4804644" y="1244381"/>
+                <a:off x="4955566" y="1244381"/>
                 <a:ext cx="962150" cy="461665"/>
               </a:xfrm>
               <a:prstGeom prst="rect">
@@ -5816,7 +5846,7 @@
             </p:nvSpPr>
             <p:spPr>
               <a:xfrm>
-                <a:off x="7302837" y="1238416"/>
+                <a:off x="7480391" y="1238416"/>
                 <a:ext cx="962150" cy="461665"/>
               </a:xfrm>
               <a:prstGeom prst="rect">

--- a/presentation/slides.pptx
+++ b/presentation/slides.pptx
@@ -5,14 +5,18 @@
     <p:sldMasterId id="2147483648" r:id="rId1"/>
   </p:sldMasterIdLst>
   <p:notesMasterIdLst>
-    <p:notesMasterId r:id="rId7"/>
+    <p:notesMasterId r:id="rId11"/>
   </p:notesMasterIdLst>
   <p:sldIdLst>
     <p:sldId id="258" r:id="rId2"/>
     <p:sldId id="259" r:id="rId3"/>
     <p:sldId id="257" r:id="rId4"/>
-    <p:sldId id="261" r:id="rId5"/>
-    <p:sldId id="260" r:id="rId6"/>
+    <p:sldId id="260" r:id="rId5"/>
+    <p:sldId id="261" r:id="rId6"/>
+    <p:sldId id="264" r:id="rId7"/>
+    <p:sldId id="265" r:id="rId8"/>
+    <p:sldId id="263" r:id="rId9"/>
+    <p:sldId id="266" r:id="rId10"/>
   </p:sldIdLst>
   <p:sldSz cx="12192000" cy="6858000"/>
   <p:notesSz cx="6858000" cy="9144000"/>
@@ -1015,6 +1019,18 @@
   <p:clrMapOvr>
     <a:masterClrMapping/>
   </p:clrMapOvr>
+  <mc:AlternateContent xmlns:mc="http://schemas.openxmlformats.org/markup-compatibility/2006">
+    <mc:Choice xmlns:p159="http://schemas.microsoft.com/office/powerpoint/2015/09/main" Requires="p159">
+      <p:transition>
+        <p159:morph option="byObject"/>
+      </p:transition>
+    </mc:Choice>
+    <mc:Fallback>
+      <p:transition>
+        <p:fade/>
+      </p:transition>
+    </mc:Fallback>
+  </mc:AlternateContent>
 </p:sldLayout>
 </file>
 
@@ -1253,6 +1269,18 @@
   <p:clrMapOvr>
     <a:masterClrMapping/>
   </p:clrMapOvr>
+  <mc:AlternateContent xmlns:mc="http://schemas.openxmlformats.org/markup-compatibility/2006">
+    <mc:Choice xmlns:p159="http://schemas.microsoft.com/office/powerpoint/2015/09/main" Requires="p159">
+      <p:transition>
+        <p159:morph option="byObject"/>
+      </p:transition>
+    </mc:Choice>
+    <mc:Fallback>
+      <p:transition>
+        <p:fade/>
+      </p:transition>
+    </mc:Fallback>
+  </mc:AlternateContent>
 </p:sldLayout>
 </file>
 
@@ -1491,6 +1519,18 @@
   <p:clrMapOvr>
     <a:masterClrMapping/>
   </p:clrMapOvr>
+  <mc:AlternateContent xmlns:mc="http://schemas.openxmlformats.org/markup-compatibility/2006">
+    <mc:Choice xmlns:p159="http://schemas.microsoft.com/office/powerpoint/2015/09/main" Requires="p159">
+      <p:transition>
+        <p159:morph option="byObject"/>
+      </p:transition>
+    </mc:Choice>
+    <mc:Fallback>
+      <p:transition>
+        <p:fade/>
+      </p:transition>
+    </mc:Fallback>
+  </mc:AlternateContent>
 </p:sldLayout>
 </file>
 
@@ -1729,6 +1769,18 @@
   <p:clrMapOvr>
     <a:masterClrMapping/>
   </p:clrMapOvr>
+  <mc:AlternateContent xmlns:mc="http://schemas.openxmlformats.org/markup-compatibility/2006">
+    <mc:Choice xmlns:p159="http://schemas.microsoft.com/office/powerpoint/2015/09/main" Requires="p159">
+      <p:transition>
+        <p159:morph option="byObject"/>
+      </p:transition>
+    </mc:Choice>
+    <mc:Fallback>
+      <p:transition>
+        <p:fade/>
+      </p:transition>
+    </mc:Fallback>
+  </mc:AlternateContent>
 </p:sldLayout>
 </file>
 
@@ -2034,6 +2086,18 @@
   <p:clrMapOvr>
     <a:masterClrMapping/>
   </p:clrMapOvr>
+  <mc:AlternateContent xmlns:mc="http://schemas.openxmlformats.org/markup-compatibility/2006">
+    <mc:Choice xmlns:p159="http://schemas.microsoft.com/office/powerpoint/2015/09/main" Requires="p159">
+      <p:transition>
+        <p159:morph option="byObject"/>
+      </p:transition>
+    </mc:Choice>
+    <mc:Fallback>
+      <p:transition>
+        <p:fade/>
+      </p:transition>
+    </mc:Fallback>
+  </mc:AlternateContent>
 </p:sldLayout>
 </file>
 
@@ -2337,6 +2401,18 @@
   <p:clrMapOvr>
     <a:masterClrMapping/>
   </p:clrMapOvr>
+  <mc:AlternateContent xmlns:mc="http://schemas.openxmlformats.org/markup-compatibility/2006">
+    <mc:Choice xmlns:p159="http://schemas.microsoft.com/office/powerpoint/2015/09/main" Requires="p159">
+      <p:transition>
+        <p159:morph option="byObject"/>
+      </p:transition>
+    </mc:Choice>
+    <mc:Fallback>
+      <p:transition>
+        <p:fade/>
+      </p:transition>
+    </mc:Fallback>
+  </mc:AlternateContent>
 </p:sldLayout>
 </file>
 
@@ -2788,6 +2864,18 @@
   <p:clrMapOvr>
     <a:masterClrMapping/>
   </p:clrMapOvr>
+  <mc:AlternateContent xmlns:mc="http://schemas.openxmlformats.org/markup-compatibility/2006">
+    <mc:Choice xmlns:p159="http://schemas.microsoft.com/office/powerpoint/2015/09/main" Requires="p159">
+      <p:transition>
+        <p159:morph option="byObject"/>
+      </p:transition>
+    </mc:Choice>
+    <mc:Fallback>
+      <p:transition>
+        <p:fade/>
+      </p:transition>
+    </mc:Fallback>
+  </mc:AlternateContent>
 </p:sldLayout>
 </file>
 
@@ -2961,6 +3049,18 @@
   <p:clrMapOvr>
     <a:masterClrMapping/>
   </p:clrMapOvr>
+  <mc:AlternateContent xmlns:mc="http://schemas.openxmlformats.org/markup-compatibility/2006">
+    <mc:Choice xmlns:p159="http://schemas.microsoft.com/office/powerpoint/2015/09/main" Requires="p159">
+      <p:transition>
+        <p159:morph option="byObject"/>
+      </p:transition>
+    </mc:Choice>
+    <mc:Fallback>
+      <p:transition>
+        <p:fade/>
+      </p:transition>
+    </mc:Fallback>
+  </mc:AlternateContent>
 </p:sldLayout>
 </file>
 
@@ -3098,6 +3198,18 @@
   <p:clrMapOvr>
     <a:masterClrMapping/>
   </p:clrMapOvr>
+  <mc:AlternateContent xmlns:mc="http://schemas.openxmlformats.org/markup-compatibility/2006">
+    <mc:Choice xmlns:p159="http://schemas.microsoft.com/office/powerpoint/2015/09/main" Requires="p159">
+      <p:transition>
+        <p159:morph option="byObject"/>
+      </p:transition>
+    </mc:Choice>
+    <mc:Fallback>
+      <p:transition>
+        <p:fade/>
+      </p:transition>
+    </mc:Fallback>
+  </mc:AlternateContent>
 </p:sldLayout>
 </file>
 
@@ -3442,6 +3554,18 @@
   <p:clrMapOvr>
     <a:masterClrMapping/>
   </p:clrMapOvr>
+  <mc:AlternateContent xmlns:mc="http://schemas.openxmlformats.org/markup-compatibility/2006">
+    <mc:Choice xmlns:p159="http://schemas.microsoft.com/office/powerpoint/2015/09/main" Requires="p159">
+      <p:transition>
+        <p159:morph option="byObject"/>
+      </p:transition>
+    </mc:Choice>
+    <mc:Fallback>
+      <p:transition>
+        <p:fade/>
+      </p:transition>
+    </mc:Fallback>
+  </mc:AlternateContent>
 </p:sldLayout>
 </file>
 
@@ -3763,6 +3887,18 @@
   <p:clrMapOvr>
     <a:masterClrMapping/>
   </p:clrMapOvr>
+  <mc:AlternateContent xmlns:mc="http://schemas.openxmlformats.org/markup-compatibility/2006">
+    <mc:Choice xmlns:p159="http://schemas.microsoft.com/office/powerpoint/2015/09/main" Requires="p159">
+      <p:transition>
+        <p159:morph option="byObject"/>
+      </p:transition>
+    </mc:Choice>
+    <mc:Fallback>
+      <p:transition>
+        <p:fade/>
+      </p:transition>
+    </mc:Fallback>
+  </mc:AlternateContent>
 </p:sldLayout>
 </file>
 
@@ -3866,6 +4002,18 @@
     <p:sldLayoutId id="2147483658" r:id="rId10"/>
     <p:sldLayoutId id="2147483659" r:id="rId11"/>
   </p:sldLayoutIdLst>
+  <mc:AlternateContent xmlns:mc="http://schemas.openxmlformats.org/markup-compatibility/2006">
+    <mc:Choice xmlns:p159="http://schemas.microsoft.com/office/powerpoint/2015/09/main" Requires="p159">
+      <p:transition>
+        <p159:morph option="byObject"/>
+      </p:transition>
+    </mc:Choice>
+    <mc:Fallback>
+      <p:transition>
+        <p:fade/>
+      </p:transition>
+    </mc:Fallback>
+  </mc:AlternateContent>
   <p:txStyles>
     <p:titleStyle>
       <a:lvl1pPr algn="l" defTabSz="914400" rtl="0" eaLnBrk="1" latinLnBrk="0" hangingPunct="1">
@@ -4242,7 +4390,7 @@
           <a:p>
             <a:r>
               <a:rPr lang="en-GB" sz="2800" b="1" dirty="0">
-                <a:latin typeface="CMU BRIGHT ROMAN" panose="02000603000000000000" pitchFamily="2" charset="0"/>
+                <a:latin typeface="PT Mono" panose="02060509020205020204" pitchFamily="49" charset="77"/>
                 <a:ea typeface="CMU BRIGHT ROMAN" panose="02000603000000000000" pitchFamily="2" charset="0"/>
                 <a:cs typeface="CMU BRIGHT ROMAN" panose="02000603000000000000" pitchFamily="2" charset="0"/>
               </a:rPr>
@@ -4252,7 +4400,7 @@
           <a:p>
             <a:r>
               <a:rPr lang="en-GB" sz="2800" dirty="0">
-                <a:latin typeface="CMU Bright Roman" panose="02000603000000000000" pitchFamily="2" charset="0"/>
+                <a:latin typeface="PT Mono" panose="02060509020205020204" pitchFamily="49" charset="77"/>
                 <a:ea typeface="CMU Bright Roman" panose="02000603000000000000" pitchFamily="2" charset="0"/>
                 <a:cs typeface="CMU Bright Roman" panose="02000603000000000000" pitchFamily="2" charset="0"/>
               </a:rPr>
@@ -4261,14 +4409,14 @@
           </a:p>
           <a:p>
             <a:endParaRPr lang="en-GB" sz="2800" dirty="0">
-              <a:latin typeface="CMU Bright Roman" panose="02000603000000000000" pitchFamily="2" charset="0"/>
+              <a:latin typeface="PT Mono" panose="02060509020205020204" pitchFamily="49" charset="77"/>
               <a:ea typeface="CMU Bright Roman" panose="02000603000000000000" pitchFamily="2" charset="0"/>
               <a:cs typeface="CMU Bright Roman" panose="02000603000000000000" pitchFamily="2" charset="0"/>
             </a:endParaRPr>
           </a:p>
           <a:p>
             <a:endParaRPr lang="en-GB" sz="2800" dirty="0">
-              <a:latin typeface="CMU Bright Roman" panose="02000603000000000000" pitchFamily="2" charset="0"/>
+              <a:latin typeface="PT Mono" panose="02060509020205020204" pitchFamily="49" charset="77"/>
               <a:ea typeface="CMU Bright Roman" panose="02000603000000000000" pitchFamily="2" charset="0"/>
               <a:cs typeface="CMU Bright Roman" panose="02000603000000000000" pitchFamily="2" charset="0"/>
             </a:endParaRPr>
@@ -4276,7 +4424,7 @@
           <a:p>
             <a:r>
               <a:rPr lang="en-GB" sz="2800" b="1" dirty="0">
-                <a:latin typeface="CMU BRIGHT ROMAN" panose="02000603000000000000" pitchFamily="2" charset="0"/>
+                <a:latin typeface="PT Mono" panose="02060509020205020204" pitchFamily="49" charset="77"/>
                 <a:ea typeface="CMU BRIGHT ROMAN" panose="02000603000000000000" pitchFamily="2" charset="0"/>
                 <a:cs typeface="CMU BRIGHT ROMAN" panose="02000603000000000000" pitchFamily="2" charset="0"/>
               </a:rPr>
@@ -4295,6 +4443,18 @@
   <p:clrMapOvr>
     <a:masterClrMapping/>
   </p:clrMapOvr>
+  <mc:AlternateContent xmlns:mc="http://schemas.openxmlformats.org/markup-compatibility/2006">
+    <mc:Choice xmlns:p159="http://schemas.microsoft.com/office/powerpoint/2015/09/main" Requires="p159">
+      <p:transition>
+        <p159:morph option="byObject"/>
+      </p:transition>
+    </mc:Choice>
+    <mc:Fallback>
+      <p:transition>
+        <p:fade/>
+      </p:transition>
+    </mc:Fallback>
+  </mc:AlternateContent>
 </p:sld>
 </file>
 
@@ -4331,12 +4491,69 @@
           <a:chExt cx="0" cy="0"/>
         </a:xfrm>
       </p:grpSpPr>
+      <p:sp>
+        <p:nvSpPr>
+          <p:cNvPr id="3" name="TextBox 2">
+            <a:extLst>
+              <a:ext uri="{FF2B5EF4-FFF2-40B4-BE49-F238E27FC236}">
+                <a16:creationId xmlns:a16="http://schemas.microsoft.com/office/drawing/2014/main" id="{D2D9F0E2-330A-E226-77EC-AA630819553E}"/>
+              </a:ext>
+            </a:extLst>
+          </p:cNvPr>
+          <p:cNvSpPr txBox="1"/>
+          <p:nvPr/>
+        </p:nvSpPr>
+        <p:spPr>
+          <a:xfrm>
+            <a:off x="685154" y="767036"/>
+            <a:ext cx="10821691" cy="954107"/>
+          </a:xfrm>
+          <a:prstGeom prst="rect">
+            <a:avLst/>
+          </a:prstGeom>
+          <a:noFill/>
+        </p:spPr>
+        <p:txBody>
+          <a:bodyPr wrap="square" rtlCol="0">
+            <a:spAutoFit/>
+          </a:bodyPr>
+          <a:lstStyle/>
+          <a:p>
+            <a:r>
+              <a:rPr lang="en-GB" sz="2800" b="1" dirty="0">
+                <a:solidFill>
+                  <a:srgbClr val="E88034"/>
+                </a:solidFill>
+                <a:latin typeface="PT Mono" panose="02060509020205020204" pitchFamily="49" charset="77"/>
+                <a:ea typeface="CMU BRIGHT ROMAN" panose="02000603000000000000" pitchFamily="2" charset="0"/>
+                <a:cs typeface="CMU BRIGHT ROMAN" panose="02000603000000000000" pitchFamily="2" charset="0"/>
+              </a:rPr>
+              <a:t>Data selection:</a:t>
+            </a:r>
+          </a:p>
+          <a:p>
+            <a:r>
+              <a:rPr lang="en-GB" sz="2800" dirty="0">
+                <a:latin typeface="PT Mono" panose="02060509020205020204" pitchFamily="49" charset="77"/>
+                <a:ea typeface="CMU Bright Roman" panose="02000603000000000000" pitchFamily="2" charset="0"/>
+                <a:cs typeface="CMU Bright Roman" panose="02000603000000000000" pitchFamily="2" charset="0"/>
+              </a:rPr>
+              <a:t>Requirements</a:t>
+            </a:r>
+            <a:endParaRPr lang="en-GB" sz="2800" dirty="0">
+              <a:latin typeface="PT Mono" panose="02060509020205020204" pitchFamily="49" charset="77"/>
+              <a:ea typeface="CMU Bright Roman" panose="02000603000000000000" pitchFamily="2" charset="0"/>
+              <a:cs typeface="CMU Bright Roman" panose="02000603000000000000" pitchFamily="2" charset="0"/>
+            </a:endParaRPr>
+          </a:p>
+        </p:txBody>
+      </p:sp>
       <p:pic>
         <p:nvPicPr>
-          <p:cNvPr id="4098" name="Picture 2" descr="Free 3D Foot Models - Available For Download On TurboSquid">
+          <p:cNvPr id="12" name="Picture 6">
             <a:extLst>
               <a:ext uri="{FF2B5EF4-FFF2-40B4-BE49-F238E27FC236}">
-                <a16:creationId xmlns:a16="http://schemas.microsoft.com/office/drawing/2014/main" id="{1D63C865-370B-EBA4-2449-2EAC4AD9F179}"/>
+                <a16:creationId xmlns:a16="http://schemas.microsoft.com/office/drawing/2014/main" id="{E1C51013-2572-FA91-8B11-4D3BA3D98CA0}"/>
               </a:ext>
             </a:extLst>
           </p:cNvPr>
@@ -4349,10 +4566,10 @@
           <a:blip r:embed="rId3">
             <a:clrChange>
               <a:clrFrom>
-                <a:srgbClr val="F1F1F1"/>
+                <a:srgbClr val="FFFFFF"/>
               </a:clrFrom>
               <a:clrTo>
-                <a:srgbClr val="F1F1F1">
+                <a:srgbClr val="FFFFFF">
                   <a:alpha val="0"/>
                 </a:srgbClr>
               </a:clrTo>
@@ -4369,9 +4586,9 @@
           </a:stretch>
         </p:blipFill>
         <p:spPr bwMode="auto">
-          <a:xfrm flipH="1">
-            <a:off x="3198540" y="1858537"/>
-            <a:ext cx="3810000" cy="3810000"/>
+          <a:xfrm>
+            <a:off x="5976676" y="1898502"/>
+            <a:ext cx="5180517" cy="3453676"/>
           </a:xfrm>
           <a:prstGeom prst="rect">
             <a:avLst/>
@@ -4388,83 +4605,385 @@
           </a:extLst>
         </p:spPr>
       </p:pic>
-      <p:pic>
-        <p:nvPicPr>
-          <p:cNvPr id="1026" name="Picture 2" descr="Physilog - physilog | Digital motion analysis platform">
+      <p:grpSp>
+        <p:nvGrpSpPr>
+          <p:cNvPr id="18" name="Group 17">
             <a:extLst>
               <a:ext uri="{FF2B5EF4-FFF2-40B4-BE49-F238E27FC236}">
-                <a16:creationId xmlns:a16="http://schemas.microsoft.com/office/drawing/2014/main" id="{91747F0B-F302-D0B5-1E47-DAFC6B63ABF7}"/>
+                <a16:creationId xmlns:a16="http://schemas.microsoft.com/office/drawing/2014/main" id="{124CB665-5627-5FBB-CC23-2827F1605A2A}"/>
               </a:ext>
             </a:extLst>
           </p:cNvPr>
-          <p:cNvPicPr>
-            <a:picLocks noChangeAspect="1" noChangeArrowheads="1"/>
-          </p:cNvPicPr>
+          <p:cNvGrpSpPr/>
           <p:nvPr/>
-        </p:nvPicPr>
-        <p:blipFill rotWithShape="1">
-          <a:blip r:embed="rId4">
-            <a:extLst>
-              <a:ext uri="{28A0092B-C50C-407E-A947-70E740481C1C}">
-                <a14:useLocalDpi xmlns:a14="http://schemas.microsoft.com/office/drawing/2010/main" val="0"/>
-              </a:ext>
-            </a:extLst>
-          </a:blip>
-          <a:srcRect b="11784"/>
-          <a:stretch>
-            <a:fillRect/>
-          </a:stretch>
-        </p:blipFill>
-        <p:spPr bwMode="auto">
-          <a:xfrm rot="2149408">
-            <a:off x="4512574" y="3539750"/>
-            <a:ext cx="905576" cy="805205"/>
+        </p:nvGrpSpPr>
+        <p:grpSpPr>
+          <a:xfrm>
+            <a:off x="3923700" y="1543348"/>
+            <a:ext cx="4305900" cy="4175551"/>
+            <a:chOff x="3923700" y="1505822"/>
+            <a:chExt cx="4344598" cy="4213078"/>
           </a:xfrm>
-          <a:prstGeom prst="rect">
-            <a:avLst/>
-          </a:prstGeom>
-          <a:noFill/>
-          <a:extLst>
-            <a:ext uri="{909E8E84-426E-40DD-AFC4-6F175D3DCCD1}">
-              <a14:hiddenFill xmlns:a14="http://schemas.microsoft.com/office/drawing/2010/main">
-                <a:solidFill>
-                  <a:srgbClr val="FFFFFF"/>
-                </a:solidFill>
-              </a14:hiddenFill>
-            </a:ext>
-          </a:extLst>
-        </p:spPr>
-      </p:pic>
-      <p:pic>
-        <p:nvPicPr>
-          <p:cNvPr id="2" name="Picture 1">
+        </p:grpSpPr>
+        <p:grpSp>
+          <p:nvGrpSpPr>
+            <p:cNvPr id="13" name="Group 12">
+              <a:extLst>
+                <a:ext uri="{FF2B5EF4-FFF2-40B4-BE49-F238E27FC236}">
+                  <a16:creationId xmlns:a16="http://schemas.microsoft.com/office/drawing/2014/main" id="{C4120088-540B-B909-8A17-D0CDEFA0A211}"/>
+                </a:ext>
+              </a:extLst>
+            </p:cNvPr>
+            <p:cNvGrpSpPr/>
+            <p:nvPr/>
+          </p:nvGrpSpPr>
+          <p:grpSpPr>
+            <a:xfrm>
+              <a:off x="3923700" y="1505822"/>
+              <a:ext cx="4344598" cy="4213078"/>
+              <a:chOff x="1377776" y="601790"/>
+              <a:chExt cx="5873095" cy="5695304"/>
+            </a:xfrm>
+          </p:grpSpPr>
+          <p:sp>
+            <p:nvSpPr>
+              <p:cNvPr id="11" name="Oval 10">
+                <a:extLst>
+                  <a:ext uri="{FF2B5EF4-FFF2-40B4-BE49-F238E27FC236}">
+                    <a16:creationId xmlns:a16="http://schemas.microsoft.com/office/drawing/2014/main" id="{309DC9DB-5419-F6BE-3AE7-23C24A9344BF}"/>
+                  </a:ext>
+                </a:extLst>
+              </p:cNvPr>
+              <p:cNvSpPr/>
+              <p:nvPr/>
+            </p:nvSpPr>
+            <p:spPr>
+              <a:xfrm>
+                <a:off x="3454002" y="2500225"/>
+                <a:ext cx="3796869" cy="3796869"/>
+              </a:xfrm>
+              <a:prstGeom prst="ellipse">
+                <a:avLst/>
+              </a:prstGeom>
+              <a:solidFill>
+                <a:schemeClr val="bg1">
+                  <a:lumMod val="75000"/>
+                  <a:alpha val="50000"/>
+                </a:schemeClr>
+              </a:solidFill>
+              <a:ln>
+                <a:noFill/>
+              </a:ln>
+            </p:spPr>
+            <p:style>
+              <a:lnRef idx="2">
+                <a:schemeClr val="accent1">
+                  <a:shade val="15000"/>
+                </a:schemeClr>
+              </a:lnRef>
+              <a:fillRef idx="1">
+                <a:schemeClr val="accent1"/>
+              </a:fillRef>
+              <a:effectRef idx="0">
+                <a:schemeClr val="accent1"/>
+              </a:effectRef>
+              <a:fontRef idx="minor">
+                <a:schemeClr val="lt1"/>
+              </a:fontRef>
+            </p:style>
+            <p:txBody>
+              <a:bodyPr rtlCol="0" anchor="ctr"/>
+              <a:lstStyle/>
+              <a:p>
+                <a:pPr algn="ctr"/>
+                <a:endParaRPr lang="en-GB" dirty="0"/>
+              </a:p>
+            </p:txBody>
+          </p:sp>
+          <p:sp>
+            <p:nvSpPr>
+              <p:cNvPr id="9" name="Oval 8">
+                <a:extLst>
+                  <a:ext uri="{FF2B5EF4-FFF2-40B4-BE49-F238E27FC236}">
+                    <a16:creationId xmlns:a16="http://schemas.microsoft.com/office/drawing/2014/main" id="{633213F8-6D5B-A96D-CFA3-667DF29F32AC}"/>
+                  </a:ext>
+                </a:extLst>
+              </p:cNvPr>
+              <p:cNvSpPr/>
+              <p:nvPr/>
+            </p:nvSpPr>
+            <p:spPr>
+              <a:xfrm>
+                <a:off x="2485672" y="601790"/>
+                <a:ext cx="3796869" cy="3796869"/>
+              </a:xfrm>
+              <a:prstGeom prst="ellipse">
+                <a:avLst/>
+              </a:prstGeom>
+              <a:solidFill>
+                <a:schemeClr val="bg1">
+                  <a:lumMod val="95000"/>
+                  <a:alpha val="50196"/>
+                </a:schemeClr>
+              </a:solidFill>
+              <a:ln>
+                <a:noFill/>
+              </a:ln>
+            </p:spPr>
+            <p:style>
+              <a:lnRef idx="2">
+                <a:schemeClr val="accent1">
+                  <a:shade val="15000"/>
+                </a:schemeClr>
+              </a:lnRef>
+              <a:fillRef idx="1">
+                <a:schemeClr val="accent1"/>
+              </a:fillRef>
+              <a:effectRef idx="0">
+                <a:schemeClr val="accent1"/>
+              </a:effectRef>
+              <a:fontRef idx="minor">
+                <a:schemeClr val="lt1"/>
+              </a:fontRef>
+            </p:style>
+            <p:txBody>
+              <a:bodyPr rtlCol="0" anchor="ctr"/>
+              <a:lstStyle/>
+              <a:p>
+                <a:pPr algn="ctr"/>
+                <a:endParaRPr lang="en-GB" dirty="0"/>
+              </a:p>
+            </p:txBody>
+          </p:sp>
+          <p:sp>
+            <p:nvSpPr>
+              <p:cNvPr id="10" name="Oval 9">
+                <a:extLst>
+                  <a:ext uri="{FF2B5EF4-FFF2-40B4-BE49-F238E27FC236}">
+                    <a16:creationId xmlns:a16="http://schemas.microsoft.com/office/drawing/2014/main" id="{E6B7FB7E-9F6B-EA67-6CC6-5F26495EC4CB}"/>
+                  </a:ext>
+                </a:extLst>
+              </p:cNvPr>
+              <p:cNvSpPr/>
+              <p:nvPr/>
+            </p:nvSpPr>
+            <p:spPr>
+              <a:xfrm>
+                <a:off x="1377776" y="2500225"/>
+                <a:ext cx="3796869" cy="3796869"/>
+              </a:xfrm>
+              <a:prstGeom prst="ellipse">
+                <a:avLst/>
+              </a:prstGeom>
+              <a:solidFill>
+                <a:schemeClr val="bg1">
+                  <a:lumMod val="85000"/>
+                  <a:alpha val="50000"/>
+                </a:schemeClr>
+              </a:solidFill>
+              <a:ln>
+                <a:noFill/>
+              </a:ln>
+            </p:spPr>
+            <p:style>
+              <a:lnRef idx="2">
+                <a:schemeClr val="accent1">
+                  <a:shade val="15000"/>
+                </a:schemeClr>
+              </a:lnRef>
+              <a:fillRef idx="1">
+                <a:schemeClr val="accent1"/>
+              </a:fillRef>
+              <a:effectRef idx="0">
+                <a:schemeClr val="accent1"/>
+              </a:effectRef>
+              <a:fontRef idx="minor">
+                <a:schemeClr val="lt1"/>
+              </a:fontRef>
+            </p:style>
+            <p:txBody>
+              <a:bodyPr rtlCol="0" anchor="ctr"/>
+              <a:lstStyle/>
+              <a:p>
+                <a:pPr algn="ctr"/>
+                <a:endParaRPr lang="en-GB" dirty="0"/>
+              </a:p>
+            </p:txBody>
+          </p:sp>
+        </p:grpSp>
+        <p:sp>
+          <p:nvSpPr>
+            <p:cNvPr id="14" name="TextBox 13">
+              <a:extLst>
+                <a:ext uri="{FF2B5EF4-FFF2-40B4-BE49-F238E27FC236}">
+                  <a16:creationId xmlns:a16="http://schemas.microsoft.com/office/drawing/2014/main" id="{F9C47AA5-053D-0BC6-755E-BDB9DD6604BB}"/>
+                </a:ext>
+              </a:extLst>
+            </p:cNvPr>
+            <p:cNvSpPr txBox="1"/>
+            <p:nvPr/>
+          </p:nvSpPr>
+          <p:spPr>
+            <a:xfrm>
+              <a:off x="5607311" y="2229209"/>
+              <a:ext cx="1043876" cy="307777"/>
+            </a:xfrm>
+            <a:prstGeom prst="rect">
+              <a:avLst/>
+            </a:prstGeom>
+            <a:noFill/>
+          </p:spPr>
+          <p:txBody>
+            <a:bodyPr wrap="none" rtlCol="0">
+              <a:spAutoFit/>
+            </a:bodyPr>
+            <a:lstStyle/>
+            <a:p>
+              <a:r>
+                <a:rPr lang="en-GB" sz="1400" dirty="0">
+                  <a:latin typeface="PT Mono" panose="02060509020205020204" pitchFamily="49" charset="77"/>
+                </a:rPr>
+                <a:t>Low cost</a:t>
+              </a:r>
+            </a:p>
+          </p:txBody>
+        </p:sp>
+        <p:sp>
+          <p:nvSpPr>
+            <p:cNvPr id="16" name="TextBox 15">
+              <a:extLst>
+                <a:ext uri="{FF2B5EF4-FFF2-40B4-BE49-F238E27FC236}">
+                  <a16:creationId xmlns:a16="http://schemas.microsoft.com/office/drawing/2014/main" id="{A9DCF812-2633-11F3-457A-3F508A1FF18A}"/>
+                </a:ext>
+              </a:extLst>
+            </p:cNvPr>
+            <p:cNvSpPr txBox="1"/>
+            <p:nvPr/>
+          </p:nvSpPr>
+          <p:spPr>
+            <a:xfrm>
+              <a:off x="6676796" y="4140440"/>
+              <a:ext cx="1473480" cy="523220"/>
+            </a:xfrm>
+            <a:prstGeom prst="rect">
+              <a:avLst/>
+            </a:prstGeom>
+            <a:noFill/>
+          </p:spPr>
+          <p:txBody>
+            <a:bodyPr wrap="none" rtlCol="0">
+              <a:spAutoFit/>
+            </a:bodyPr>
+            <a:lstStyle/>
+            <a:p>
+              <a:pPr algn="r"/>
+              <a:r>
+                <a:rPr lang="en-GB" sz="1400" dirty="0">
+                  <a:latin typeface="PT Mono" panose="02060509020205020204" pitchFamily="49" charset="77"/>
+                </a:rPr>
+                <a:t>Portable/</a:t>
+              </a:r>
+            </a:p>
+            <a:p>
+              <a:pPr algn="r"/>
+              <a:r>
+                <a:rPr lang="en-GB" sz="1400" dirty="0">
+                  <a:latin typeface="PT Mono" panose="02060509020205020204" pitchFamily="49" charset="77"/>
+                </a:rPr>
+                <a:t>Non-invasive</a:t>
+              </a:r>
+            </a:p>
+          </p:txBody>
+        </p:sp>
+        <p:sp>
+          <p:nvSpPr>
+            <p:cNvPr id="17" name="TextBox 16">
+              <a:extLst>
+                <a:ext uri="{FF2B5EF4-FFF2-40B4-BE49-F238E27FC236}">
+                  <a16:creationId xmlns:a16="http://schemas.microsoft.com/office/drawing/2014/main" id="{2C1C9F37-7536-27FC-FBDB-F352460D1F27}"/>
+                </a:ext>
+              </a:extLst>
+            </p:cNvPr>
+            <p:cNvSpPr txBox="1"/>
+            <p:nvPr/>
+          </p:nvSpPr>
+          <p:spPr>
+            <a:xfrm>
+              <a:off x="4109081" y="4140440"/>
+              <a:ext cx="1151277" cy="523220"/>
+            </a:xfrm>
+            <a:prstGeom prst="rect">
+              <a:avLst/>
+            </a:prstGeom>
+            <a:noFill/>
+          </p:spPr>
+          <p:txBody>
+            <a:bodyPr wrap="none" rtlCol="0">
+              <a:spAutoFit/>
+            </a:bodyPr>
+            <a:lstStyle/>
+            <a:p>
+              <a:r>
+                <a:rPr lang="en-GB" sz="1400" dirty="0">
+                  <a:latin typeface="PT Mono" panose="02060509020205020204" pitchFamily="49" charset="77"/>
+                </a:rPr>
+                <a:t>Stride</a:t>
+              </a:r>
+            </a:p>
+            <a:p>
+              <a:r>
+                <a:rPr lang="en-GB" sz="1400" dirty="0">
+                  <a:latin typeface="PT Mono" panose="02060509020205020204" pitchFamily="49" charset="77"/>
+                </a:rPr>
+                <a:t>Sensitive</a:t>
+              </a:r>
+            </a:p>
+          </p:txBody>
+        </p:sp>
+      </p:grpSp>
+      <p:cxnSp>
+        <p:nvCxnSpPr>
+          <p:cNvPr id="22" name="Curved Connector 21">
             <a:extLst>
               <a:ext uri="{FF2B5EF4-FFF2-40B4-BE49-F238E27FC236}">
-                <a16:creationId xmlns:a16="http://schemas.microsoft.com/office/drawing/2014/main" id="{CB806F8D-E689-8B5D-AFDC-00447A430575}"/>
+                <a16:creationId xmlns:a16="http://schemas.microsoft.com/office/drawing/2014/main" id="{F2514FBC-95E0-ECF2-3C47-F628322EC18B}"/>
               </a:ext>
             </a:extLst>
           </p:cNvPr>
-          <p:cNvPicPr>
-            <a:picLocks noChangeAspect="1"/>
-          </p:cNvPicPr>
+          <p:cNvCxnSpPr>
+            <a:cxnSpLocks/>
+          </p:cNvCxnSpPr>
           <p:nvPr/>
-        </p:nvPicPr>
-        <p:blipFill>
-          <a:blip r:embed="rId5"/>
-          <a:stretch>
-            <a:fillRect/>
-          </a:stretch>
-        </p:blipFill>
+        </p:nvCxnSpPr>
         <p:spPr>
-          <a:xfrm>
-            <a:off x="772528" y="922476"/>
-            <a:ext cx="2912950" cy="533974"/>
+          <a:xfrm rot="10800000" flipV="1">
+            <a:off x="3585882" y="2752547"/>
+            <a:ext cx="4881640" cy="1401951"/>
           </a:xfrm>
-          <a:prstGeom prst="rect">
-            <a:avLst/>
+          <a:prstGeom prst="curvedConnector3">
+            <a:avLst>
+              <a:gd name="adj1" fmla="val 50000"/>
+            </a:avLst>
           </a:prstGeom>
+          <a:ln>
+            <a:tailEnd type="triangle"/>
+          </a:ln>
         </p:spPr>
-      </p:pic>
+        <p:style>
+          <a:lnRef idx="2">
+            <a:schemeClr val="accent2"/>
+          </a:lnRef>
+          <a:fillRef idx="0">
+            <a:schemeClr val="accent2"/>
+          </a:fillRef>
+          <a:effectRef idx="1">
+            <a:schemeClr val="accent2"/>
+          </a:effectRef>
+          <a:fontRef idx="minor">
+            <a:schemeClr val="tx1"/>
+          </a:fontRef>
+        </p:style>
+      </p:cxnSp>
     </p:spTree>
     <p:extLst>
       <p:ext uri="{BB962C8B-B14F-4D97-AF65-F5344CB8AC3E}">
@@ -4475,6 +4994,176 @@
   <p:clrMapOvr>
     <a:masterClrMapping/>
   </p:clrMapOvr>
+  <mc:AlternateContent xmlns:mc="http://schemas.openxmlformats.org/markup-compatibility/2006">
+    <mc:Choice xmlns:p159="http://schemas.microsoft.com/office/powerpoint/2015/09/main" Requires="p159">
+      <p:transition>
+        <p159:morph option="byObject"/>
+      </p:transition>
+    </mc:Choice>
+    <mc:Fallback>
+      <p:transition>
+        <p:fade/>
+      </p:transition>
+    </mc:Fallback>
+  </mc:AlternateContent>
+  <p:timing>
+    <p:tnLst>
+      <p:par>
+        <p:cTn id="1" dur="indefinite" restart="never" nodeType="tmRoot">
+          <p:childTnLst>
+            <p:seq concurrent="1" nextAc="seek">
+              <p:cTn id="2" dur="indefinite" nodeType="mainSeq">
+                <p:childTnLst>
+                  <p:par>
+                    <p:cTn id="3" fill="hold">
+                      <p:stCondLst>
+                        <p:cond delay="indefinite"/>
+                      </p:stCondLst>
+                      <p:childTnLst>
+                        <p:par>
+                          <p:cTn id="4" fill="hold">
+                            <p:stCondLst>
+                              <p:cond delay="0"/>
+                            </p:stCondLst>
+                            <p:childTnLst>
+                              <p:par>
+                                <p:cTn id="5" presetID="42" presetClass="path" presetSubtype="0" accel="50000" decel="50000" fill="hold" nodeType="clickEffect">
+                                  <p:stCondLst>
+                                    <p:cond delay="0"/>
+                                  </p:stCondLst>
+                                  <p:childTnLst>
+                                    <p:animMotion origin="layout" path="M 2.5E-6 1.85185E-6 L -0.21315 0.07569 " pathEditMode="relative" rAng="0" ptsTypes="AA">
+                                      <p:cBhvr>
+                                        <p:cTn id="6" dur="500" fill="hold"/>
+                                        <p:tgtEl>
+                                          <p:spTgt spid="18"/>
+                                        </p:tgtEl>
+                                        <p:attrNameLst>
+                                          <p:attrName>ppt_x</p:attrName>
+                                          <p:attrName>ppt_y</p:attrName>
+                                        </p:attrNameLst>
+                                      </p:cBhvr>
+                                      <p:rCtr x="-10664" y="3773"/>
+                                    </p:animMotion>
+                                  </p:childTnLst>
+                                </p:cTn>
+                              </p:par>
+                            </p:childTnLst>
+                          </p:cTn>
+                        </p:par>
+                      </p:childTnLst>
+                    </p:cTn>
+                  </p:par>
+                  <p:par>
+                    <p:cTn id="7" fill="hold">
+                      <p:stCondLst>
+                        <p:cond delay="indefinite"/>
+                      </p:stCondLst>
+                      <p:childTnLst>
+                        <p:par>
+                          <p:cTn id="8" fill="hold">
+                            <p:stCondLst>
+                              <p:cond delay="0"/>
+                            </p:stCondLst>
+                            <p:childTnLst>
+                              <p:par>
+                                <p:cTn id="9" presetID="9" presetClass="entr" presetSubtype="0" fill="hold" nodeType="clickEffect">
+                                  <p:stCondLst>
+                                    <p:cond delay="0"/>
+                                  </p:stCondLst>
+                                  <p:childTnLst>
+                                    <p:set>
+                                      <p:cBhvr>
+                                        <p:cTn id="10" dur="1" fill="hold">
+                                          <p:stCondLst>
+                                            <p:cond delay="0"/>
+                                          </p:stCondLst>
+                                        </p:cTn>
+                                        <p:tgtEl>
+                                          <p:spTgt spid="12"/>
+                                        </p:tgtEl>
+                                        <p:attrNameLst>
+                                          <p:attrName>style.visibility</p:attrName>
+                                        </p:attrNameLst>
+                                      </p:cBhvr>
+                                      <p:to>
+                                        <p:strVal val="visible"/>
+                                      </p:to>
+                                    </p:set>
+                                    <p:animEffect transition="in" filter="dissolve">
+                                      <p:cBhvr>
+                                        <p:cTn id="11" dur="500"/>
+                                        <p:tgtEl>
+                                          <p:spTgt spid="12"/>
+                                        </p:tgtEl>
+                                      </p:cBhvr>
+                                    </p:animEffect>
+                                  </p:childTnLst>
+                                </p:cTn>
+                              </p:par>
+                              <p:par>
+                                <p:cTn id="12" presetID="9" presetClass="entr" presetSubtype="0" fill="hold" nodeType="withEffect">
+                                  <p:stCondLst>
+                                    <p:cond delay="0"/>
+                                  </p:stCondLst>
+                                  <p:childTnLst>
+                                    <p:set>
+                                      <p:cBhvr>
+                                        <p:cTn id="13" dur="1" fill="hold">
+                                          <p:stCondLst>
+                                            <p:cond delay="0"/>
+                                          </p:stCondLst>
+                                        </p:cTn>
+                                        <p:tgtEl>
+                                          <p:spTgt spid="22"/>
+                                        </p:tgtEl>
+                                        <p:attrNameLst>
+                                          <p:attrName>style.visibility</p:attrName>
+                                        </p:attrNameLst>
+                                      </p:cBhvr>
+                                      <p:to>
+                                        <p:strVal val="visible"/>
+                                      </p:to>
+                                    </p:set>
+                                    <p:animEffect transition="in" filter="dissolve">
+                                      <p:cBhvr>
+                                        <p:cTn id="14" dur="500"/>
+                                        <p:tgtEl>
+                                          <p:spTgt spid="22"/>
+                                        </p:tgtEl>
+                                      </p:cBhvr>
+                                    </p:animEffect>
+                                  </p:childTnLst>
+                                </p:cTn>
+                              </p:par>
+                            </p:childTnLst>
+                          </p:cTn>
+                        </p:par>
+                      </p:childTnLst>
+                    </p:cTn>
+                  </p:par>
+                </p:childTnLst>
+              </p:cTn>
+              <p:prevCondLst>
+                <p:cond evt="onPrev" delay="0">
+                  <p:tgtEl>
+                    <p:sldTgt/>
+                  </p:tgtEl>
+                </p:cond>
+              </p:prevCondLst>
+              <p:nextCondLst>
+                <p:cond evt="onNext" delay="0">
+                  <p:tgtEl>
+                    <p:sldTgt/>
+                  </p:tgtEl>
+                </p:cond>
+              </p:nextCondLst>
+            </p:seq>
+          </p:childTnLst>
+        </p:cTn>
+      </p:par>
+    </p:tnLst>
+  </p:timing>
 </p:sld>
 </file>
 
@@ -4519,8 +5208,8 @@
         </p:nvGrpSpPr>
         <p:grpSpPr>
           <a:xfrm>
-            <a:off x="1160585" y="896815"/>
-            <a:ext cx="9777046" cy="5275385"/>
+            <a:off x="2331301" y="2276973"/>
+            <a:ext cx="7529397" cy="4062625"/>
             <a:chOff x="1160585" y="896815"/>
             <a:chExt cx="9777046" cy="5275385"/>
           </a:xfrm>
@@ -4573,7 +5262,7 @@
             <a:lstStyle/>
             <a:p>
               <a:pPr algn="ctr"/>
-              <a:endParaRPr lang="en-GB"/>
+              <a:endParaRPr lang="en-GB" dirty="0"/>
             </a:p>
           </p:txBody>
         </p:sp>
@@ -5439,7 +6128,7 @@
             <p:spPr>
               <a:xfrm>
                 <a:off x="2484004" y="1268687"/>
-                <a:ext cx="962150" cy="461665"/>
+                <a:ext cx="962150" cy="525135"/>
               </a:xfrm>
               <a:prstGeom prst="rect">
                 <a:avLst/>
@@ -5454,7 +6143,7 @@
               <a:p>
                 <a:pPr algn="ctr"/>
                 <a:r>
-                  <a:rPr lang="en-GB" sz="1200" dirty="0">
+                  <a:rPr lang="en-GB" sz="1000" dirty="0">
                     <a:solidFill>
                       <a:schemeClr val="bg1">
                         <a:lumMod val="50000"/>
@@ -5465,7 +6154,7 @@
                   <a:t>Foot</a:t>
                 </a:r>
                 <a:r>
-                  <a:rPr lang="en-GB" sz="1200" b="1" dirty="0">
+                  <a:rPr lang="en-GB" sz="1000" b="1" dirty="0">
                     <a:solidFill>
                       <a:schemeClr val="bg1">
                         <a:lumMod val="50000"/>
@@ -5479,7 +6168,7 @@
               <a:p>
                 <a:pPr algn="ctr"/>
                 <a:r>
-                  <a:rPr lang="en-GB" sz="1200" dirty="0">
+                  <a:rPr lang="en-GB" sz="1000" dirty="0">
                     <a:solidFill>
                       <a:schemeClr val="bg1">
                         <a:lumMod val="50000"/>
@@ -5507,7 +6196,7 @@
             <p:spPr>
               <a:xfrm>
                 <a:off x="3126470" y="1268687"/>
-                <a:ext cx="962150" cy="461665"/>
+                <a:ext cx="962150" cy="505687"/>
               </a:xfrm>
               <a:prstGeom prst="rect">
                 <a:avLst/>
@@ -5522,7 +6211,7 @@
               <a:p>
                 <a:pPr algn="ctr"/>
                 <a:r>
-                  <a:rPr lang="en-GB" sz="1200" dirty="0">
+                  <a:rPr lang="en-GB" sz="1000" dirty="0">
                     <a:solidFill>
                       <a:schemeClr val="bg1">
                         <a:lumMod val="50000"/>
@@ -5533,7 +6222,7 @@
                   <a:t>Foot</a:t>
                 </a:r>
                 <a:r>
-                  <a:rPr lang="en-GB" sz="1200" b="1" dirty="0">
+                  <a:rPr lang="en-GB" sz="1000" b="1" dirty="0">
                     <a:solidFill>
                       <a:schemeClr val="bg1">
                         <a:lumMod val="50000"/>
@@ -5547,7 +6236,7 @@
               <a:p>
                 <a:pPr algn="ctr"/>
                 <a:r>
-                  <a:rPr lang="en-GB" sz="1200" dirty="0">
+                  <a:rPr lang="en-GB" sz="1000" dirty="0">
                     <a:solidFill>
                       <a:schemeClr val="bg1">
                         <a:lumMod val="50000"/>
@@ -5574,8 +6263,8 @@
             </p:nvSpPr>
             <p:spPr>
               <a:xfrm>
-                <a:off x="3825592" y="1268686"/>
-                <a:ext cx="962150" cy="461665"/>
+                <a:off x="3825593" y="1268686"/>
+                <a:ext cx="962150" cy="505687"/>
               </a:xfrm>
               <a:prstGeom prst="rect">
                 <a:avLst/>
@@ -5590,7 +6279,7 @@
               <a:p>
                 <a:pPr algn="ctr"/>
                 <a:r>
-                  <a:rPr lang="en-GB" sz="1200" dirty="0">
+                  <a:rPr lang="en-GB" sz="1000" dirty="0">
                     <a:solidFill>
                       <a:schemeClr val="bg1">
                         <a:lumMod val="50000"/>
@@ -5601,7 +6290,7 @@
                   <a:t>Foot</a:t>
                 </a:r>
                 <a:r>
-                  <a:rPr lang="en-GB" sz="1200" b="1" dirty="0">
+                  <a:rPr lang="en-GB" sz="1000" b="1" dirty="0">
                     <a:solidFill>
                       <a:schemeClr val="bg1">
                         <a:lumMod val="50000"/>
@@ -5615,7 +6304,7 @@
               <a:p>
                 <a:pPr algn="ctr"/>
                 <a:r>
-                  <a:rPr lang="en-GB" sz="1200" dirty="0">
+                  <a:rPr lang="en-GB" sz="1000" dirty="0">
                     <a:solidFill>
                       <a:schemeClr val="bg1">
                         <a:lumMod val="50000"/>
@@ -5643,7 +6332,7 @@
             <p:spPr>
               <a:xfrm>
                 <a:off x="4955566" y="1244381"/>
-                <a:ext cx="962150" cy="461665"/>
+                <a:ext cx="962150" cy="525135"/>
               </a:xfrm>
               <a:prstGeom prst="rect">
                 <a:avLst/>
@@ -5658,7 +6347,7 @@
               <a:p>
                 <a:pPr algn="ctr"/>
                 <a:r>
-                  <a:rPr lang="en-GB" sz="1200" dirty="0">
+                  <a:rPr lang="en-GB" sz="1000" dirty="0">
                     <a:solidFill>
                       <a:schemeClr val="bg1">
                         <a:lumMod val="50000"/>
@@ -5669,7 +6358,7 @@
                   <a:t>Foot</a:t>
                 </a:r>
                 <a:r>
-                  <a:rPr lang="en-GB" sz="1200" b="1" dirty="0">
+                  <a:rPr lang="en-GB" sz="1000" b="1" dirty="0">
                     <a:solidFill>
                       <a:schemeClr val="bg1">
                         <a:lumMod val="50000"/>
@@ -5683,7 +6372,7 @@
               <a:p>
                 <a:pPr algn="ctr"/>
                 <a:r>
-                  <a:rPr lang="en-GB" sz="1200" dirty="0">
+                  <a:rPr lang="en-GB" sz="1000" dirty="0">
                     <a:solidFill>
                       <a:schemeClr val="bg1">
                         <a:lumMod val="50000"/>
@@ -5711,7 +6400,7 @@
             <p:spPr>
               <a:xfrm>
                 <a:off x="5581086" y="1242192"/>
-                <a:ext cx="962150" cy="461665"/>
+                <a:ext cx="962150" cy="505687"/>
               </a:xfrm>
               <a:prstGeom prst="rect">
                 <a:avLst/>
@@ -5726,7 +6415,7 @@
               <a:p>
                 <a:pPr algn="ctr"/>
                 <a:r>
-                  <a:rPr lang="en-GB" sz="1200" dirty="0">
+                  <a:rPr lang="en-GB" sz="1000" dirty="0">
                     <a:solidFill>
                       <a:schemeClr val="bg1">
                         <a:lumMod val="50000"/>
@@ -5737,7 +6426,7 @@
                   <a:t>Foot</a:t>
                 </a:r>
                 <a:r>
-                  <a:rPr lang="en-GB" sz="1200" b="1" dirty="0">
+                  <a:rPr lang="en-GB" sz="1000" b="1" dirty="0">
                     <a:solidFill>
                       <a:schemeClr val="bg1">
                         <a:lumMod val="50000"/>
@@ -5751,7 +6440,7 @@
               <a:p>
                 <a:pPr algn="ctr"/>
                 <a:r>
-                  <a:rPr lang="en-GB" sz="1200" dirty="0">
+                  <a:rPr lang="en-GB" sz="1000" dirty="0">
                     <a:solidFill>
                       <a:schemeClr val="bg1">
                         <a:lumMod val="50000"/>
@@ -5779,7 +6468,7 @@
             <p:spPr>
               <a:xfrm>
                 <a:off x="6241463" y="1249940"/>
-                <a:ext cx="962150" cy="461665"/>
+                <a:ext cx="962150" cy="505687"/>
               </a:xfrm>
               <a:prstGeom prst="rect">
                 <a:avLst/>
@@ -5794,7 +6483,7 @@
               <a:p>
                 <a:pPr algn="ctr"/>
                 <a:r>
-                  <a:rPr lang="en-GB" sz="1200" dirty="0">
+                  <a:rPr lang="en-GB" sz="1000" dirty="0">
                     <a:solidFill>
                       <a:schemeClr val="bg1">
                         <a:lumMod val="50000"/>
@@ -5805,7 +6494,7 @@
                   <a:t>Foot</a:t>
                 </a:r>
                 <a:r>
-                  <a:rPr lang="en-GB" sz="1200" b="1" dirty="0">
+                  <a:rPr lang="en-GB" sz="1000" b="1" dirty="0">
                     <a:solidFill>
                       <a:schemeClr val="bg1">
                         <a:lumMod val="50000"/>
@@ -5819,7 +6508,7 @@
               <a:p>
                 <a:pPr algn="ctr"/>
                 <a:r>
-                  <a:rPr lang="en-GB" sz="1200" dirty="0">
+                  <a:rPr lang="en-GB" sz="1000" dirty="0">
                     <a:solidFill>
                       <a:schemeClr val="bg1">
                         <a:lumMod val="50000"/>
@@ -5847,7 +6536,7 @@
             <p:spPr>
               <a:xfrm>
                 <a:off x="7480391" y="1238416"/>
-                <a:ext cx="962150" cy="461665"/>
+                <a:ext cx="962150" cy="525135"/>
               </a:xfrm>
               <a:prstGeom prst="rect">
                 <a:avLst/>
@@ -5862,7 +6551,7 @@
               <a:p>
                 <a:pPr algn="ctr"/>
                 <a:r>
-                  <a:rPr lang="en-GB" sz="1200" dirty="0">
+                  <a:rPr lang="en-GB" sz="1000" dirty="0">
                     <a:solidFill>
                       <a:schemeClr val="bg1">
                         <a:lumMod val="50000"/>
@@ -5873,7 +6562,7 @@
                   <a:t>Foot</a:t>
                 </a:r>
                 <a:r>
-                  <a:rPr lang="en-GB" sz="1200" b="1" dirty="0">
+                  <a:rPr lang="en-GB" sz="1000" b="1" dirty="0">
                     <a:solidFill>
                       <a:schemeClr val="bg1">
                         <a:lumMod val="50000"/>
@@ -5887,7 +6576,7 @@
               <a:p>
                 <a:pPr algn="ctr"/>
                 <a:r>
-                  <a:rPr lang="en-GB" sz="1200" dirty="0">
+                  <a:rPr lang="en-GB" sz="1000" dirty="0">
                     <a:solidFill>
                       <a:schemeClr val="bg1">
                         <a:lumMod val="50000"/>
@@ -5915,7 +6604,7 @@
             <p:spPr>
               <a:xfrm>
                 <a:off x="8189007" y="1236227"/>
-                <a:ext cx="962150" cy="461665"/>
+                <a:ext cx="962150" cy="505687"/>
               </a:xfrm>
               <a:prstGeom prst="rect">
                 <a:avLst/>
@@ -5930,7 +6619,7 @@
               <a:p>
                 <a:pPr algn="ctr"/>
                 <a:r>
-                  <a:rPr lang="en-GB" sz="1200" dirty="0">
+                  <a:rPr lang="en-GB" sz="1000" dirty="0">
                     <a:solidFill>
                       <a:schemeClr val="bg1">
                         <a:lumMod val="50000"/>
@@ -5941,7 +6630,7 @@
                   <a:t>Foot</a:t>
                 </a:r>
                 <a:r>
-                  <a:rPr lang="en-GB" sz="1200" b="1" dirty="0">
+                  <a:rPr lang="en-GB" sz="1000" b="1" dirty="0">
                     <a:solidFill>
                       <a:schemeClr val="bg1">
                         <a:lumMod val="50000"/>
@@ -5955,7 +6644,7 @@
               <a:p>
                 <a:pPr algn="ctr"/>
                 <a:r>
-                  <a:rPr lang="en-GB" sz="1200" dirty="0">
+                  <a:rPr lang="en-GB" sz="1000" dirty="0">
                     <a:solidFill>
                       <a:schemeClr val="bg1">
                         <a:lumMod val="50000"/>
@@ -5982,8 +6671,8 @@
             </p:nvSpPr>
             <p:spPr>
               <a:xfrm>
-                <a:off x="8776232" y="1243975"/>
-                <a:ext cx="962150" cy="461665"/>
+                <a:off x="8776231" y="1243975"/>
+                <a:ext cx="962150" cy="505687"/>
               </a:xfrm>
               <a:prstGeom prst="rect">
                 <a:avLst/>
@@ -5998,7 +6687,7 @@
               <a:p>
                 <a:pPr algn="ctr"/>
                 <a:r>
-                  <a:rPr lang="en-GB" sz="1200" dirty="0">
+                  <a:rPr lang="en-GB" sz="1000" dirty="0">
                     <a:solidFill>
                       <a:schemeClr val="bg1">
                         <a:lumMod val="50000"/>
@@ -6009,7 +6698,7 @@
                   <a:t>Foot</a:t>
                 </a:r>
                 <a:r>
-                  <a:rPr lang="en-GB" sz="1200" b="1" dirty="0">
+                  <a:rPr lang="en-GB" sz="1000" b="1" dirty="0">
                     <a:solidFill>
                       <a:schemeClr val="bg1">
                         <a:lumMod val="50000"/>
@@ -6023,7 +6712,7 @@
               <a:p>
                 <a:pPr algn="ctr"/>
                 <a:r>
-                  <a:rPr lang="en-GB" sz="1200" dirty="0">
+                  <a:rPr lang="en-GB" sz="1000" dirty="0">
                     <a:solidFill>
                       <a:schemeClr val="bg1">
                         <a:lumMod val="50000"/>
@@ -6038,6 +6727,203 @@
           </p:sp>
         </p:grpSp>
       </p:grpSp>
+      <p:sp>
+        <p:nvSpPr>
+          <p:cNvPr id="2" name="TextBox 1">
+            <a:extLst>
+              <a:ext uri="{FF2B5EF4-FFF2-40B4-BE49-F238E27FC236}">
+                <a16:creationId xmlns:a16="http://schemas.microsoft.com/office/drawing/2014/main" id="{1DAC43D2-27A5-82F2-C0D7-7FAEE6B0B051}"/>
+              </a:ext>
+            </a:extLst>
+          </p:cNvPr>
+          <p:cNvSpPr txBox="1"/>
+          <p:nvPr/>
+        </p:nvSpPr>
+        <p:spPr>
+          <a:xfrm>
+            <a:off x="685154" y="767036"/>
+            <a:ext cx="10821691" cy="954107"/>
+          </a:xfrm>
+          <a:prstGeom prst="rect">
+            <a:avLst/>
+          </a:prstGeom>
+          <a:noFill/>
+        </p:spPr>
+        <p:txBody>
+          <a:bodyPr wrap="square" rtlCol="0">
+            <a:spAutoFit/>
+          </a:bodyPr>
+          <a:lstStyle/>
+          <a:p>
+            <a:r>
+              <a:rPr lang="en-GB" sz="2800" b="1" dirty="0">
+                <a:solidFill>
+                  <a:srgbClr val="E88034"/>
+                </a:solidFill>
+                <a:latin typeface="PT Mono" panose="02060509020205020204" pitchFamily="49" charset="77"/>
+                <a:ea typeface="CMU BRIGHT ROMAN" panose="02000603000000000000" pitchFamily="2" charset="0"/>
+                <a:cs typeface="CMU BRIGHT ROMAN" panose="02000603000000000000" pitchFamily="2" charset="0"/>
+              </a:rPr>
+              <a:t>Data selection:</a:t>
+            </a:r>
+          </a:p>
+          <a:p>
+            <a:r>
+              <a:rPr lang="en-GB" sz="2800" dirty="0">
+                <a:latin typeface="PT Mono" panose="02060509020205020204" pitchFamily="49" charset="77"/>
+                <a:ea typeface="CMU Bright Roman" panose="02000603000000000000" pitchFamily="2" charset="0"/>
+                <a:cs typeface="CMU Bright Roman" panose="02000603000000000000" pitchFamily="2" charset="0"/>
+              </a:rPr>
+              <a:t>Events</a:t>
+            </a:r>
+          </a:p>
+        </p:txBody>
+      </p:sp>
+      <p:grpSp>
+        <p:nvGrpSpPr>
+          <p:cNvPr id="5" name="Group 4">
+            <a:extLst>
+              <a:ext uri="{FF2B5EF4-FFF2-40B4-BE49-F238E27FC236}">
+                <a16:creationId xmlns:a16="http://schemas.microsoft.com/office/drawing/2014/main" id="{1183216C-496E-BBE0-EB33-4E7077AAF84B}"/>
+              </a:ext>
+            </a:extLst>
+          </p:cNvPr>
+          <p:cNvGrpSpPr/>
+          <p:nvPr/>
+        </p:nvGrpSpPr>
+        <p:grpSpPr>
+          <a:xfrm>
+            <a:off x="3167368" y="2531563"/>
+            <a:ext cx="5790623" cy="2637599"/>
+            <a:chOff x="1129552" y="2399266"/>
+            <a:chExt cx="7890784" cy="3594211"/>
+          </a:xfrm>
+        </p:grpSpPr>
+        <p:pic>
+          <p:nvPicPr>
+            <p:cNvPr id="3" name="Picture 2">
+              <a:extLst>
+                <a:ext uri="{FF2B5EF4-FFF2-40B4-BE49-F238E27FC236}">
+                  <a16:creationId xmlns:a16="http://schemas.microsoft.com/office/drawing/2014/main" id="{144E939A-BDF1-8D39-059E-F28422024505}"/>
+                </a:ext>
+              </a:extLst>
+            </p:cNvPr>
+            <p:cNvPicPr>
+              <a:picLocks noChangeAspect="1"/>
+            </p:cNvPicPr>
+            <p:nvPr/>
+          </p:nvPicPr>
+          <p:blipFill>
+            <a:blip r:embed="rId5"/>
+            <a:stretch>
+              <a:fillRect/>
+            </a:stretch>
+          </p:blipFill>
+          <p:spPr>
+            <a:xfrm>
+              <a:off x="1170228" y="2399266"/>
+              <a:ext cx="7850108" cy="2562564"/>
+            </a:xfrm>
+            <a:prstGeom prst="rect">
+              <a:avLst/>
+            </a:prstGeom>
+          </p:spPr>
+        </p:pic>
+        <p:pic>
+          <p:nvPicPr>
+            <p:cNvPr id="4" name="Picture 3">
+              <a:extLst>
+                <a:ext uri="{FF2B5EF4-FFF2-40B4-BE49-F238E27FC236}">
+                  <a16:creationId xmlns:a16="http://schemas.microsoft.com/office/drawing/2014/main" id="{4A9AC61F-E525-FD6B-A0DF-D34196CE6D20}"/>
+                </a:ext>
+              </a:extLst>
+            </p:cNvPr>
+            <p:cNvPicPr>
+              <a:picLocks noChangeAspect="1"/>
+            </p:cNvPicPr>
+            <p:nvPr/>
+          </p:nvPicPr>
+          <p:blipFill>
+            <a:blip r:embed="rId6"/>
+            <a:stretch>
+              <a:fillRect/>
+            </a:stretch>
+          </p:blipFill>
+          <p:spPr>
+            <a:xfrm>
+              <a:off x="1129552" y="4961830"/>
+              <a:ext cx="2731954" cy="1031647"/>
+            </a:xfrm>
+            <a:prstGeom prst="rect">
+              <a:avLst/>
+            </a:prstGeom>
+          </p:spPr>
+        </p:pic>
+      </p:grpSp>
+      <p:sp>
+        <p:nvSpPr>
+          <p:cNvPr id="8" name="TextBox 7">
+            <a:extLst>
+              <a:ext uri="{FF2B5EF4-FFF2-40B4-BE49-F238E27FC236}">
+                <a16:creationId xmlns:a16="http://schemas.microsoft.com/office/drawing/2014/main" id="{E55F8272-7D27-70F6-13D3-9CAEA613E704}"/>
+              </a:ext>
+            </a:extLst>
+          </p:cNvPr>
+          <p:cNvSpPr txBox="1"/>
+          <p:nvPr/>
+        </p:nvSpPr>
+        <p:spPr>
+          <a:xfrm>
+            <a:off x="2848708" y="3938954"/>
+            <a:ext cx="184731" cy="369332"/>
+          </a:xfrm>
+          <a:prstGeom prst="rect">
+            <a:avLst/>
+          </a:prstGeom>
+          <a:noFill/>
+        </p:spPr>
+        <p:txBody>
+          <a:bodyPr wrap="none" rtlCol="0">
+            <a:spAutoFit/>
+          </a:bodyPr>
+          <a:lstStyle/>
+          <a:p>
+            <a:endParaRPr lang="en-GB" dirty="0"/>
+          </a:p>
+        </p:txBody>
+      </p:sp>
+      <p:sp>
+        <p:nvSpPr>
+          <p:cNvPr id="41" name="TextBox 40">
+            <a:extLst>
+              <a:ext uri="{FF2B5EF4-FFF2-40B4-BE49-F238E27FC236}">
+                <a16:creationId xmlns:a16="http://schemas.microsoft.com/office/drawing/2014/main" id="{B28C2089-C307-A2AD-4F1A-0974D7E57955}"/>
+              </a:ext>
+            </a:extLst>
+          </p:cNvPr>
+          <p:cNvSpPr txBox="1"/>
+          <p:nvPr/>
+        </p:nvSpPr>
+        <p:spPr>
+          <a:xfrm>
+            <a:off x="9347200" y="1849120"/>
+            <a:ext cx="184731" cy="369332"/>
+          </a:xfrm>
+          <a:prstGeom prst="rect">
+            <a:avLst/>
+          </a:prstGeom>
+          <a:noFill/>
+        </p:spPr>
+        <p:txBody>
+          <a:bodyPr wrap="none" rtlCol="0">
+            <a:spAutoFit/>
+          </a:bodyPr>
+          <a:lstStyle/>
+          <a:p>
+            <a:endParaRPr lang="en-GB"/>
+          </a:p>
+        </p:txBody>
+      </p:sp>
     </p:spTree>
     <p:extLst>
       <p:ext uri="{BB962C8B-B14F-4D97-AF65-F5344CB8AC3E}">
@@ -6048,70 +6934,163 @@
   <p:clrMapOvr>
     <a:masterClrMapping/>
   </p:clrMapOvr>
+  <mc:AlternateContent xmlns:mc="http://schemas.openxmlformats.org/markup-compatibility/2006">
+    <mc:Choice xmlns:p159="http://schemas.microsoft.com/office/powerpoint/2015/09/main" Requires="p159">
+      <p:transition>
+        <p159:morph option="byObject"/>
+      </p:transition>
+    </mc:Choice>
+    <mc:Fallback>
+      <p:transition>
+        <p:fade/>
+      </p:transition>
+    </mc:Fallback>
+  </mc:AlternateContent>
+  <p:timing>
+    <p:tnLst>
+      <p:par>
+        <p:cTn id="1" dur="indefinite" restart="never" nodeType="tmRoot">
+          <p:childTnLst>
+            <p:seq concurrent="1" nextAc="seek">
+              <p:cTn id="2" dur="indefinite" nodeType="mainSeq">
+                <p:childTnLst>
+                  <p:par>
+                    <p:cTn id="3" fill="hold">
+                      <p:stCondLst>
+                        <p:cond delay="indefinite"/>
+                      </p:stCondLst>
+                      <p:childTnLst>
+                        <p:par>
+                          <p:cTn id="4" fill="hold">
+                            <p:stCondLst>
+                              <p:cond delay="0"/>
+                            </p:stCondLst>
+                            <p:childTnLst>
+                              <p:par>
+                                <p:cTn id="5" presetID="6" presetClass="emph" presetSubtype="0" accel="50000" decel="50000" fill="hold" nodeType="clickEffect">
+                                  <p:stCondLst>
+                                    <p:cond delay="0"/>
+                                  </p:stCondLst>
+                                  <p:childTnLst>
+                                    <p:animScale>
+                                      <p:cBhvr>
+                                        <p:cTn id="6" dur="500" fill="hold"/>
+                                        <p:tgtEl>
+                                          <p:spTgt spid="5"/>
+                                        </p:tgtEl>
+                                      </p:cBhvr>
+                                      <p:by x="40000" y="40000"/>
+                                    </p:animScale>
+                                  </p:childTnLst>
+                                </p:cTn>
+                              </p:par>
+                              <p:par>
+                                <p:cTn id="7" presetID="42" presetClass="path" presetSubtype="0" accel="50000" decel="50000" fill="hold" nodeType="withEffect">
+                                  <p:stCondLst>
+                                    <p:cond delay="0"/>
+                                  </p:stCondLst>
+                                  <p:childTnLst>
+                                    <p:animMotion origin="layout" path="M 4.375E-6 -2.59259E-6 L 0.32018 -0.37338 " pathEditMode="relative" rAng="0" ptsTypes="AA">
+                                      <p:cBhvr>
+                                        <p:cTn id="8" dur="500" fill="hold"/>
+                                        <p:tgtEl>
+                                          <p:spTgt spid="5"/>
+                                        </p:tgtEl>
+                                        <p:attrNameLst>
+                                          <p:attrName>ppt_x</p:attrName>
+                                          <p:attrName>ppt_y</p:attrName>
+                                        </p:attrNameLst>
+                                      </p:cBhvr>
+                                      <p:rCtr x="16003" y="-18681"/>
+                                    </p:animMotion>
+                                  </p:childTnLst>
+                                </p:cTn>
+                              </p:par>
+                            </p:childTnLst>
+                          </p:cTn>
+                        </p:par>
+                      </p:childTnLst>
+                    </p:cTn>
+                  </p:par>
+                  <p:par>
+                    <p:cTn id="9" fill="hold">
+                      <p:stCondLst>
+                        <p:cond delay="indefinite"/>
+                      </p:stCondLst>
+                      <p:childTnLst>
+                        <p:par>
+                          <p:cTn id="10" fill="hold">
+                            <p:stCondLst>
+                              <p:cond delay="0"/>
+                            </p:stCondLst>
+                            <p:childTnLst>
+                              <p:par>
+                                <p:cTn id="11" presetID="9" presetClass="entr" presetSubtype="0" fill="hold" nodeType="clickEffect">
+                                  <p:stCondLst>
+                                    <p:cond delay="0"/>
+                                  </p:stCondLst>
+                                  <p:childTnLst>
+                                    <p:set>
+                                      <p:cBhvr>
+                                        <p:cTn id="12" dur="1" fill="hold">
+                                          <p:stCondLst>
+                                            <p:cond delay="0"/>
+                                          </p:stCondLst>
+                                        </p:cTn>
+                                        <p:tgtEl>
+                                          <p:spTgt spid="40"/>
+                                        </p:tgtEl>
+                                        <p:attrNameLst>
+                                          <p:attrName>style.visibility</p:attrName>
+                                        </p:attrNameLst>
+                                      </p:cBhvr>
+                                      <p:to>
+                                        <p:strVal val="visible"/>
+                                      </p:to>
+                                    </p:set>
+                                    <p:animEffect transition="in" filter="dissolve">
+                                      <p:cBhvr>
+                                        <p:cTn id="13" dur="500"/>
+                                        <p:tgtEl>
+                                          <p:spTgt spid="40"/>
+                                        </p:tgtEl>
+                                      </p:cBhvr>
+                                    </p:animEffect>
+                                  </p:childTnLst>
+                                </p:cTn>
+                              </p:par>
+                            </p:childTnLst>
+                          </p:cTn>
+                        </p:par>
+                      </p:childTnLst>
+                    </p:cTn>
+                  </p:par>
+                </p:childTnLst>
+              </p:cTn>
+              <p:prevCondLst>
+                <p:cond evt="onPrev" delay="0">
+                  <p:tgtEl>
+                    <p:sldTgt/>
+                  </p:tgtEl>
+                </p:cond>
+              </p:prevCondLst>
+              <p:nextCondLst>
+                <p:cond evt="onNext" delay="0">
+                  <p:tgtEl>
+                    <p:sldTgt/>
+                  </p:tgtEl>
+                </p:cond>
+              </p:nextCondLst>
+            </p:seq>
+          </p:childTnLst>
+        </p:cTn>
+      </p:par>
+    </p:tnLst>
+  </p:timing>
 </p:sld>
 </file>
 
 <file path=ppt/slides/slide4.xml><?xml version="1.0" encoding="utf-8"?>
-<p:sld xmlns:a="http://schemas.openxmlformats.org/drawingml/2006/main" xmlns:r="http://schemas.openxmlformats.org/officeDocument/2006/relationships" xmlns:p="http://schemas.openxmlformats.org/presentationml/2006/main">
-  <p:cSld>
-    <p:spTree>
-      <p:nvGrpSpPr>
-        <p:cNvPr id="1" name=""/>
-        <p:cNvGrpSpPr/>
-        <p:nvPr/>
-      </p:nvGrpSpPr>
-      <p:grpSpPr>
-        <a:xfrm>
-          <a:off x="0" y="0"/>
-          <a:ext cx="0" cy="0"/>
-          <a:chOff x="0" y="0"/>
-          <a:chExt cx="0" cy="0"/>
-        </a:xfrm>
-      </p:grpSpPr>
-      <p:pic>
-        <p:nvPicPr>
-          <p:cNvPr id="4" name="Picture 3">
-            <a:extLst>
-              <a:ext uri="{FF2B5EF4-FFF2-40B4-BE49-F238E27FC236}">
-                <a16:creationId xmlns:a16="http://schemas.microsoft.com/office/drawing/2014/main" id="{26D48F1C-C4BC-20E9-07D6-CE28FBF77683}"/>
-              </a:ext>
-            </a:extLst>
-          </p:cNvPr>
-          <p:cNvPicPr>
-            <a:picLocks noChangeAspect="1"/>
-          </p:cNvPicPr>
-          <p:nvPr/>
-        </p:nvPicPr>
-        <p:blipFill>
-          <a:blip r:embed="rId2"/>
-          <a:stretch>
-            <a:fillRect/>
-          </a:stretch>
-        </p:blipFill>
-        <p:spPr>
-          <a:xfrm>
-            <a:off x="2209800" y="1547914"/>
-            <a:ext cx="7772400" cy="3762172"/>
-          </a:xfrm>
-          <a:prstGeom prst="rect">
-            <a:avLst/>
-          </a:prstGeom>
-        </p:spPr>
-      </p:pic>
-    </p:spTree>
-    <p:extLst>
-      <p:ext uri="{BB962C8B-B14F-4D97-AF65-F5344CB8AC3E}">
-        <p14:creationId xmlns:p14="http://schemas.microsoft.com/office/powerpoint/2010/main" val="2659648134"/>
-      </p:ext>
-    </p:extLst>
-  </p:cSld>
-  <p:clrMapOvr>
-    <a:masterClrMapping/>
-  </p:clrMapOvr>
-</p:sld>
-</file>
-
-<file path=ppt/slides/slide5.xml><?xml version="1.0" encoding="utf-8"?>
 <p:sld xmlns:a="http://schemas.openxmlformats.org/drawingml/2006/main" xmlns:r="http://schemas.openxmlformats.org/officeDocument/2006/relationships" xmlns:p="http://schemas.openxmlformats.org/presentationml/2006/main">
   <p:cSld>
     <p:spTree>
@@ -6144,14 +7123,102 @@
         </p:nvPicPr>
         <p:blipFill>
           <a:blip r:embed="rId2"/>
+          <a:srcRect b="41183"/>
           <a:stretch>
             <a:fillRect/>
           </a:stretch>
         </p:blipFill>
         <p:spPr>
           <a:xfrm>
-            <a:off x="2036380" y="1097620"/>
-            <a:ext cx="7772400" cy="4978061"/>
+            <a:off x="3240093" y="2769987"/>
+            <a:ext cx="5711814" cy="2151719"/>
+          </a:xfrm>
+          <a:prstGeom prst="rect">
+            <a:avLst/>
+          </a:prstGeom>
+        </p:spPr>
+      </p:pic>
+      <p:sp>
+        <p:nvSpPr>
+          <p:cNvPr id="2" name="TextBox 1">
+            <a:extLst>
+              <a:ext uri="{FF2B5EF4-FFF2-40B4-BE49-F238E27FC236}">
+                <a16:creationId xmlns:a16="http://schemas.microsoft.com/office/drawing/2014/main" id="{328E8B32-6E2E-E3D4-1E4C-92879276667A}"/>
+              </a:ext>
+            </a:extLst>
+          </p:cNvPr>
+          <p:cNvSpPr txBox="1"/>
+          <p:nvPr/>
+        </p:nvSpPr>
+        <p:spPr>
+          <a:xfrm>
+            <a:off x="685154" y="767036"/>
+            <a:ext cx="10821691" cy="954107"/>
+          </a:xfrm>
+          <a:prstGeom prst="rect">
+            <a:avLst/>
+          </a:prstGeom>
+          <a:noFill/>
+        </p:spPr>
+        <p:txBody>
+          <a:bodyPr wrap="square" rtlCol="0">
+            <a:spAutoFit/>
+          </a:bodyPr>
+          <a:lstStyle/>
+          <a:p>
+            <a:r>
+              <a:rPr lang="en-GB" sz="2800" b="1" dirty="0">
+                <a:solidFill>
+                  <a:srgbClr val="E88034"/>
+                </a:solidFill>
+                <a:latin typeface="PT Mono" panose="02060509020205020204" pitchFamily="49" charset="77"/>
+                <a:ea typeface="CMU BRIGHT ROMAN" panose="02000603000000000000" pitchFamily="2" charset="0"/>
+                <a:cs typeface="CMU BRIGHT ROMAN" panose="02000603000000000000" pitchFamily="2" charset="0"/>
+              </a:rPr>
+              <a:t>Data selection:</a:t>
+            </a:r>
+          </a:p>
+          <a:p>
+            <a:r>
+              <a:rPr lang="en-GB" sz="2800" dirty="0">
+                <a:latin typeface="PT Mono" panose="02060509020205020204" pitchFamily="49" charset="77"/>
+                <a:ea typeface="CMU Bright Roman" panose="02000603000000000000" pitchFamily="2" charset="0"/>
+                <a:cs typeface="CMU Bright Roman" panose="02000603000000000000" pitchFamily="2" charset="0"/>
+              </a:rPr>
+              <a:t>Open data</a:t>
+            </a:r>
+            <a:endParaRPr lang="en-GB" sz="2800" dirty="0">
+              <a:latin typeface="PT Mono" panose="02060509020205020204" pitchFamily="49" charset="77"/>
+              <a:ea typeface="CMU Bright Roman" panose="02000603000000000000" pitchFamily="2" charset="0"/>
+              <a:cs typeface="CMU Bright Roman" panose="02000603000000000000" pitchFamily="2" charset="0"/>
+            </a:endParaRPr>
+          </a:p>
+        </p:txBody>
+      </p:sp>
+      <p:pic>
+        <p:nvPicPr>
+          <p:cNvPr id="3" name="Picture 2">
+            <a:extLst>
+              <a:ext uri="{FF2B5EF4-FFF2-40B4-BE49-F238E27FC236}">
+                <a16:creationId xmlns:a16="http://schemas.microsoft.com/office/drawing/2014/main" id="{E3A317D3-D495-E4C7-BB64-2DF6D96E225A}"/>
+              </a:ext>
+            </a:extLst>
+          </p:cNvPr>
+          <p:cNvPicPr>
+            <a:picLocks noChangeAspect="1"/>
+          </p:cNvPicPr>
+          <p:nvPr/>
+        </p:nvPicPr>
+        <p:blipFill>
+          <a:blip r:embed="rId3"/>
+          <a:stretch>
+            <a:fillRect/>
+          </a:stretch>
+        </p:blipFill>
+        <p:spPr>
+          <a:xfrm>
+            <a:off x="3437316" y="2266145"/>
+            <a:ext cx="4849324" cy="3824819"/>
           </a:xfrm>
           <a:prstGeom prst="rect">
             <a:avLst/>
@@ -6168,6 +7235,1048 @@
   <p:clrMapOvr>
     <a:masterClrMapping/>
   </p:clrMapOvr>
+  <mc:AlternateContent xmlns:mc="http://schemas.openxmlformats.org/markup-compatibility/2006">
+    <mc:Choice xmlns:p159="http://schemas.microsoft.com/office/powerpoint/2015/09/main" Requires="p159">
+      <p:transition>
+        <p159:morph option="byObject"/>
+      </p:transition>
+    </mc:Choice>
+    <mc:Fallback>
+      <p:transition>
+        <p:fade/>
+      </p:transition>
+    </mc:Fallback>
+  </mc:AlternateContent>
+  <p:timing>
+    <p:tnLst>
+      <p:par>
+        <p:cTn id="1" dur="indefinite" restart="never" nodeType="tmRoot">
+          <p:childTnLst>
+            <p:seq concurrent="1" nextAc="seek">
+              <p:cTn id="2" dur="indefinite" nodeType="mainSeq">
+                <p:childTnLst>
+                  <p:par>
+                    <p:cTn id="3" fill="hold">
+                      <p:stCondLst>
+                        <p:cond delay="indefinite"/>
+                      </p:stCondLst>
+                      <p:childTnLst>
+                        <p:par>
+                          <p:cTn id="4" fill="hold">
+                            <p:stCondLst>
+                              <p:cond delay="0"/>
+                            </p:stCondLst>
+                            <p:childTnLst>
+                              <p:par>
+                                <p:cTn id="5" presetID="6" presetClass="emph" presetSubtype="0" accel="50000" decel="50000" fill="hold" nodeType="clickEffect">
+                                  <p:stCondLst>
+                                    <p:cond delay="0"/>
+                                  </p:stCondLst>
+                                  <p:childTnLst>
+                                    <p:animScale>
+                                      <p:cBhvr>
+                                        <p:cTn id="6" dur="500" fill="hold"/>
+                                        <p:tgtEl>
+                                          <p:spTgt spid="4"/>
+                                        </p:tgtEl>
+                                      </p:cBhvr>
+                                      <p:by x="40000" y="40000"/>
+                                    </p:animScale>
+                                  </p:childTnLst>
+                                </p:cTn>
+                              </p:par>
+                              <p:par>
+                                <p:cTn id="7" presetID="42" presetClass="path" presetSubtype="0" accel="50000" decel="50000" fill="hold" nodeType="withEffect">
+                                  <p:stCondLst>
+                                    <p:cond delay="0"/>
+                                  </p:stCondLst>
+                                  <p:childTnLst>
+                                    <p:animMotion origin="layout" path="M 0 1.85185E-6 L 0.32018 -0.37338 " pathEditMode="relative" rAng="0" ptsTypes="AA">
+                                      <p:cBhvr>
+                                        <p:cTn id="8" dur="500" fill="hold"/>
+                                        <p:tgtEl>
+                                          <p:spTgt spid="4"/>
+                                        </p:tgtEl>
+                                        <p:attrNameLst>
+                                          <p:attrName>ppt_x</p:attrName>
+                                          <p:attrName>ppt_y</p:attrName>
+                                        </p:attrNameLst>
+                                      </p:cBhvr>
+                                      <p:rCtr x="16003" y="-18681"/>
+                                    </p:animMotion>
+                                  </p:childTnLst>
+                                </p:cTn>
+                              </p:par>
+                            </p:childTnLst>
+                          </p:cTn>
+                        </p:par>
+                      </p:childTnLst>
+                    </p:cTn>
+                  </p:par>
+                  <p:par>
+                    <p:cTn id="9" fill="hold">
+                      <p:stCondLst>
+                        <p:cond delay="indefinite"/>
+                      </p:stCondLst>
+                      <p:childTnLst>
+                        <p:par>
+                          <p:cTn id="10" fill="hold">
+                            <p:stCondLst>
+                              <p:cond delay="0"/>
+                            </p:stCondLst>
+                            <p:childTnLst>
+                              <p:par>
+                                <p:cTn id="11" presetID="9" presetClass="entr" presetSubtype="0" fill="hold" nodeType="clickEffect">
+                                  <p:stCondLst>
+                                    <p:cond delay="0"/>
+                                  </p:stCondLst>
+                                  <p:childTnLst>
+                                    <p:set>
+                                      <p:cBhvr>
+                                        <p:cTn id="12" dur="1" fill="hold">
+                                          <p:stCondLst>
+                                            <p:cond delay="0"/>
+                                          </p:stCondLst>
+                                        </p:cTn>
+                                        <p:tgtEl>
+                                          <p:spTgt spid="3"/>
+                                        </p:tgtEl>
+                                        <p:attrNameLst>
+                                          <p:attrName>style.visibility</p:attrName>
+                                        </p:attrNameLst>
+                                      </p:cBhvr>
+                                      <p:to>
+                                        <p:strVal val="visible"/>
+                                      </p:to>
+                                    </p:set>
+                                    <p:animEffect transition="in" filter="dissolve">
+                                      <p:cBhvr>
+                                        <p:cTn id="13" dur="500"/>
+                                        <p:tgtEl>
+                                          <p:spTgt spid="3"/>
+                                        </p:tgtEl>
+                                      </p:cBhvr>
+                                    </p:animEffect>
+                                  </p:childTnLst>
+                                </p:cTn>
+                              </p:par>
+                            </p:childTnLst>
+                          </p:cTn>
+                        </p:par>
+                      </p:childTnLst>
+                    </p:cTn>
+                  </p:par>
+                </p:childTnLst>
+              </p:cTn>
+              <p:prevCondLst>
+                <p:cond evt="onPrev" delay="0">
+                  <p:tgtEl>
+                    <p:sldTgt/>
+                  </p:tgtEl>
+                </p:cond>
+              </p:prevCondLst>
+              <p:nextCondLst>
+                <p:cond evt="onNext" delay="0">
+                  <p:tgtEl>
+                    <p:sldTgt/>
+                  </p:tgtEl>
+                </p:cond>
+              </p:nextCondLst>
+            </p:seq>
+          </p:childTnLst>
+        </p:cTn>
+      </p:par>
+    </p:tnLst>
+  </p:timing>
+</p:sld>
+</file>
+
+<file path=ppt/slides/slide5.xml><?xml version="1.0" encoding="utf-8"?>
+<p:sld xmlns:a="http://schemas.openxmlformats.org/drawingml/2006/main" xmlns:r="http://schemas.openxmlformats.org/officeDocument/2006/relationships" xmlns:p="http://schemas.openxmlformats.org/presentationml/2006/main">
+  <p:cSld>
+    <p:spTree>
+      <p:nvGrpSpPr>
+        <p:cNvPr id="1" name=""/>
+        <p:cNvGrpSpPr/>
+        <p:nvPr/>
+      </p:nvGrpSpPr>
+      <p:grpSpPr>
+        <a:xfrm>
+          <a:off x="0" y="0"/>
+          <a:ext cx="0" cy="0"/>
+          <a:chOff x="0" y="0"/>
+          <a:chExt cx="0" cy="0"/>
+        </a:xfrm>
+      </p:grpSpPr>
+      <p:sp>
+        <p:nvSpPr>
+          <p:cNvPr id="5" name="TextBox 4">
+            <a:extLst>
+              <a:ext uri="{FF2B5EF4-FFF2-40B4-BE49-F238E27FC236}">
+                <a16:creationId xmlns:a16="http://schemas.microsoft.com/office/drawing/2014/main" id="{C79C9C70-35BB-0734-1E2D-47BB32CF9417}"/>
+              </a:ext>
+            </a:extLst>
+          </p:cNvPr>
+          <p:cNvSpPr txBox="1"/>
+          <p:nvPr/>
+        </p:nvSpPr>
+        <p:spPr>
+          <a:xfrm>
+            <a:off x="685154" y="2523446"/>
+            <a:ext cx="9232644" cy="2677656"/>
+          </a:xfrm>
+          <a:prstGeom prst="rect">
+            <a:avLst/>
+          </a:prstGeom>
+          <a:noFill/>
+        </p:spPr>
+        <p:txBody>
+          <a:bodyPr wrap="square" rtlCol="0">
+            <a:spAutoFit/>
+          </a:bodyPr>
+          <a:lstStyle/>
+          <a:p>
+            <a:endParaRPr lang="en-GB" sz="2800" dirty="0">
+              <a:latin typeface="PT Mono" panose="02060509020205020204" pitchFamily="49" charset="77"/>
+              <a:ea typeface="CMU Bright Roman" panose="02000603000000000000" pitchFamily="2" charset="0"/>
+              <a:cs typeface="CMU Bright Roman" panose="02000603000000000000" pitchFamily="2" charset="0"/>
+            </a:endParaRPr>
+          </a:p>
+          <a:p>
+            <a:pPr marL="457200" indent="-457200">
+              <a:buFont typeface="Arial" panose="020B0604020202020204" pitchFamily="34" charset="0"/>
+              <a:buChar char="•"/>
+            </a:pPr>
+            <a:r>
+              <a:rPr lang="en-GB" sz="2800" dirty="0">
+                <a:latin typeface="PT Mono" panose="02060509020205020204" pitchFamily="49" charset="77"/>
+                <a:ea typeface="CMU Bright Roman" panose="02000603000000000000" pitchFamily="2" charset="0"/>
+                <a:cs typeface="CMU Bright Roman" panose="02000603000000000000" pitchFamily="2" charset="0"/>
+              </a:rPr>
+              <a:t>Foot strike and foot off</a:t>
+            </a:r>
+          </a:p>
+          <a:p>
+            <a:pPr marL="457200" indent="-457200">
+              <a:buFont typeface="Arial" panose="020B0604020202020204" pitchFamily="34" charset="0"/>
+              <a:buChar char="•"/>
+            </a:pPr>
+            <a:endParaRPr lang="en-GB" sz="2800" dirty="0">
+              <a:latin typeface="PT Mono" panose="02060509020205020204" pitchFamily="49" charset="77"/>
+              <a:ea typeface="CMU Bright Roman" panose="02000603000000000000" pitchFamily="2" charset="0"/>
+              <a:cs typeface="CMU Bright Roman" panose="02000603000000000000" pitchFamily="2" charset="0"/>
+            </a:endParaRPr>
+          </a:p>
+          <a:p>
+            <a:pPr marL="457200" indent="-457200">
+              <a:buFont typeface="Arial" panose="020B0604020202020204" pitchFamily="34" charset="0"/>
+              <a:buChar char="•"/>
+            </a:pPr>
+            <a:r>
+              <a:rPr lang="en-GB" sz="2800" dirty="0">
+                <a:latin typeface="PT Mono" panose="02060509020205020204" pitchFamily="49" charset="77"/>
+                <a:ea typeface="CMU Bright Roman" panose="02000603000000000000" pitchFamily="2" charset="0"/>
+                <a:cs typeface="CMU Bright Roman" panose="02000603000000000000" pitchFamily="2" charset="0"/>
+              </a:rPr>
+              <a:t>Speed invariant</a:t>
+            </a:r>
+          </a:p>
+          <a:p>
+            <a:pPr marL="457200" indent="-457200">
+              <a:buFont typeface="Arial" panose="020B0604020202020204" pitchFamily="34" charset="0"/>
+              <a:buChar char="•"/>
+            </a:pPr>
+            <a:endParaRPr lang="en-GB" sz="2800" dirty="0">
+              <a:latin typeface="PT Mono" panose="02060509020205020204" pitchFamily="49" charset="77"/>
+              <a:ea typeface="CMU Bright Roman" panose="02000603000000000000" pitchFamily="2" charset="0"/>
+              <a:cs typeface="CMU Bright Roman" panose="02000603000000000000" pitchFamily="2" charset="0"/>
+            </a:endParaRPr>
+          </a:p>
+          <a:p>
+            <a:pPr marL="457200" indent="-457200">
+              <a:buFont typeface="Arial" panose="020B0604020202020204" pitchFamily="34" charset="0"/>
+              <a:buChar char="•"/>
+            </a:pPr>
+            <a:r>
+              <a:rPr lang="en-GB" sz="2800" dirty="0">
+                <a:latin typeface="PT Mono" panose="02060509020205020204" pitchFamily="49" charset="77"/>
+                <a:ea typeface="CMU Bright Roman" panose="02000603000000000000" pitchFamily="2" charset="0"/>
+                <a:cs typeface="CMU Bright Roman" panose="02000603000000000000" pitchFamily="2" charset="0"/>
+              </a:rPr>
+              <a:t>Real time</a:t>
+            </a:r>
+          </a:p>
+        </p:txBody>
+      </p:sp>
+      <p:sp>
+        <p:nvSpPr>
+          <p:cNvPr id="6" name="TextBox 5">
+            <a:extLst>
+              <a:ext uri="{FF2B5EF4-FFF2-40B4-BE49-F238E27FC236}">
+                <a16:creationId xmlns:a16="http://schemas.microsoft.com/office/drawing/2014/main" id="{BC084D50-D715-5A43-79EA-893380EEDC96}"/>
+              </a:ext>
+            </a:extLst>
+          </p:cNvPr>
+          <p:cNvSpPr txBox="1"/>
+          <p:nvPr/>
+        </p:nvSpPr>
+        <p:spPr>
+          <a:xfrm>
+            <a:off x="685154" y="767036"/>
+            <a:ext cx="10821691" cy="954107"/>
+          </a:xfrm>
+          <a:prstGeom prst="rect">
+            <a:avLst/>
+          </a:prstGeom>
+          <a:noFill/>
+        </p:spPr>
+        <p:txBody>
+          <a:bodyPr wrap="square" rtlCol="0">
+            <a:spAutoFit/>
+          </a:bodyPr>
+          <a:lstStyle/>
+          <a:p>
+            <a:r>
+              <a:rPr lang="en-GB" sz="2800" b="1" dirty="0">
+                <a:solidFill>
+                  <a:srgbClr val="E88034"/>
+                </a:solidFill>
+                <a:latin typeface="PT Mono" panose="02060509020205020204" pitchFamily="49" charset="77"/>
+                <a:ea typeface="CMU BRIGHT ROMAN" panose="02000603000000000000" pitchFamily="2" charset="0"/>
+                <a:cs typeface="CMU BRIGHT ROMAN" panose="02000603000000000000" pitchFamily="2" charset="0"/>
+              </a:rPr>
+              <a:t>Event detection:</a:t>
+            </a:r>
+          </a:p>
+          <a:p>
+            <a:r>
+              <a:rPr lang="en-GB" sz="2800" dirty="0">
+                <a:latin typeface="PT Mono" panose="02060509020205020204" pitchFamily="49" charset="77"/>
+                <a:ea typeface="CMU Bright Roman" panose="02000603000000000000" pitchFamily="2" charset="0"/>
+                <a:cs typeface="CMU Bright Roman" panose="02000603000000000000" pitchFamily="2" charset="0"/>
+              </a:rPr>
+              <a:t>Requirements</a:t>
+            </a:r>
+            <a:endParaRPr lang="en-GB" sz="2800" dirty="0">
+              <a:latin typeface="PT Mono" panose="02060509020205020204" pitchFamily="49" charset="77"/>
+              <a:ea typeface="CMU Bright Roman" panose="02000603000000000000" pitchFamily="2" charset="0"/>
+              <a:cs typeface="CMU Bright Roman" panose="02000603000000000000" pitchFamily="2" charset="0"/>
+            </a:endParaRPr>
+          </a:p>
+        </p:txBody>
+      </p:sp>
+    </p:spTree>
+    <p:extLst>
+      <p:ext uri="{BB962C8B-B14F-4D97-AF65-F5344CB8AC3E}">
+        <p14:creationId xmlns:p14="http://schemas.microsoft.com/office/powerpoint/2010/main" val="1878209453"/>
+      </p:ext>
+    </p:extLst>
+  </p:cSld>
+  <p:clrMapOvr>
+    <a:masterClrMapping/>
+  </p:clrMapOvr>
+  <mc:AlternateContent xmlns:mc="http://schemas.openxmlformats.org/markup-compatibility/2006">
+    <mc:Choice xmlns:p159="http://schemas.microsoft.com/office/powerpoint/2015/09/main" Requires="p159">
+      <p:transition>
+        <p159:morph option="byObject"/>
+      </p:transition>
+    </mc:Choice>
+    <mc:Fallback>
+      <p:transition>
+        <p:fade/>
+      </p:transition>
+    </mc:Fallback>
+  </mc:AlternateContent>
+</p:sld>
+</file>
+
+<file path=ppt/slides/slide6.xml><?xml version="1.0" encoding="utf-8"?>
+<p:sld xmlns:a="http://schemas.openxmlformats.org/drawingml/2006/main" xmlns:r="http://schemas.openxmlformats.org/officeDocument/2006/relationships" xmlns:p="http://schemas.openxmlformats.org/presentationml/2006/main">
+  <p:cSld>
+    <p:spTree>
+      <p:nvGrpSpPr>
+        <p:cNvPr id="1" name="">
+          <a:extLst>
+            <a:ext uri="{FF2B5EF4-FFF2-40B4-BE49-F238E27FC236}">
+              <a16:creationId xmlns:a16="http://schemas.microsoft.com/office/drawing/2014/main" id="{599964CE-25F3-79B2-AC55-F17A515521DB}"/>
+            </a:ext>
+          </a:extLst>
+        </p:cNvPr>
+        <p:cNvGrpSpPr/>
+        <p:nvPr/>
+      </p:nvGrpSpPr>
+      <p:grpSpPr>
+        <a:xfrm>
+          <a:off x="0" y="0"/>
+          <a:ext cx="0" cy="0"/>
+          <a:chOff x="0" y="0"/>
+          <a:chExt cx="0" cy="0"/>
+        </a:xfrm>
+      </p:grpSpPr>
+      <p:sp>
+        <p:nvSpPr>
+          <p:cNvPr id="5" name="TextBox 4">
+            <a:extLst>
+              <a:ext uri="{FF2B5EF4-FFF2-40B4-BE49-F238E27FC236}">
+                <a16:creationId xmlns:a16="http://schemas.microsoft.com/office/drawing/2014/main" id="{211CD12F-DC92-F845-F139-CE65080FA783}"/>
+              </a:ext>
+            </a:extLst>
+          </p:cNvPr>
+          <p:cNvSpPr txBox="1"/>
+          <p:nvPr/>
+        </p:nvSpPr>
+        <p:spPr>
+          <a:xfrm>
+            <a:off x="685154" y="2183204"/>
+            <a:ext cx="9904874" cy="3970318"/>
+          </a:xfrm>
+          <a:prstGeom prst="rect">
+            <a:avLst/>
+          </a:prstGeom>
+          <a:noFill/>
+        </p:spPr>
+        <p:txBody>
+          <a:bodyPr wrap="square" rtlCol="0">
+            <a:spAutoFit/>
+          </a:bodyPr>
+          <a:lstStyle/>
+          <a:p>
+            <a:pPr marL="457200" indent="-457200">
+              <a:buFont typeface="Arial" panose="020B0604020202020204" pitchFamily="34" charset="0"/>
+              <a:buChar char="•"/>
+            </a:pPr>
+            <a:r>
+              <a:rPr lang="en-GB" sz="2800" dirty="0">
+                <a:latin typeface="PT Mono" panose="02060509020205020204" pitchFamily="49" charset="77"/>
+                <a:ea typeface="CMU Bright Roman" panose="02000603000000000000" pitchFamily="2" charset="0"/>
+                <a:cs typeface="CMU Bright Roman" panose="02000603000000000000" pitchFamily="2" charset="0"/>
+              </a:rPr>
+              <a:t>Filtering: causal (moving average)</a:t>
+            </a:r>
+          </a:p>
+          <a:p>
+            <a:pPr marL="457200" indent="-457200">
+              <a:buFont typeface="Arial" panose="020B0604020202020204" pitchFamily="34" charset="0"/>
+              <a:buChar char="•"/>
+            </a:pPr>
+            <a:endParaRPr lang="en-GB" sz="2800" dirty="0">
+              <a:latin typeface="PT Mono" panose="02060509020205020204" pitchFamily="49" charset="77"/>
+              <a:ea typeface="CMU Bright Roman" panose="02000603000000000000" pitchFamily="2" charset="0"/>
+              <a:cs typeface="CMU Bright Roman" panose="02000603000000000000" pitchFamily="2" charset="0"/>
+            </a:endParaRPr>
+          </a:p>
+          <a:p>
+            <a:pPr marL="457200" indent="-457200">
+              <a:buFont typeface="Arial" panose="020B0604020202020204" pitchFamily="34" charset="0"/>
+              <a:buChar char="•"/>
+            </a:pPr>
+            <a:r>
+              <a:rPr lang="en-GB" sz="2800" dirty="0">
+                <a:latin typeface="PT Mono" panose="02060509020205020204" pitchFamily="49" charset="77"/>
+                <a:ea typeface="CMU Bright Roman" panose="02000603000000000000" pitchFamily="2" charset="0"/>
+                <a:cs typeface="CMU Bright Roman" panose="02000603000000000000" pitchFamily="2" charset="0"/>
+              </a:rPr>
+              <a:t>State machine: zero crossings</a:t>
+            </a:r>
+          </a:p>
+          <a:p>
+            <a:pPr marL="457200" indent="-457200">
+              <a:buFont typeface="Arial" panose="020B0604020202020204" pitchFamily="34" charset="0"/>
+              <a:buChar char="•"/>
+            </a:pPr>
+            <a:endParaRPr lang="en-GB" sz="2800" dirty="0">
+              <a:latin typeface="PT Mono" panose="02060509020205020204" pitchFamily="49" charset="77"/>
+              <a:ea typeface="CMU Bright Roman" panose="02000603000000000000" pitchFamily="2" charset="0"/>
+              <a:cs typeface="CMU Bright Roman" panose="02000603000000000000" pitchFamily="2" charset="0"/>
+            </a:endParaRPr>
+          </a:p>
+          <a:p>
+            <a:pPr marL="457200" indent="-457200">
+              <a:buFont typeface="Arial" panose="020B0604020202020204" pitchFamily="34" charset="0"/>
+              <a:buChar char="•"/>
+            </a:pPr>
+            <a:r>
+              <a:rPr lang="en-GB" sz="2800" dirty="0">
+                <a:latin typeface="PT Mono" panose="02060509020205020204" pitchFamily="49" charset="77"/>
+                <a:ea typeface="CMU Bright Roman" panose="02000603000000000000" pitchFamily="2" charset="0"/>
+                <a:cs typeface="CMU Bright Roman" panose="02000603000000000000" pitchFamily="2" charset="0"/>
+              </a:rPr>
+              <a:t>Peak detection: mid swing</a:t>
+            </a:r>
+          </a:p>
+          <a:p>
+            <a:pPr marL="457200" indent="-457200">
+              <a:buFont typeface="Arial" panose="020B0604020202020204" pitchFamily="34" charset="0"/>
+              <a:buChar char="•"/>
+            </a:pPr>
+            <a:endParaRPr lang="en-GB" sz="2800" dirty="0">
+              <a:latin typeface="PT Mono" panose="02060509020205020204" pitchFamily="49" charset="77"/>
+              <a:ea typeface="CMU Bright Roman" panose="02000603000000000000" pitchFamily="2" charset="0"/>
+              <a:cs typeface="CMU Bright Roman" panose="02000603000000000000" pitchFamily="2" charset="0"/>
+            </a:endParaRPr>
+          </a:p>
+          <a:p>
+            <a:pPr marL="457200" indent="-457200">
+              <a:buFont typeface="Arial" panose="020B0604020202020204" pitchFamily="34" charset="0"/>
+              <a:buChar char="•"/>
+            </a:pPr>
+            <a:r>
+              <a:rPr lang="en-GB" sz="2800" dirty="0">
+                <a:latin typeface="PT Mono" panose="02060509020205020204" pitchFamily="49" charset="77"/>
+                <a:ea typeface="CMU Bright Roman" panose="02000603000000000000" pitchFamily="2" charset="0"/>
+                <a:cs typeface="CMU Bright Roman" panose="02000603000000000000" pitchFamily="2" charset="0"/>
+              </a:rPr>
+              <a:t>Zero velocity detection: mid stance</a:t>
+            </a:r>
+          </a:p>
+          <a:p>
+            <a:pPr marL="457200" indent="-457200">
+              <a:buFont typeface="Arial" panose="020B0604020202020204" pitchFamily="34" charset="0"/>
+              <a:buChar char="•"/>
+            </a:pPr>
+            <a:endParaRPr lang="en-GB" sz="2800" dirty="0">
+              <a:latin typeface="PT Mono" panose="02060509020205020204" pitchFamily="49" charset="77"/>
+              <a:ea typeface="CMU Bright Roman" panose="02000603000000000000" pitchFamily="2" charset="0"/>
+              <a:cs typeface="CMU Bright Roman" panose="02000603000000000000" pitchFamily="2" charset="0"/>
+            </a:endParaRPr>
+          </a:p>
+          <a:p>
+            <a:pPr marL="457200" indent="-457200">
+              <a:buFont typeface="Arial" panose="020B0604020202020204" pitchFamily="34" charset="0"/>
+              <a:buChar char="•"/>
+            </a:pPr>
+            <a:r>
+              <a:rPr lang="en-GB" sz="2800" dirty="0">
+                <a:latin typeface="PT Mono" panose="02060509020205020204" pitchFamily="49" charset="77"/>
+                <a:ea typeface="CMU Bright Roman" panose="02000603000000000000" pitchFamily="2" charset="0"/>
+                <a:cs typeface="CMU Bright Roman" panose="02000603000000000000" pitchFamily="2" charset="0"/>
+              </a:rPr>
+              <a:t>Peak detection: foot strike and foot off</a:t>
+            </a:r>
+          </a:p>
+        </p:txBody>
+      </p:sp>
+      <p:sp>
+        <p:nvSpPr>
+          <p:cNvPr id="6" name="TextBox 5">
+            <a:extLst>
+              <a:ext uri="{FF2B5EF4-FFF2-40B4-BE49-F238E27FC236}">
+                <a16:creationId xmlns:a16="http://schemas.microsoft.com/office/drawing/2014/main" id="{00D08CF9-72A3-D694-BA7B-1AE84F93BD40}"/>
+              </a:ext>
+            </a:extLst>
+          </p:cNvPr>
+          <p:cNvSpPr txBox="1"/>
+          <p:nvPr/>
+        </p:nvSpPr>
+        <p:spPr>
+          <a:xfrm>
+            <a:off x="685154" y="767036"/>
+            <a:ext cx="10821691" cy="954107"/>
+          </a:xfrm>
+          <a:prstGeom prst="rect">
+            <a:avLst/>
+          </a:prstGeom>
+          <a:noFill/>
+        </p:spPr>
+        <p:txBody>
+          <a:bodyPr wrap="square" rtlCol="0">
+            <a:spAutoFit/>
+          </a:bodyPr>
+          <a:lstStyle/>
+          <a:p>
+            <a:r>
+              <a:rPr lang="en-GB" sz="2800" b="1" dirty="0">
+                <a:solidFill>
+                  <a:srgbClr val="E88034"/>
+                </a:solidFill>
+                <a:latin typeface="PT Mono" panose="02060509020205020204" pitchFamily="49" charset="77"/>
+                <a:ea typeface="CMU BRIGHT ROMAN" panose="02000603000000000000" pitchFamily="2" charset="0"/>
+                <a:cs typeface="CMU BRIGHT ROMAN" panose="02000603000000000000" pitchFamily="2" charset="0"/>
+              </a:rPr>
+              <a:t>Event detection:</a:t>
+            </a:r>
+          </a:p>
+          <a:p>
+            <a:r>
+              <a:rPr lang="en-GB" sz="2800" dirty="0">
+                <a:latin typeface="PT Mono" panose="02060509020205020204" pitchFamily="49" charset="77"/>
+                <a:ea typeface="CMU Bright Roman" panose="02000603000000000000" pitchFamily="2" charset="0"/>
+                <a:cs typeface="CMU Bright Roman" panose="02000603000000000000" pitchFamily="2" charset="0"/>
+              </a:rPr>
+              <a:t>Implementation</a:t>
+            </a:r>
+          </a:p>
+        </p:txBody>
+      </p:sp>
+    </p:spTree>
+    <p:extLst>
+      <p:ext uri="{BB962C8B-B14F-4D97-AF65-F5344CB8AC3E}">
+        <p14:creationId xmlns:p14="http://schemas.microsoft.com/office/powerpoint/2010/main" val="3673885763"/>
+      </p:ext>
+    </p:extLst>
+  </p:cSld>
+  <p:clrMapOvr>
+    <a:masterClrMapping/>
+  </p:clrMapOvr>
+  <mc:AlternateContent xmlns:mc="http://schemas.openxmlformats.org/markup-compatibility/2006">
+    <mc:Choice xmlns:p159="http://schemas.microsoft.com/office/powerpoint/2015/09/main" Requires="p159">
+      <p:transition>
+        <p159:morph option="byObject"/>
+      </p:transition>
+    </mc:Choice>
+    <mc:Fallback>
+      <p:transition>
+        <p:fade/>
+      </p:transition>
+    </mc:Fallback>
+  </mc:AlternateContent>
+</p:sld>
+</file>
+
+<file path=ppt/slides/slide7.xml><?xml version="1.0" encoding="utf-8"?>
+<p:sld xmlns:a="http://schemas.openxmlformats.org/drawingml/2006/main" xmlns:r="http://schemas.openxmlformats.org/officeDocument/2006/relationships" xmlns:p="http://schemas.openxmlformats.org/presentationml/2006/main">
+  <p:cSld>
+    <p:spTree>
+      <p:nvGrpSpPr>
+        <p:cNvPr id="1" name="">
+          <a:extLst>
+            <a:ext uri="{FF2B5EF4-FFF2-40B4-BE49-F238E27FC236}">
+              <a16:creationId xmlns:a16="http://schemas.microsoft.com/office/drawing/2014/main" id="{7D9925D9-E165-1D7F-6E92-451F1F8810CE}"/>
+            </a:ext>
+          </a:extLst>
+        </p:cNvPr>
+        <p:cNvGrpSpPr/>
+        <p:nvPr/>
+      </p:nvGrpSpPr>
+      <p:grpSpPr>
+        <a:xfrm>
+          <a:off x="0" y="0"/>
+          <a:ext cx="0" cy="0"/>
+          <a:chOff x="0" y="0"/>
+          <a:chExt cx="0" cy="0"/>
+        </a:xfrm>
+      </p:grpSpPr>
+      <p:sp>
+        <p:nvSpPr>
+          <p:cNvPr id="5" name="TextBox 4">
+            <a:extLst>
+              <a:ext uri="{FF2B5EF4-FFF2-40B4-BE49-F238E27FC236}">
+                <a16:creationId xmlns:a16="http://schemas.microsoft.com/office/drawing/2014/main" id="{AE870CC4-242B-BB5C-E1C6-F2390AA1DB1A}"/>
+              </a:ext>
+            </a:extLst>
+          </p:cNvPr>
+          <p:cNvSpPr txBox="1"/>
+          <p:nvPr/>
+        </p:nvSpPr>
+        <p:spPr>
+          <a:xfrm>
+            <a:off x="685154" y="2013086"/>
+            <a:ext cx="9232644" cy="954107"/>
+          </a:xfrm>
+          <a:prstGeom prst="rect">
+            <a:avLst/>
+          </a:prstGeom>
+          <a:noFill/>
+        </p:spPr>
+        <p:txBody>
+          <a:bodyPr wrap="square" rtlCol="0">
+            <a:spAutoFit/>
+          </a:bodyPr>
+          <a:lstStyle/>
+          <a:p>
+            <a:endParaRPr lang="en-GB" sz="2800" dirty="0">
+              <a:latin typeface="PT Mono" panose="02060509020205020204" pitchFamily="49" charset="77"/>
+              <a:ea typeface="CMU Bright Roman" panose="02000603000000000000" pitchFamily="2" charset="0"/>
+              <a:cs typeface="CMU Bright Roman" panose="02000603000000000000" pitchFamily="2" charset="0"/>
+            </a:endParaRPr>
+          </a:p>
+          <a:p>
+            <a:pPr marL="457200" indent="-457200">
+              <a:buFont typeface="Arial" panose="020B0604020202020204" pitchFamily="34" charset="0"/>
+              <a:buChar char="•"/>
+            </a:pPr>
+            <a:r>
+              <a:rPr lang="en-GB" sz="2800" dirty="0">
+                <a:latin typeface="PT Mono" panose="02060509020205020204" pitchFamily="49" charset="77"/>
+                <a:ea typeface="CMU Bright Roman" panose="02000603000000000000" pitchFamily="2" charset="0"/>
+                <a:cs typeface="CMU Bright Roman" panose="02000603000000000000" pitchFamily="2" charset="0"/>
+              </a:rPr>
+              <a:t>Highlight performance and injury risk</a:t>
+            </a:r>
+          </a:p>
+        </p:txBody>
+      </p:sp>
+      <p:sp>
+        <p:nvSpPr>
+          <p:cNvPr id="6" name="TextBox 5">
+            <a:extLst>
+              <a:ext uri="{FF2B5EF4-FFF2-40B4-BE49-F238E27FC236}">
+                <a16:creationId xmlns:a16="http://schemas.microsoft.com/office/drawing/2014/main" id="{DC058001-AED4-5F04-E789-83356AB28543}"/>
+              </a:ext>
+            </a:extLst>
+          </p:cNvPr>
+          <p:cNvSpPr txBox="1"/>
+          <p:nvPr/>
+        </p:nvSpPr>
+        <p:spPr>
+          <a:xfrm>
+            <a:off x="685154" y="767036"/>
+            <a:ext cx="10821691" cy="954107"/>
+          </a:xfrm>
+          <a:prstGeom prst="rect">
+            <a:avLst/>
+          </a:prstGeom>
+          <a:noFill/>
+        </p:spPr>
+        <p:txBody>
+          <a:bodyPr wrap="square" rtlCol="0">
+            <a:spAutoFit/>
+          </a:bodyPr>
+          <a:lstStyle/>
+          <a:p>
+            <a:r>
+              <a:rPr lang="en-GB" sz="2800" b="1" dirty="0">
+                <a:solidFill>
+                  <a:srgbClr val="E88034"/>
+                </a:solidFill>
+                <a:latin typeface="PT Mono" panose="02060509020205020204" pitchFamily="49" charset="77"/>
+                <a:ea typeface="CMU BRIGHT ROMAN" panose="02000603000000000000" pitchFamily="2" charset="0"/>
+                <a:cs typeface="CMU BRIGHT ROMAN" panose="02000603000000000000" pitchFamily="2" charset="0"/>
+              </a:rPr>
+              <a:t>Metrics:</a:t>
+            </a:r>
+          </a:p>
+          <a:p>
+            <a:r>
+              <a:rPr lang="en-GB" sz="2800" dirty="0">
+                <a:latin typeface="PT Mono" panose="02060509020205020204" pitchFamily="49" charset="77"/>
+                <a:ea typeface="CMU Bright Roman" panose="02000603000000000000" pitchFamily="2" charset="0"/>
+                <a:cs typeface="CMU Bright Roman" panose="02000603000000000000" pitchFamily="2" charset="0"/>
+              </a:rPr>
+              <a:t>Requirements</a:t>
+            </a:r>
+          </a:p>
+        </p:txBody>
+      </p:sp>
+    </p:spTree>
+    <p:extLst>
+      <p:ext uri="{BB962C8B-B14F-4D97-AF65-F5344CB8AC3E}">
+        <p14:creationId xmlns:p14="http://schemas.microsoft.com/office/powerpoint/2010/main" val="521870904"/>
+      </p:ext>
+    </p:extLst>
+  </p:cSld>
+  <p:clrMapOvr>
+    <a:masterClrMapping/>
+  </p:clrMapOvr>
+  <mc:AlternateContent xmlns:mc="http://schemas.openxmlformats.org/markup-compatibility/2006">
+    <mc:Choice xmlns:p159="http://schemas.microsoft.com/office/powerpoint/2015/09/main" Requires="p159">
+      <p:transition>
+        <p159:morph option="byObject"/>
+      </p:transition>
+    </mc:Choice>
+    <mc:Fallback>
+      <p:transition>
+        <p:fade/>
+      </p:transition>
+    </mc:Fallback>
+  </mc:AlternateContent>
+</p:sld>
+</file>
+
+<file path=ppt/slides/slide8.xml><?xml version="1.0" encoding="utf-8"?>
+<p:sld xmlns:a="http://schemas.openxmlformats.org/drawingml/2006/main" xmlns:r="http://schemas.openxmlformats.org/officeDocument/2006/relationships" xmlns:p="http://schemas.openxmlformats.org/presentationml/2006/main">
+  <p:cSld>
+    <p:spTree>
+      <p:nvGrpSpPr>
+        <p:cNvPr id="1" name=""/>
+        <p:cNvGrpSpPr/>
+        <p:nvPr/>
+      </p:nvGrpSpPr>
+      <p:grpSpPr>
+        <a:xfrm>
+          <a:off x="0" y="0"/>
+          <a:ext cx="0" cy="0"/>
+          <a:chOff x="0" y="0"/>
+          <a:chExt cx="0" cy="0"/>
+        </a:xfrm>
+      </p:grpSpPr>
+      <p:sp>
+        <p:nvSpPr>
+          <p:cNvPr id="5" name="TextBox 4">
+            <a:extLst>
+              <a:ext uri="{FF2B5EF4-FFF2-40B4-BE49-F238E27FC236}">
+                <a16:creationId xmlns:a16="http://schemas.microsoft.com/office/drawing/2014/main" id="{8E2A8EF9-D5D8-EF95-227F-51C0497D47C9}"/>
+              </a:ext>
+            </a:extLst>
+          </p:cNvPr>
+          <p:cNvSpPr txBox="1"/>
+          <p:nvPr/>
+        </p:nvSpPr>
+        <p:spPr>
+          <a:xfrm>
+            <a:off x="685154" y="767036"/>
+            <a:ext cx="10821691" cy="523220"/>
+          </a:xfrm>
+          <a:prstGeom prst="rect">
+            <a:avLst/>
+          </a:prstGeom>
+          <a:noFill/>
+        </p:spPr>
+        <p:txBody>
+          <a:bodyPr wrap="square" rtlCol="0">
+            <a:spAutoFit/>
+          </a:bodyPr>
+          <a:lstStyle/>
+          <a:p>
+            <a:r>
+              <a:rPr lang="en-GB" sz="2800" b="1" dirty="0">
+                <a:solidFill>
+                  <a:srgbClr val="E88034"/>
+                </a:solidFill>
+                <a:latin typeface="PT Mono" panose="02060509020205020204" pitchFamily="49" charset="77"/>
+                <a:ea typeface="CMU BRIGHT ROMAN" panose="02000603000000000000" pitchFamily="2" charset="0"/>
+                <a:cs typeface="CMU BRIGHT ROMAN" panose="02000603000000000000" pitchFamily="2" charset="0"/>
+              </a:rPr>
+              <a:t>Live demo:</a:t>
+            </a:r>
+          </a:p>
+        </p:txBody>
+      </p:sp>
+      <p:sp>
+        <p:nvSpPr>
+          <p:cNvPr id="6" name="TextBox 5">
+            <a:extLst>
+              <a:ext uri="{FF2B5EF4-FFF2-40B4-BE49-F238E27FC236}">
+                <a16:creationId xmlns:a16="http://schemas.microsoft.com/office/drawing/2014/main" id="{5467F86F-52F2-E13C-FFA5-E549E11F3D3A}"/>
+              </a:ext>
+            </a:extLst>
+          </p:cNvPr>
+          <p:cNvSpPr txBox="1"/>
+          <p:nvPr/>
+        </p:nvSpPr>
+        <p:spPr>
+          <a:xfrm>
+            <a:off x="259417" y="3429000"/>
+            <a:ext cx="11673163" cy="1200329"/>
+          </a:xfrm>
+          <a:prstGeom prst="rect">
+            <a:avLst/>
+          </a:prstGeom>
+          <a:noFill/>
+        </p:spPr>
+        <p:txBody>
+          <a:bodyPr wrap="square" rtlCol="0">
+            <a:spAutoFit/>
+          </a:bodyPr>
+          <a:lstStyle/>
+          <a:p>
+            <a:pPr algn="ctr"/>
+            <a:r>
+              <a:rPr lang="en-GB" sz="3600" dirty="0">
+                <a:solidFill>
+                  <a:srgbClr val="E88034"/>
+                </a:solidFill>
+                <a:latin typeface="PT Mono" panose="02060509020205020204" pitchFamily="49" charset="77"/>
+                <a:hlinkClick r:id="rId2">
+                  <a:extLst>
+                    <a:ext uri="{A12FA001-AC4F-418D-AE19-62706E023703}">
+                      <ahyp:hlinkClr xmlns:ahyp="http://schemas.microsoft.com/office/drawing/2018/hyperlinkcolor" val="tx"/>
+                    </a:ext>
+                  </a:extLst>
+                </a:hlinkClick>
+              </a:rPr>
+              <a:t>movetru-stride.streamlit.app</a:t>
+            </a:r>
+            <a:endParaRPr lang="en-GB" sz="3600" dirty="0">
+              <a:solidFill>
+                <a:srgbClr val="E88034"/>
+              </a:solidFill>
+              <a:latin typeface="PT Mono" panose="02060509020205020204" pitchFamily="49" charset="77"/>
+            </a:endParaRPr>
+          </a:p>
+          <a:p>
+            <a:pPr algn="ctr"/>
+            <a:endParaRPr lang="en-GB" sz="3600" dirty="0">
+              <a:solidFill>
+                <a:srgbClr val="E88034"/>
+              </a:solidFill>
+              <a:latin typeface="PT Mono" panose="02060509020205020204" pitchFamily="49" charset="77"/>
+            </a:endParaRPr>
+          </a:p>
+        </p:txBody>
+      </p:sp>
+    </p:spTree>
+    <p:extLst>
+      <p:ext uri="{BB962C8B-B14F-4D97-AF65-F5344CB8AC3E}">
+        <p14:creationId xmlns:p14="http://schemas.microsoft.com/office/powerpoint/2010/main" val="1941821609"/>
+      </p:ext>
+    </p:extLst>
+  </p:cSld>
+  <p:clrMapOvr>
+    <a:masterClrMapping/>
+  </p:clrMapOvr>
+  <mc:AlternateContent xmlns:mc="http://schemas.openxmlformats.org/markup-compatibility/2006">
+    <mc:Choice xmlns:p159="http://schemas.microsoft.com/office/powerpoint/2015/09/main" Requires="p159">
+      <p:transition>
+        <p159:morph option="byObject"/>
+      </p:transition>
+    </mc:Choice>
+    <mc:Fallback>
+      <p:transition>
+        <p:fade/>
+      </p:transition>
+    </mc:Fallback>
+  </mc:AlternateContent>
+</p:sld>
+</file>
+
+<file path=ppt/slides/slide9.xml><?xml version="1.0" encoding="utf-8"?>
+<p:sld xmlns:a="http://schemas.openxmlformats.org/drawingml/2006/main" xmlns:r="http://schemas.openxmlformats.org/officeDocument/2006/relationships" xmlns:p="http://schemas.openxmlformats.org/presentationml/2006/main">
+  <p:cSld>
+    <p:spTree>
+      <p:nvGrpSpPr>
+        <p:cNvPr id="1" name="">
+          <a:extLst>
+            <a:ext uri="{FF2B5EF4-FFF2-40B4-BE49-F238E27FC236}">
+              <a16:creationId xmlns:a16="http://schemas.microsoft.com/office/drawing/2014/main" id="{15ECFC8D-A6F0-FAC7-8B2E-358AE0734E57}"/>
+            </a:ext>
+          </a:extLst>
+        </p:cNvPr>
+        <p:cNvGrpSpPr/>
+        <p:nvPr/>
+      </p:nvGrpSpPr>
+      <p:grpSpPr>
+        <a:xfrm>
+          <a:off x="0" y="0"/>
+          <a:ext cx="0" cy="0"/>
+          <a:chOff x="0" y="0"/>
+          <a:chExt cx="0" cy="0"/>
+        </a:xfrm>
+      </p:grpSpPr>
+      <p:sp>
+        <p:nvSpPr>
+          <p:cNvPr id="5" name="TextBox 4">
+            <a:extLst>
+              <a:ext uri="{FF2B5EF4-FFF2-40B4-BE49-F238E27FC236}">
+                <a16:creationId xmlns:a16="http://schemas.microsoft.com/office/drawing/2014/main" id="{C7F678B9-0F91-9D32-9F95-1123FB08B77E}"/>
+              </a:ext>
+            </a:extLst>
+          </p:cNvPr>
+          <p:cNvSpPr txBox="1"/>
+          <p:nvPr/>
+        </p:nvSpPr>
+        <p:spPr>
+          <a:xfrm>
+            <a:off x="685154" y="2013086"/>
+            <a:ext cx="9232644" cy="954107"/>
+          </a:xfrm>
+          <a:prstGeom prst="rect">
+            <a:avLst/>
+          </a:prstGeom>
+          <a:noFill/>
+        </p:spPr>
+        <p:txBody>
+          <a:bodyPr wrap="square" rtlCol="0">
+            <a:spAutoFit/>
+          </a:bodyPr>
+          <a:lstStyle/>
+          <a:p>
+            <a:endParaRPr lang="en-GB" sz="2800" dirty="0">
+              <a:latin typeface="PT Mono" panose="02060509020205020204" pitchFamily="49" charset="77"/>
+              <a:ea typeface="CMU Bright Roman" panose="02000603000000000000" pitchFamily="2" charset="0"/>
+              <a:cs typeface="CMU Bright Roman" panose="02000603000000000000" pitchFamily="2" charset="0"/>
+            </a:endParaRPr>
+          </a:p>
+          <a:p>
+            <a:pPr marL="457200" indent="-457200">
+              <a:buFont typeface="Arial" panose="020B0604020202020204" pitchFamily="34" charset="0"/>
+              <a:buChar char="•"/>
+            </a:pPr>
+            <a:r>
+              <a:rPr lang="en-GB" sz="2800" dirty="0">
+                <a:latin typeface="PT Mono" panose="02060509020205020204" pitchFamily="49" charset="77"/>
+                <a:ea typeface="CMU Bright Roman" panose="02000603000000000000" pitchFamily="2" charset="0"/>
+                <a:cs typeface="CMU Bright Roman" panose="02000603000000000000" pitchFamily="2" charset="0"/>
+              </a:rPr>
+              <a:t>Highlight performance and injury risk</a:t>
+            </a:r>
+          </a:p>
+        </p:txBody>
+      </p:sp>
+      <p:sp>
+        <p:nvSpPr>
+          <p:cNvPr id="6" name="TextBox 5">
+            <a:extLst>
+              <a:ext uri="{FF2B5EF4-FFF2-40B4-BE49-F238E27FC236}">
+                <a16:creationId xmlns:a16="http://schemas.microsoft.com/office/drawing/2014/main" id="{7290058A-929C-1332-B737-45FBDF68B149}"/>
+              </a:ext>
+            </a:extLst>
+          </p:cNvPr>
+          <p:cNvSpPr txBox="1"/>
+          <p:nvPr/>
+        </p:nvSpPr>
+        <p:spPr>
+          <a:xfrm>
+            <a:off x="685154" y="767036"/>
+            <a:ext cx="10821691" cy="954107"/>
+          </a:xfrm>
+          <a:prstGeom prst="rect">
+            <a:avLst/>
+          </a:prstGeom>
+          <a:noFill/>
+        </p:spPr>
+        <p:txBody>
+          <a:bodyPr wrap="square" rtlCol="0">
+            <a:spAutoFit/>
+          </a:bodyPr>
+          <a:lstStyle/>
+          <a:p>
+            <a:r>
+              <a:rPr lang="en-GB" sz="2800" b="1" dirty="0">
+                <a:solidFill>
+                  <a:srgbClr val="E88034"/>
+                </a:solidFill>
+                <a:latin typeface="PT Mono" panose="02060509020205020204" pitchFamily="49" charset="77"/>
+                <a:ea typeface="CMU BRIGHT ROMAN" panose="02000603000000000000" pitchFamily="2" charset="0"/>
+                <a:cs typeface="CMU BRIGHT ROMAN" panose="02000603000000000000" pitchFamily="2" charset="0"/>
+              </a:rPr>
+              <a:t>Validation:</a:t>
+            </a:r>
+          </a:p>
+          <a:p>
+            <a:r>
+              <a:rPr lang="en-GB" sz="2800" dirty="0">
+                <a:latin typeface="PT Mono" panose="02060509020205020204" pitchFamily="49" charset="77"/>
+                <a:ea typeface="CMU Bright Roman" panose="02000603000000000000" pitchFamily="2" charset="0"/>
+                <a:cs typeface="CMU Bright Roman" panose="02000603000000000000" pitchFamily="2" charset="0"/>
+              </a:rPr>
+              <a:t>Requirements</a:t>
+            </a:r>
+          </a:p>
+        </p:txBody>
+      </p:sp>
+    </p:spTree>
+    <p:extLst>
+      <p:ext uri="{BB962C8B-B14F-4D97-AF65-F5344CB8AC3E}">
+        <p14:creationId xmlns:p14="http://schemas.microsoft.com/office/powerpoint/2010/main" val="2232957873"/>
+      </p:ext>
+    </p:extLst>
+  </p:cSld>
+  <p:clrMapOvr>
+    <a:masterClrMapping/>
+  </p:clrMapOvr>
+  <mc:AlternateContent xmlns:mc="http://schemas.openxmlformats.org/markup-compatibility/2006">
+    <mc:Choice xmlns:p159="http://schemas.microsoft.com/office/powerpoint/2015/09/main" Requires="p159">
+      <p:transition>
+        <p159:morph option="byObject"/>
+      </p:transition>
+    </mc:Choice>
+    <mc:Fallback>
+      <p:transition>
+        <p:fade/>
+      </p:transition>
+    </mc:Fallback>
+  </mc:AlternateContent>
 </p:sld>
 </file>
 
